--- a/data/pptx/004_politicke_stranke.pptx
+++ b/data/pptx/004_politicke_stranke.pptx
@@ -5,16 +5,16 @@
     <p:sldMasterId id="2147483661" r:id="rId1"/>
   </p:sldMasterIdLst>
   <p:notesMasterIdLst>
-    <p:notesMasterId r:id="rId29"/>
+    <p:notesMasterId r:id="rId31"/>
   </p:notesMasterIdLst>
   <p:sldIdLst>
     <p:sldId id="256" r:id="rId2"/>
     <p:sldId id="257" r:id="rId3"/>
-    <p:sldId id="260" r:id="rId4"/>
-    <p:sldId id="259" r:id="rId5"/>
-    <p:sldId id="273" r:id="rId6"/>
-    <p:sldId id="274" r:id="rId7"/>
-    <p:sldId id="278" r:id="rId8"/>
+    <p:sldId id="278" r:id="rId4"/>
+    <p:sldId id="260" r:id="rId5"/>
+    <p:sldId id="259" r:id="rId6"/>
+    <p:sldId id="273" r:id="rId7"/>
+    <p:sldId id="274" r:id="rId8"/>
     <p:sldId id="275" r:id="rId9"/>
     <p:sldId id="262" r:id="rId10"/>
     <p:sldId id="263" r:id="rId11"/>
@@ -26,15 +26,17 @@
     <p:sldId id="290" r:id="rId17"/>
     <p:sldId id="266" r:id="rId18"/>
     <p:sldId id="271" r:id="rId19"/>
-    <p:sldId id="270" r:id="rId20"/>
-    <p:sldId id="282" r:id="rId21"/>
-    <p:sldId id="288" r:id="rId22"/>
-    <p:sldId id="289" r:id="rId23"/>
-    <p:sldId id="283" r:id="rId24"/>
-    <p:sldId id="285" r:id="rId25"/>
-    <p:sldId id="295" r:id="rId26"/>
-    <p:sldId id="296" r:id="rId27"/>
-    <p:sldId id="297" r:id="rId28"/>
+    <p:sldId id="301" r:id="rId20"/>
+    <p:sldId id="299" r:id="rId21"/>
+    <p:sldId id="300" r:id="rId22"/>
+    <p:sldId id="282" r:id="rId23"/>
+    <p:sldId id="288" r:id="rId24"/>
+    <p:sldId id="289" r:id="rId25"/>
+    <p:sldId id="283" r:id="rId26"/>
+    <p:sldId id="285" r:id="rId27"/>
+    <p:sldId id="295" r:id="rId28"/>
+    <p:sldId id="296" r:id="rId29"/>
+    <p:sldId id="297" r:id="rId30"/>
   </p:sldIdLst>
   <p:sldSz cx="9144000" cy="6858000" type="screen4x3"/>
   <p:notesSz cx="7772400" cy="10058400"/>
@@ -2207,7 +2209,253 @@
             <a:fld id="{F3D0B6CC-DF53-4B3F-A43C-5B2C8B835909}" type="slidenum">
               <a:rPr lang="en-US"/>
               <a:pPr/>
-              <a:t>27</a:t>
+              <a:t>22</a:t>
+            </a:fld>
+            <a:endParaRPr lang="en-US"/>
+          </a:p>
+        </p:txBody>
+      </p:sp>
+      <p:sp>
+        <p:nvSpPr>
+          <p:cNvPr id="50177" name="Rectangle 1"/>
+          <p:cNvSpPr txBox="1">
+            <a:spLocks noGrp="1" noRot="1" noChangeAspect="1" noChangeArrowheads="1"/>
+          </p:cNvSpPr>
+          <p:nvPr>
+            <p:ph type="sldImg"/>
+          </p:nvPr>
+        </p:nvSpPr>
+        <p:spPr bwMode="auto">
+          <a:xfrm>
+            <a:off x="1371600" y="763588"/>
+            <a:ext cx="5029200" cy="3771900"/>
+          </a:xfrm>
+          <a:prstGeom prst="rect">
+            <a:avLst/>
+          </a:prstGeom>
+          <a:solidFill>
+            <a:srgbClr val="FFFFFF"/>
+          </a:solidFill>
+          <a:ln>
+            <a:solidFill>
+              <a:srgbClr val="000000"/>
+            </a:solidFill>
+            <a:miter lim="800000"/>
+            <a:headEnd/>
+            <a:tailEnd/>
+          </a:ln>
+        </p:spPr>
+      </p:sp>
+      <p:sp>
+        <p:nvSpPr>
+          <p:cNvPr id="50178" name="Rectangle 2"/>
+          <p:cNvSpPr txBox="1">
+            <a:spLocks noGrp="1" noChangeArrowheads="1"/>
+          </p:cNvSpPr>
+          <p:nvPr>
+            <p:ph type="body" idx="1"/>
+          </p:nvPr>
+        </p:nvSpPr>
+        <p:spPr bwMode="auto">
+          <a:xfrm>
+            <a:off x="777875" y="4776788"/>
+            <a:ext cx="6218238" cy="4525962"/>
+          </a:xfrm>
+          <a:prstGeom prst="rect">
+            <a:avLst/>
+          </a:prstGeom>
+          <a:noFill/>
+          <a:ln>
+            <a:round/>
+            <a:headEnd/>
+            <a:tailEnd/>
+          </a:ln>
+        </p:spPr>
+        <p:txBody>
+          <a:bodyPr wrap="none" anchor="ctr"/>
+          <a:lstStyle/>
+          <a:p>
+            <a:endParaRPr lang="sr-Latn-CS"/>
+          </a:p>
+        </p:txBody>
+      </p:sp>
+    </p:spTree>
+  </p:cSld>
+  <p:clrMapOvr>
+    <a:masterClrMapping/>
+  </p:clrMapOvr>
+</p:notes>
+</file>
+
+<file path=ppt/notesSlides/notesSlide21.xml><?xml version="1.0" encoding="utf-8"?>
+<p:notes xmlns:a="http://schemas.openxmlformats.org/drawingml/2006/main" xmlns:r="http://schemas.openxmlformats.org/officeDocument/2006/relationships" xmlns:p="http://schemas.openxmlformats.org/presentationml/2006/main">
+  <p:cSld>
+    <p:bg>
+      <p:bgPr>
+        <a:solidFill>
+          <a:srgbClr val="FFFFFF"/>
+        </a:solidFill>
+        <a:effectLst/>
+      </p:bgPr>
+    </p:bg>
+    <p:spTree>
+      <p:nvGrpSpPr>
+        <p:cNvPr id="1" name=""/>
+        <p:cNvGrpSpPr/>
+        <p:nvPr/>
+      </p:nvGrpSpPr>
+      <p:grpSpPr>
+        <a:xfrm>
+          <a:off x="0" y="0"/>
+          <a:ext cx="0" cy="0"/>
+          <a:chOff x="0" y="0"/>
+          <a:chExt cx="0" cy="0"/>
+        </a:xfrm>
+      </p:grpSpPr>
+      <p:sp>
+        <p:nvSpPr>
+          <p:cNvPr id="7" name="Rectangle 6"/>
+          <p:cNvSpPr>
+            <a:spLocks noGrp="1" noChangeArrowheads="1"/>
+          </p:cNvSpPr>
+          <p:nvPr>
+            <p:ph type="sldNum"/>
+          </p:nvPr>
+        </p:nvSpPr>
+        <p:spPr>
+          <a:ln/>
+        </p:spPr>
+        <p:txBody>
+          <a:bodyPr/>
+          <a:lstStyle/>
+          <a:p>
+            <a:fld id="{F3D0B6CC-DF53-4B3F-A43C-5B2C8B835909}" type="slidenum">
+              <a:rPr lang="en-US"/>
+              <a:pPr/>
+              <a:t>23</a:t>
+            </a:fld>
+            <a:endParaRPr lang="en-US"/>
+          </a:p>
+        </p:txBody>
+      </p:sp>
+      <p:sp>
+        <p:nvSpPr>
+          <p:cNvPr id="50177" name="Rectangle 1"/>
+          <p:cNvSpPr txBox="1">
+            <a:spLocks noGrp="1" noRot="1" noChangeAspect="1" noChangeArrowheads="1"/>
+          </p:cNvSpPr>
+          <p:nvPr>
+            <p:ph type="sldImg"/>
+          </p:nvPr>
+        </p:nvSpPr>
+        <p:spPr bwMode="auto">
+          <a:xfrm>
+            <a:off x="1371600" y="763588"/>
+            <a:ext cx="5029200" cy="3771900"/>
+          </a:xfrm>
+          <a:prstGeom prst="rect">
+            <a:avLst/>
+          </a:prstGeom>
+          <a:solidFill>
+            <a:srgbClr val="FFFFFF"/>
+          </a:solidFill>
+          <a:ln>
+            <a:solidFill>
+              <a:srgbClr val="000000"/>
+            </a:solidFill>
+            <a:miter lim="800000"/>
+            <a:headEnd/>
+            <a:tailEnd/>
+          </a:ln>
+        </p:spPr>
+      </p:sp>
+      <p:sp>
+        <p:nvSpPr>
+          <p:cNvPr id="50178" name="Rectangle 2"/>
+          <p:cNvSpPr txBox="1">
+            <a:spLocks noGrp="1" noChangeArrowheads="1"/>
+          </p:cNvSpPr>
+          <p:nvPr>
+            <p:ph type="body" idx="1"/>
+          </p:nvPr>
+        </p:nvSpPr>
+        <p:spPr bwMode="auto">
+          <a:xfrm>
+            <a:off x="777875" y="4776788"/>
+            <a:ext cx="6218238" cy="4525962"/>
+          </a:xfrm>
+          <a:prstGeom prst="rect">
+            <a:avLst/>
+          </a:prstGeom>
+          <a:noFill/>
+          <a:ln>
+            <a:round/>
+            <a:headEnd/>
+            <a:tailEnd/>
+          </a:ln>
+        </p:spPr>
+        <p:txBody>
+          <a:bodyPr wrap="none" anchor="ctr"/>
+          <a:lstStyle/>
+          <a:p>
+            <a:endParaRPr lang="sr-Latn-CS"/>
+          </a:p>
+        </p:txBody>
+      </p:sp>
+    </p:spTree>
+  </p:cSld>
+  <p:clrMapOvr>
+    <a:masterClrMapping/>
+  </p:clrMapOvr>
+</p:notes>
+</file>
+
+<file path=ppt/notesSlides/notesSlide22.xml><?xml version="1.0" encoding="utf-8"?>
+<p:notes xmlns:a="http://schemas.openxmlformats.org/drawingml/2006/main" xmlns:r="http://schemas.openxmlformats.org/officeDocument/2006/relationships" xmlns:p="http://schemas.openxmlformats.org/presentationml/2006/main">
+  <p:cSld>
+    <p:bg>
+      <p:bgPr>
+        <a:solidFill>
+          <a:srgbClr val="FFFFFF"/>
+        </a:solidFill>
+        <a:effectLst/>
+      </p:bgPr>
+    </p:bg>
+    <p:spTree>
+      <p:nvGrpSpPr>
+        <p:cNvPr id="1" name=""/>
+        <p:cNvGrpSpPr/>
+        <p:nvPr/>
+      </p:nvGrpSpPr>
+      <p:grpSpPr>
+        <a:xfrm>
+          <a:off x="0" y="0"/>
+          <a:ext cx="0" cy="0"/>
+          <a:chOff x="0" y="0"/>
+          <a:chExt cx="0" cy="0"/>
+        </a:xfrm>
+      </p:grpSpPr>
+      <p:sp>
+        <p:nvSpPr>
+          <p:cNvPr id="7" name="Rectangle 6"/>
+          <p:cNvSpPr>
+            <a:spLocks noGrp="1" noChangeArrowheads="1"/>
+          </p:cNvSpPr>
+          <p:nvPr>
+            <p:ph type="sldNum"/>
+          </p:nvPr>
+        </p:nvSpPr>
+        <p:spPr>
+          <a:ln/>
+        </p:spPr>
+        <p:txBody>
+          <a:bodyPr/>
+          <a:lstStyle/>
+          <a:p>
+            <a:fld id="{F3D0B6CC-DF53-4B3F-A43C-5B2C8B835909}" type="slidenum">
+              <a:rPr lang="en-US"/>
+              <a:pPr/>
+              <a:t>29</a:t>
             </a:fld>
             <a:endParaRPr lang="en-US"/>
           </a:p>
@@ -7781,13 +8029,13 @@
   <p:clrMapOvr>
     <a:masterClrMapping/>
   </p:clrMapOvr>
-  <mc:AlternateContent xmlns:mc="http://schemas.openxmlformats.org/markup-compatibility/2006" xmlns:p14="http://schemas.microsoft.com/office/powerpoint/2010/main">
-    <mc:Choice Requires="p14">
+  <mc:AlternateContent xmlns:mc="http://schemas.openxmlformats.org/markup-compatibility/2006">
+    <mc:Choice xmlns:p14="http://schemas.microsoft.com/office/powerpoint/2010/main" Requires="p14">
       <p:transition>
         <p14:reveal/>
       </p:transition>
     </mc:Choice>
-    <mc:Fallback xmlns="">
+    <mc:Fallback>
       <p:transition>
         <p:fade/>
       </p:transition>
@@ -9215,13 +9463,13 @@
   <p:clrMapOvr>
     <a:masterClrMapping/>
   </p:clrMapOvr>
-  <mc:AlternateContent xmlns:mc="http://schemas.openxmlformats.org/markup-compatibility/2006" xmlns:p14="http://schemas.microsoft.com/office/powerpoint/2010/main">
-    <mc:Choice Requires="p14">
+  <mc:AlternateContent xmlns:mc="http://schemas.openxmlformats.org/markup-compatibility/2006">
+    <mc:Choice xmlns:p14="http://schemas.microsoft.com/office/powerpoint/2010/main" Requires="p14">
       <p:transition>
         <p14:reveal/>
       </p:transition>
     </mc:Choice>
-    <mc:Fallback xmlns="">
+    <mc:Fallback>
       <p:transition>
         <p:fade/>
       </p:transition>
@@ -10177,7 +10425,7 @@
 </file>
 
 <file path=ppt/slides/slide12.xml><?xml version="1.0" encoding="utf-8"?>
-<p:sld xmlns:a="http://schemas.openxmlformats.org/drawingml/2006/main" xmlns:r="http://schemas.openxmlformats.org/officeDocument/2006/relationships" xmlns:p="http://schemas.openxmlformats.org/presentationml/2006/main">
+<p:sld xmlns:a="http://schemas.openxmlformats.org/drawingml/2006/main" xmlns:r="http://schemas.openxmlformats.org/officeDocument/2006/relationships" xmlns:p="http://schemas.openxmlformats.org/presentationml/2006/main" show="0">
   <p:cSld>
     <p:spTree>
       <p:nvGrpSpPr>
@@ -11350,13 +11598,13 @@
   <p:clrMapOvr>
     <a:masterClrMapping/>
   </p:clrMapOvr>
-  <mc:AlternateContent xmlns:mc="http://schemas.openxmlformats.org/markup-compatibility/2006" xmlns:p14="http://schemas.microsoft.com/office/powerpoint/2010/main">
-    <mc:Choice Requires="p14">
+  <mc:AlternateContent xmlns:mc="http://schemas.openxmlformats.org/markup-compatibility/2006">
+    <mc:Choice xmlns:p14="http://schemas.microsoft.com/office/powerpoint/2010/main" Requires="p14">
       <p:transition>
         <p14:reveal/>
       </p:transition>
     </mc:Choice>
-    <mc:Fallback xmlns="">
+    <mc:Fallback>
       <p:transition>
         <p:fade/>
       </p:transition>
@@ -12770,7 +13018,19 @@
           <p:nvPr/>
         </p:nvPicPr>
         <p:blipFill>
-          <a:blip r:embed="rId3" cstate="email"/>
+          <a:blip r:embed="rId3" cstate="email">
+            <a:extLst>
+              <a:ext uri="{BEBA8EAE-BF5A-486C-A8C5-ECC9F3942E4B}">
+                <a14:imgProps xmlns:a14="http://schemas.microsoft.com/office/drawing/2010/main">
+                  <a14:imgLayer r:embed="rId4">
+                    <a14:imgEffect>
+                      <a14:sharpenSoften amount="25000"/>
+                    </a14:imgEffect>
+                  </a14:imgLayer>
+                </a14:imgProps>
+              </a:ext>
+            </a:extLst>
+          </a:blip>
           <a:srcRect/>
           <a:stretch>
             <a:fillRect/>
@@ -13774,13 +14034,13 @@
         <p:spPr bwMode="auto">
           <a:xfrm>
             <a:off x="142844" y="714356"/>
-            <a:ext cx="2857519" cy="3857652"/>
+            <a:ext cx="2857519" cy="3578740"/>
           </a:xfrm>
           <a:prstGeom prst="rect">
             <a:avLst/>
           </a:prstGeom>
           <a:noFill/>
-          <a:ln w="38100" cap="flat" cmpd="sng" algn="ctr">
+          <a:ln w="28575" cap="flat" cmpd="sng" algn="ctr">
             <a:solidFill>
               <a:schemeClr val="tx1"/>
             </a:solidFill>
@@ -13851,7 +14111,7 @@
           <a:solidFill>
             <a:srgbClr val="C00000"/>
           </a:solidFill>
-          <a:ln w="38100" cap="flat" cmpd="sng" algn="ctr">
+          <a:ln w="19050" cap="flat" cmpd="sng" algn="ctr">
             <a:solidFill>
               <a:schemeClr val="tx1"/>
             </a:solidFill>
@@ -14004,13 +14264,13 @@
         <p:spPr bwMode="auto">
           <a:xfrm>
             <a:off x="3143241" y="714355"/>
-            <a:ext cx="2857519" cy="3857653"/>
+            <a:ext cx="2857519" cy="3578741"/>
           </a:xfrm>
           <a:prstGeom prst="rect">
             <a:avLst/>
           </a:prstGeom>
           <a:noFill/>
-          <a:ln w="38100" cap="flat" cmpd="sng" algn="ctr">
+          <a:ln w="28575" cap="flat" cmpd="sng" algn="ctr">
             <a:solidFill>
               <a:schemeClr val="tx1"/>
             </a:solidFill>
@@ -14083,7 +14343,7 @@
               <a:lumMod val="50000"/>
             </a:schemeClr>
           </a:solidFill>
-          <a:ln w="38100" cap="flat" cmpd="sng" algn="ctr">
+          <a:ln w="19050" cap="flat" cmpd="sng" algn="ctr">
             <a:solidFill>
               <a:schemeClr val="tx1"/>
             </a:solidFill>
@@ -14141,7 +14401,7 @@
             <a:avLst/>
           </a:prstGeom>
           <a:noFill/>
-          <a:ln w="38100" cap="flat" cmpd="sng" algn="ctr">
+          <a:ln w="28575" cap="flat" cmpd="sng" algn="ctr">
             <a:solidFill>
               <a:schemeClr val="tx1"/>
             </a:solidFill>
@@ -14212,7 +14472,7 @@
           <a:solidFill>
             <a:schemeClr val="bg1"/>
           </a:solidFill>
-          <a:ln w="38100" cap="flat" cmpd="sng" algn="ctr">
+          <a:ln w="19050" cap="flat" cmpd="sng" algn="ctr">
             <a:solidFill>
               <a:schemeClr val="tx1"/>
             </a:solidFill>
@@ -14264,7 +14524,7 @@
         <p:spPr>
           <a:xfrm>
             <a:off x="3143240" y="1000108"/>
-            <a:ext cx="2857520" cy="3293209"/>
+            <a:ext cx="2857520" cy="2985433"/>
           </a:xfrm>
           <a:prstGeom prst="rect">
             <a:avLst/>
@@ -14451,7 +14711,7 @@
                 <a:latin typeface="Calibri" pitchFamily="34" charset="0"/>
                 <a:cs typeface="Calibri" pitchFamily="34" charset="0"/>
               </a:rPr>
-              <a:t>skloni su povezivanjima s obje strane</a:t>
+              <a:t>skloni su povezivanju s obje strane</a:t>
             </a:r>
             <a:endParaRPr lang="hr-HR" sz="2000" dirty="0" smtClean="0">
               <a:latin typeface="Calibri" pitchFamily="34" charset="0"/>
@@ -14607,7 +14867,7 @@
         </p:nvSpPr>
         <p:spPr bwMode="auto">
           <a:xfrm>
-            <a:off x="4572000" y="5500702"/>
+            <a:off x="4572000" y="5322107"/>
             <a:ext cx="1571637" cy="1000132"/>
           </a:xfrm>
           <a:prstGeom prst="rect">
@@ -14618,7 +14878,7 @@
               <a:lumMod val="50000"/>
             </a:schemeClr>
           </a:solidFill>
-          <a:ln w="38100" cap="flat" cmpd="sng" algn="ctr">
+          <a:ln w="19050" cap="flat" cmpd="sng" algn="ctr">
             <a:solidFill>
               <a:schemeClr val="tx1"/>
             </a:solidFill>
@@ -14669,7 +14929,7 @@
         </p:nvSpPr>
         <p:spPr bwMode="auto">
           <a:xfrm>
-            <a:off x="2786050" y="5500702"/>
+            <a:off x="2786050" y="5322107"/>
             <a:ext cx="1571637" cy="1000132"/>
           </a:xfrm>
           <a:prstGeom prst="rect">
@@ -14680,7 +14940,7 @@
               <a:lumMod val="50000"/>
             </a:schemeClr>
           </a:solidFill>
-          <a:ln w="38100" cap="flat" cmpd="sng" algn="ctr">
+          <a:ln w="19050" cap="flat" cmpd="sng" algn="ctr">
             <a:solidFill>
               <a:schemeClr val="tx1"/>
             </a:solidFill>
@@ -14731,7 +14991,7 @@
         </p:nvCxnSpPr>
         <p:spPr bwMode="auto">
           <a:xfrm rot="5400000">
-            <a:off x="3482570" y="4893479"/>
+            <a:off x="3482570" y="4714884"/>
             <a:ext cx="607224" cy="285752"/>
           </a:xfrm>
           <a:prstGeom prst="straightConnector1">
@@ -14760,7 +15020,7 @@
         </p:nvCxnSpPr>
         <p:spPr bwMode="auto">
           <a:xfrm rot="16200000" flipH="1">
-            <a:off x="4857752" y="4857761"/>
+            <a:off x="4857752" y="4679166"/>
             <a:ext cx="642942" cy="357190"/>
           </a:xfrm>
           <a:prstGeom prst="straightConnector1">
@@ -16070,7 +16330,7 @@
         <p:spPr>
           <a:xfrm>
             <a:off x="142844" y="6143644"/>
-            <a:ext cx="2687531" cy="550279"/>
+            <a:ext cx="3979551" cy="550279"/>
           </a:xfrm>
           <a:prstGeom prst="rect">
             <a:avLst/>
@@ -16098,7 +16358,7 @@
                 <a:latin typeface="Calibri" pitchFamily="34" charset="0"/>
                 <a:cs typeface="Calibri" pitchFamily="34" charset="0"/>
               </a:rPr>
-              <a:t>7. saziv Sabora</a:t>
+              <a:t>7. saziv Sabora (2011.)</a:t>
             </a:r>
             <a:endParaRPr lang="hr-HR" sz="3200" b="1" dirty="0">
               <a:solidFill>
@@ -16166,7 +16426,7 @@
         </p:blipFill>
         <p:spPr>
           <a:xfrm>
-            <a:off x="2857488" y="5143512"/>
+            <a:off x="2699792" y="4898258"/>
             <a:ext cx="1643074" cy="1214446"/>
           </a:xfrm>
           <a:prstGeom prst="rect">
@@ -17075,7 +17335,7 @@
                 <a14:imgProps xmlns:a14="http://schemas.microsoft.com/office/drawing/2010/main">
                   <a14:imgLayer r:embed="rId3">
                     <a14:imgEffect>
-                      <a14:sharpenSoften amount="25000"/>
+                      <a14:sharpenSoften amount="50000"/>
                     </a14:imgEffect>
                   </a14:imgLayer>
                 </a14:imgProps>
@@ -17108,6 +17368,683 @@
           </a:extLst>
         </p:spPr>
       </p:pic>
+      <p:sp>
+        <p:nvSpPr>
+          <p:cNvPr id="3" name="Freeform 2"/>
+          <p:cNvSpPr/>
+          <p:nvPr/>
+        </p:nvSpPr>
+        <p:spPr>
+          <a:xfrm>
+            <a:off x="4386608" y="1916831"/>
+            <a:ext cx="1116464" cy="2401967"/>
+          </a:xfrm>
+          <a:custGeom>
+            <a:avLst/>
+            <a:gdLst>
+              <a:gd name="connsiteX0" fmla="*/ 1095032 w 1095032"/>
+              <a:gd name="connsiteY0" fmla="*/ 0 h 2463800"/>
+              <a:gd name="connsiteX1" fmla="*/ 936282 w 1095032"/>
+              <a:gd name="connsiteY1" fmla="*/ 387350 h 2463800"/>
+              <a:gd name="connsiteX2" fmla="*/ 821982 w 1095032"/>
+              <a:gd name="connsiteY2" fmla="*/ 704850 h 2463800"/>
+              <a:gd name="connsiteX3" fmla="*/ 682282 w 1095032"/>
+              <a:gd name="connsiteY3" fmla="*/ 660400 h 2463800"/>
+              <a:gd name="connsiteX4" fmla="*/ 485432 w 1095032"/>
+              <a:gd name="connsiteY4" fmla="*/ 641350 h 2463800"/>
+              <a:gd name="connsiteX5" fmla="*/ 428282 w 1095032"/>
+              <a:gd name="connsiteY5" fmla="*/ 869950 h 2463800"/>
+              <a:gd name="connsiteX6" fmla="*/ 282232 w 1095032"/>
+              <a:gd name="connsiteY6" fmla="*/ 1206500 h 2463800"/>
+              <a:gd name="connsiteX7" fmla="*/ 123482 w 1095032"/>
+              <a:gd name="connsiteY7" fmla="*/ 1543050 h 2463800"/>
+              <a:gd name="connsiteX8" fmla="*/ 2832 w 1095032"/>
+              <a:gd name="connsiteY8" fmla="*/ 1739900 h 2463800"/>
+              <a:gd name="connsiteX9" fmla="*/ 40932 w 1095032"/>
+              <a:gd name="connsiteY9" fmla="*/ 2292350 h 2463800"/>
+              <a:gd name="connsiteX10" fmla="*/ 72682 w 1095032"/>
+              <a:gd name="connsiteY10" fmla="*/ 2463800 h 2463800"/>
+              <a:gd name="connsiteX0" fmla="*/ 1095032 w 1095032"/>
+              <a:gd name="connsiteY0" fmla="*/ 0 h 2463800"/>
+              <a:gd name="connsiteX1" fmla="*/ 936282 w 1095032"/>
+              <a:gd name="connsiteY1" fmla="*/ 387350 h 2463800"/>
+              <a:gd name="connsiteX2" fmla="*/ 821982 w 1095032"/>
+              <a:gd name="connsiteY2" fmla="*/ 704850 h 2463800"/>
+              <a:gd name="connsiteX3" fmla="*/ 691807 w 1095032"/>
+              <a:gd name="connsiteY3" fmla="*/ 634206 h 2463800"/>
+              <a:gd name="connsiteX4" fmla="*/ 485432 w 1095032"/>
+              <a:gd name="connsiteY4" fmla="*/ 641350 h 2463800"/>
+              <a:gd name="connsiteX5" fmla="*/ 428282 w 1095032"/>
+              <a:gd name="connsiteY5" fmla="*/ 869950 h 2463800"/>
+              <a:gd name="connsiteX6" fmla="*/ 282232 w 1095032"/>
+              <a:gd name="connsiteY6" fmla="*/ 1206500 h 2463800"/>
+              <a:gd name="connsiteX7" fmla="*/ 123482 w 1095032"/>
+              <a:gd name="connsiteY7" fmla="*/ 1543050 h 2463800"/>
+              <a:gd name="connsiteX8" fmla="*/ 2832 w 1095032"/>
+              <a:gd name="connsiteY8" fmla="*/ 1739900 h 2463800"/>
+              <a:gd name="connsiteX9" fmla="*/ 40932 w 1095032"/>
+              <a:gd name="connsiteY9" fmla="*/ 2292350 h 2463800"/>
+              <a:gd name="connsiteX10" fmla="*/ 72682 w 1095032"/>
+              <a:gd name="connsiteY10" fmla="*/ 2463800 h 2463800"/>
+              <a:gd name="connsiteX0" fmla="*/ 1095032 w 1095032"/>
+              <a:gd name="connsiteY0" fmla="*/ 0 h 2463800"/>
+              <a:gd name="connsiteX1" fmla="*/ 936282 w 1095032"/>
+              <a:gd name="connsiteY1" fmla="*/ 387350 h 2463800"/>
+              <a:gd name="connsiteX2" fmla="*/ 821982 w 1095032"/>
+              <a:gd name="connsiteY2" fmla="*/ 704850 h 2463800"/>
+              <a:gd name="connsiteX3" fmla="*/ 691807 w 1095032"/>
+              <a:gd name="connsiteY3" fmla="*/ 634206 h 2463800"/>
+              <a:gd name="connsiteX4" fmla="*/ 518769 w 1095032"/>
+              <a:gd name="connsiteY4" fmla="*/ 646113 h 2463800"/>
+              <a:gd name="connsiteX5" fmla="*/ 428282 w 1095032"/>
+              <a:gd name="connsiteY5" fmla="*/ 869950 h 2463800"/>
+              <a:gd name="connsiteX6" fmla="*/ 282232 w 1095032"/>
+              <a:gd name="connsiteY6" fmla="*/ 1206500 h 2463800"/>
+              <a:gd name="connsiteX7" fmla="*/ 123482 w 1095032"/>
+              <a:gd name="connsiteY7" fmla="*/ 1543050 h 2463800"/>
+              <a:gd name="connsiteX8" fmla="*/ 2832 w 1095032"/>
+              <a:gd name="connsiteY8" fmla="*/ 1739900 h 2463800"/>
+              <a:gd name="connsiteX9" fmla="*/ 40932 w 1095032"/>
+              <a:gd name="connsiteY9" fmla="*/ 2292350 h 2463800"/>
+              <a:gd name="connsiteX10" fmla="*/ 72682 w 1095032"/>
+              <a:gd name="connsiteY10" fmla="*/ 2463800 h 2463800"/>
+              <a:gd name="connsiteX0" fmla="*/ 1095032 w 1095032"/>
+              <a:gd name="connsiteY0" fmla="*/ 0 h 2463800"/>
+              <a:gd name="connsiteX1" fmla="*/ 936282 w 1095032"/>
+              <a:gd name="connsiteY1" fmla="*/ 387350 h 2463800"/>
+              <a:gd name="connsiteX2" fmla="*/ 831507 w 1095032"/>
+              <a:gd name="connsiteY2" fmla="*/ 638175 h 2463800"/>
+              <a:gd name="connsiteX3" fmla="*/ 691807 w 1095032"/>
+              <a:gd name="connsiteY3" fmla="*/ 634206 h 2463800"/>
+              <a:gd name="connsiteX4" fmla="*/ 518769 w 1095032"/>
+              <a:gd name="connsiteY4" fmla="*/ 646113 h 2463800"/>
+              <a:gd name="connsiteX5" fmla="*/ 428282 w 1095032"/>
+              <a:gd name="connsiteY5" fmla="*/ 869950 h 2463800"/>
+              <a:gd name="connsiteX6" fmla="*/ 282232 w 1095032"/>
+              <a:gd name="connsiteY6" fmla="*/ 1206500 h 2463800"/>
+              <a:gd name="connsiteX7" fmla="*/ 123482 w 1095032"/>
+              <a:gd name="connsiteY7" fmla="*/ 1543050 h 2463800"/>
+              <a:gd name="connsiteX8" fmla="*/ 2832 w 1095032"/>
+              <a:gd name="connsiteY8" fmla="*/ 1739900 h 2463800"/>
+              <a:gd name="connsiteX9" fmla="*/ 40932 w 1095032"/>
+              <a:gd name="connsiteY9" fmla="*/ 2292350 h 2463800"/>
+              <a:gd name="connsiteX10" fmla="*/ 72682 w 1095032"/>
+              <a:gd name="connsiteY10" fmla="*/ 2463800 h 2463800"/>
+              <a:gd name="connsiteX0" fmla="*/ 1095032 w 1095032"/>
+              <a:gd name="connsiteY0" fmla="*/ 0 h 2463800"/>
+              <a:gd name="connsiteX1" fmla="*/ 974382 w 1095032"/>
+              <a:gd name="connsiteY1" fmla="*/ 377825 h 2463800"/>
+              <a:gd name="connsiteX2" fmla="*/ 831507 w 1095032"/>
+              <a:gd name="connsiteY2" fmla="*/ 638175 h 2463800"/>
+              <a:gd name="connsiteX3" fmla="*/ 691807 w 1095032"/>
+              <a:gd name="connsiteY3" fmla="*/ 634206 h 2463800"/>
+              <a:gd name="connsiteX4" fmla="*/ 518769 w 1095032"/>
+              <a:gd name="connsiteY4" fmla="*/ 646113 h 2463800"/>
+              <a:gd name="connsiteX5" fmla="*/ 428282 w 1095032"/>
+              <a:gd name="connsiteY5" fmla="*/ 869950 h 2463800"/>
+              <a:gd name="connsiteX6" fmla="*/ 282232 w 1095032"/>
+              <a:gd name="connsiteY6" fmla="*/ 1206500 h 2463800"/>
+              <a:gd name="connsiteX7" fmla="*/ 123482 w 1095032"/>
+              <a:gd name="connsiteY7" fmla="*/ 1543050 h 2463800"/>
+              <a:gd name="connsiteX8" fmla="*/ 2832 w 1095032"/>
+              <a:gd name="connsiteY8" fmla="*/ 1739900 h 2463800"/>
+              <a:gd name="connsiteX9" fmla="*/ 40932 w 1095032"/>
+              <a:gd name="connsiteY9" fmla="*/ 2292350 h 2463800"/>
+              <a:gd name="connsiteX10" fmla="*/ 72682 w 1095032"/>
+              <a:gd name="connsiteY10" fmla="*/ 2463800 h 2463800"/>
+              <a:gd name="connsiteX0" fmla="*/ 1116464 w 1116464"/>
+              <a:gd name="connsiteY0" fmla="*/ 0 h 2463800"/>
+              <a:gd name="connsiteX1" fmla="*/ 974382 w 1116464"/>
+              <a:gd name="connsiteY1" fmla="*/ 377825 h 2463800"/>
+              <a:gd name="connsiteX2" fmla="*/ 831507 w 1116464"/>
+              <a:gd name="connsiteY2" fmla="*/ 638175 h 2463800"/>
+              <a:gd name="connsiteX3" fmla="*/ 691807 w 1116464"/>
+              <a:gd name="connsiteY3" fmla="*/ 634206 h 2463800"/>
+              <a:gd name="connsiteX4" fmla="*/ 518769 w 1116464"/>
+              <a:gd name="connsiteY4" fmla="*/ 646113 h 2463800"/>
+              <a:gd name="connsiteX5" fmla="*/ 428282 w 1116464"/>
+              <a:gd name="connsiteY5" fmla="*/ 869950 h 2463800"/>
+              <a:gd name="connsiteX6" fmla="*/ 282232 w 1116464"/>
+              <a:gd name="connsiteY6" fmla="*/ 1206500 h 2463800"/>
+              <a:gd name="connsiteX7" fmla="*/ 123482 w 1116464"/>
+              <a:gd name="connsiteY7" fmla="*/ 1543050 h 2463800"/>
+              <a:gd name="connsiteX8" fmla="*/ 2832 w 1116464"/>
+              <a:gd name="connsiteY8" fmla="*/ 1739900 h 2463800"/>
+              <a:gd name="connsiteX9" fmla="*/ 40932 w 1116464"/>
+              <a:gd name="connsiteY9" fmla="*/ 2292350 h 2463800"/>
+              <a:gd name="connsiteX10" fmla="*/ 72682 w 1116464"/>
+              <a:gd name="connsiteY10" fmla="*/ 2463800 h 2463800"/>
+            </a:gdLst>
+            <a:ahLst/>
+            <a:cxnLst>
+              <a:cxn ang="0">
+                <a:pos x="connsiteX0" y="connsiteY0"/>
+              </a:cxn>
+              <a:cxn ang="0">
+                <a:pos x="connsiteX1" y="connsiteY1"/>
+              </a:cxn>
+              <a:cxn ang="0">
+                <a:pos x="connsiteX2" y="connsiteY2"/>
+              </a:cxn>
+              <a:cxn ang="0">
+                <a:pos x="connsiteX3" y="connsiteY3"/>
+              </a:cxn>
+              <a:cxn ang="0">
+                <a:pos x="connsiteX4" y="connsiteY4"/>
+              </a:cxn>
+              <a:cxn ang="0">
+                <a:pos x="connsiteX5" y="connsiteY5"/>
+              </a:cxn>
+              <a:cxn ang="0">
+                <a:pos x="connsiteX6" y="connsiteY6"/>
+              </a:cxn>
+              <a:cxn ang="0">
+                <a:pos x="connsiteX7" y="connsiteY7"/>
+              </a:cxn>
+              <a:cxn ang="0">
+                <a:pos x="connsiteX8" y="connsiteY8"/>
+              </a:cxn>
+              <a:cxn ang="0">
+                <a:pos x="connsiteX9" y="connsiteY9"/>
+              </a:cxn>
+              <a:cxn ang="0">
+                <a:pos x="connsiteX10" y="connsiteY10"/>
+              </a:cxn>
+            </a:cxnLst>
+            <a:rect l="l" t="t" r="r" b="b"/>
+            <a:pathLst>
+              <a:path w="1116464" h="2463800">
+                <a:moveTo>
+                  <a:pt x="1116464" y="0"/>
+                </a:moveTo>
+                <a:cubicBezTo>
+                  <a:pt x="1059843" y="134937"/>
+                  <a:pt x="1021875" y="271463"/>
+                  <a:pt x="974382" y="377825"/>
+                </a:cubicBezTo>
+                <a:cubicBezTo>
+                  <a:pt x="926889" y="484187"/>
+                  <a:pt x="878603" y="595445"/>
+                  <a:pt x="831507" y="638175"/>
+                </a:cubicBezTo>
+                <a:cubicBezTo>
+                  <a:pt x="784411" y="680905"/>
+                  <a:pt x="743930" y="632883"/>
+                  <a:pt x="691807" y="634206"/>
+                </a:cubicBezTo>
+                <a:cubicBezTo>
+                  <a:pt x="639684" y="635529"/>
+                  <a:pt x="562690" y="606822"/>
+                  <a:pt x="518769" y="646113"/>
+                </a:cubicBezTo>
+                <a:cubicBezTo>
+                  <a:pt x="474848" y="685404"/>
+                  <a:pt x="467705" y="776552"/>
+                  <a:pt x="428282" y="869950"/>
+                </a:cubicBezTo>
+                <a:cubicBezTo>
+                  <a:pt x="388859" y="963348"/>
+                  <a:pt x="333032" y="1094317"/>
+                  <a:pt x="282232" y="1206500"/>
+                </a:cubicBezTo>
+                <a:cubicBezTo>
+                  <a:pt x="231432" y="1318683"/>
+                  <a:pt x="170049" y="1454150"/>
+                  <a:pt x="123482" y="1543050"/>
+                </a:cubicBezTo>
+                <a:cubicBezTo>
+                  <a:pt x="76915" y="1631950"/>
+                  <a:pt x="16590" y="1615017"/>
+                  <a:pt x="2832" y="1739900"/>
+                </a:cubicBezTo>
+                <a:cubicBezTo>
+                  <a:pt x="-10926" y="1864783"/>
+                  <a:pt x="29290" y="2171700"/>
+                  <a:pt x="40932" y="2292350"/>
+                </a:cubicBezTo>
+                <a:cubicBezTo>
+                  <a:pt x="52574" y="2413000"/>
+                  <a:pt x="62628" y="2438400"/>
+                  <a:pt x="72682" y="2463800"/>
+                </a:cubicBezTo>
+              </a:path>
+            </a:pathLst>
+          </a:custGeom>
+          <a:noFill/>
+          <a:ln w="38100">
+            <a:solidFill>
+              <a:srgbClr val="FF0000"/>
+            </a:solidFill>
+            <a:prstDash val="sysDash"/>
+          </a:ln>
+          <a:effectLst/>
+        </p:spPr>
+        <p:style>
+          <a:lnRef idx="2">
+            <a:schemeClr val="accent1">
+              <a:shade val="50000"/>
+            </a:schemeClr>
+          </a:lnRef>
+          <a:fillRef idx="1">
+            <a:schemeClr val="accent1"/>
+          </a:fillRef>
+          <a:effectRef idx="0">
+            <a:schemeClr val="accent1"/>
+          </a:effectRef>
+          <a:fontRef idx="minor">
+            <a:schemeClr val="lt1"/>
+          </a:fontRef>
+        </p:style>
+        <p:txBody>
+          <a:bodyPr rtlCol="0" anchor="ctr"/>
+          <a:lstStyle/>
+          <a:p>
+            <a:pPr algn="ctr"/>
+            <a:endParaRPr lang="hr-HR"/>
+          </a:p>
+        </p:txBody>
+      </p:sp>
+      <p:sp>
+        <p:nvSpPr>
+          <p:cNvPr id="6" name="Freeform 5"/>
+          <p:cNvSpPr/>
+          <p:nvPr/>
+        </p:nvSpPr>
+        <p:spPr>
+          <a:xfrm>
+            <a:off x="3532523" y="1962150"/>
+            <a:ext cx="898189" cy="2368550"/>
+          </a:xfrm>
+          <a:custGeom>
+            <a:avLst/>
+            <a:gdLst>
+              <a:gd name="connsiteX0" fmla="*/ 40939 w 898189"/>
+              <a:gd name="connsiteY0" fmla="*/ 0 h 2368550"/>
+              <a:gd name="connsiteX1" fmla="*/ 206039 w 898189"/>
+              <a:gd name="connsiteY1" fmla="*/ 279400 h 2368550"/>
+              <a:gd name="connsiteX2" fmla="*/ 66339 w 898189"/>
+              <a:gd name="connsiteY2" fmla="*/ 444500 h 2368550"/>
+              <a:gd name="connsiteX3" fmla="*/ 40939 w 898189"/>
+              <a:gd name="connsiteY3" fmla="*/ 552450 h 2368550"/>
+              <a:gd name="connsiteX4" fmla="*/ 148889 w 898189"/>
+              <a:gd name="connsiteY4" fmla="*/ 806450 h 2368550"/>
+              <a:gd name="connsiteX5" fmla="*/ 218739 w 898189"/>
+              <a:gd name="connsiteY5" fmla="*/ 1016000 h 2368550"/>
+              <a:gd name="connsiteX6" fmla="*/ 9189 w 898189"/>
+              <a:gd name="connsiteY6" fmla="*/ 1123950 h 2368550"/>
+              <a:gd name="connsiteX7" fmla="*/ 59989 w 898189"/>
+              <a:gd name="connsiteY7" fmla="*/ 1358900 h 2368550"/>
+              <a:gd name="connsiteX8" fmla="*/ 263189 w 898189"/>
+              <a:gd name="connsiteY8" fmla="*/ 1358900 h 2368550"/>
+              <a:gd name="connsiteX9" fmla="*/ 606089 w 898189"/>
+              <a:gd name="connsiteY9" fmla="*/ 1244600 h 2368550"/>
+              <a:gd name="connsiteX10" fmla="*/ 752139 w 898189"/>
+              <a:gd name="connsiteY10" fmla="*/ 1371600 h 2368550"/>
+              <a:gd name="connsiteX11" fmla="*/ 828339 w 898189"/>
+              <a:gd name="connsiteY11" fmla="*/ 1619250 h 2368550"/>
+              <a:gd name="connsiteX12" fmla="*/ 898189 w 898189"/>
+              <a:gd name="connsiteY12" fmla="*/ 2368550 h 2368550"/>
+            </a:gdLst>
+            <a:ahLst/>
+            <a:cxnLst>
+              <a:cxn ang="0">
+                <a:pos x="connsiteX0" y="connsiteY0"/>
+              </a:cxn>
+              <a:cxn ang="0">
+                <a:pos x="connsiteX1" y="connsiteY1"/>
+              </a:cxn>
+              <a:cxn ang="0">
+                <a:pos x="connsiteX2" y="connsiteY2"/>
+              </a:cxn>
+              <a:cxn ang="0">
+                <a:pos x="connsiteX3" y="connsiteY3"/>
+              </a:cxn>
+              <a:cxn ang="0">
+                <a:pos x="connsiteX4" y="connsiteY4"/>
+              </a:cxn>
+              <a:cxn ang="0">
+                <a:pos x="connsiteX5" y="connsiteY5"/>
+              </a:cxn>
+              <a:cxn ang="0">
+                <a:pos x="connsiteX6" y="connsiteY6"/>
+              </a:cxn>
+              <a:cxn ang="0">
+                <a:pos x="connsiteX7" y="connsiteY7"/>
+              </a:cxn>
+              <a:cxn ang="0">
+                <a:pos x="connsiteX8" y="connsiteY8"/>
+              </a:cxn>
+              <a:cxn ang="0">
+                <a:pos x="connsiteX9" y="connsiteY9"/>
+              </a:cxn>
+              <a:cxn ang="0">
+                <a:pos x="connsiteX10" y="connsiteY10"/>
+              </a:cxn>
+              <a:cxn ang="0">
+                <a:pos x="connsiteX11" y="connsiteY11"/>
+              </a:cxn>
+              <a:cxn ang="0">
+                <a:pos x="connsiteX12" y="connsiteY12"/>
+              </a:cxn>
+            </a:cxnLst>
+            <a:rect l="l" t="t" r="r" b="b"/>
+            <a:pathLst>
+              <a:path w="898189" h="2368550">
+                <a:moveTo>
+                  <a:pt x="40939" y="0"/>
+                </a:moveTo>
+                <a:cubicBezTo>
+                  <a:pt x="121372" y="102658"/>
+                  <a:pt x="201806" y="205317"/>
+                  <a:pt x="206039" y="279400"/>
+                </a:cubicBezTo>
+                <a:cubicBezTo>
+                  <a:pt x="210272" y="353483"/>
+                  <a:pt x="93856" y="398992"/>
+                  <a:pt x="66339" y="444500"/>
+                </a:cubicBezTo>
+                <a:cubicBezTo>
+                  <a:pt x="38822" y="490008"/>
+                  <a:pt x="27181" y="492125"/>
+                  <a:pt x="40939" y="552450"/>
+                </a:cubicBezTo>
+                <a:cubicBezTo>
+                  <a:pt x="54697" y="612775"/>
+                  <a:pt x="119256" y="729192"/>
+                  <a:pt x="148889" y="806450"/>
+                </a:cubicBezTo>
+                <a:cubicBezTo>
+                  <a:pt x="178522" y="883708"/>
+                  <a:pt x="242022" y="963083"/>
+                  <a:pt x="218739" y="1016000"/>
+                </a:cubicBezTo>
+                <a:cubicBezTo>
+                  <a:pt x="195456" y="1068917"/>
+                  <a:pt x="35647" y="1066800"/>
+                  <a:pt x="9189" y="1123950"/>
+                </a:cubicBezTo>
+                <a:cubicBezTo>
+                  <a:pt x="-17269" y="1181100"/>
+                  <a:pt x="17656" y="1319742"/>
+                  <a:pt x="59989" y="1358900"/>
+                </a:cubicBezTo>
+                <a:cubicBezTo>
+                  <a:pt x="102322" y="1398058"/>
+                  <a:pt x="172172" y="1377950"/>
+                  <a:pt x="263189" y="1358900"/>
+                </a:cubicBezTo>
+                <a:cubicBezTo>
+                  <a:pt x="354206" y="1339850"/>
+                  <a:pt x="524597" y="1242483"/>
+                  <a:pt x="606089" y="1244600"/>
+                </a:cubicBezTo>
+                <a:cubicBezTo>
+                  <a:pt x="687581" y="1246717"/>
+                  <a:pt x="715097" y="1309158"/>
+                  <a:pt x="752139" y="1371600"/>
+                </a:cubicBezTo>
+                <a:cubicBezTo>
+                  <a:pt x="789181" y="1434042"/>
+                  <a:pt x="803997" y="1453092"/>
+                  <a:pt x="828339" y="1619250"/>
+                </a:cubicBezTo>
+                <a:cubicBezTo>
+                  <a:pt x="852681" y="1785408"/>
+                  <a:pt x="887606" y="2239433"/>
+                  <a:pt x="898189" y="2368550"/>
+                </a:cubicBezTo>
+              </a:path>
+            </a:pathLst>
+          </a:custGeom>
+          <a:noFill/>
+          <a:ln w="38100">
+            <a:solidFill>
+              <a:srgbClr val="FF0000"/>
+            </a:solidFill>
+            <a:prstDash val="sysDash"/>
+          </a:ln>
+          <a:effectLst/>
+        </p:spPr>
+        <p:style>
+          <a:lnRef idx="2">
+            <a:schemeClr val="accent1">
+              <a:shade val="50000"/>
+            </a:schemeClr>
+          </a:lnRef>
+          <a:fillRef idx="1">
+            <a:schemeClr val="accent1"/>
+          </a:fillRef>
+          <a:effectRef idx="0">
+            <a:schemeClr val="accent1"/>
+          </a:effectRef>
+          <a:fontRef idx="minor">
+            <a:schemeClr val="lt1"/>
+          </a:fontRef>
+        </p:style>
+        <p:txBody>
+          <a:bodyPr rtlCol="0" anchor="ctr"/>
+          <a:lstStyle/>
+          <a:p>
+            <a:pPr algn="ctr"/>
+            <a:endParaRPr lang="hr-HR"/>
+          </a:p>
+        </p:txBody>
+      </p:sp>
+      <p:sp>
+        <p:nvSpPr>
+          <p:cNvPr id="7" name="TextBox 6"/>
+          <p:cNvSpPr txBox="1"/>
+          <p:nvPr/>
+        </p:nvSpPr>
+        <p:spPr>
+          <a:xfrm>
+            <a:off x="1475656" y="1844824"/>
+            <a:ext cx="1186672" cy="435825"/>
+          </a:xfrm>
+          <a:prstGeom prst="rect">
+            <a:avLst/>
+          </a:prstGeom>
+          <a:noFill/>
+        </p:spPr>
+        <p:txBody>
+          <a:bodyPr wrap="none" rtlCol="0">
+            <a:spAutoFit/>
+          </a:bodyPr>
+          <a:lstStyle/>
+          <a:p>
+            <a:pPr algn="ctr"/>
+            <a:r>
+              <a:rPr lang="hr-HR" sz="2400" b="1" dirty="0" smtClean="0">
+                <a:solidFill>
+                  <a:schemeClr val="bg1"/>
+                </a:solidFill>
+                <a:latin typeface="Calibri" panose="020F0502020204030204" pitchFamily="34" charset="0"/>
+                <a:cs typeface="Calibri" panose="020F0502020204030204" pitchFamily="34" charset="0"/>
+              </a:rPr>
+              <a:t>LJEVICA</a:t>
+            </a:r>
+            <a:endParaRPr lang="hr-HR" sz="2400" b="1" dirty="0">
+              <a:solidFill>
+                <a:schemeClr val="bg1"/>
+              </a:solidFill>
+              <a:latin typeface="Calibri" panose="020F0502020204030204" pitchFamily="34" charset="0"/>
+              <a:cs typeface="Calibri" panose="020F0502020204030204" pitchFamily="34" charset="0"/>
+            </a:endParaRPr>
+          </a:p>
+        </p:txBody>
+      </p:sp>
+      <p:sp>
+        <p:nvSpPr>
+          <p:cNvPr id="9" name="TextBox 8"/>
+          <p:cNvSpPr txBox="1"/>
+          <p:nvPr/>
+        </p:nvSpPr>
+        <p:spPr>
+          <a:xfrm>
+            <a:off x="3943527" y="1196752"/>
+            <a:ext cx="1188018" cy="435825"/>
+          </a:xfrm>
+          <a:prstGeom prst="rect">
+            <a:avLst/>
+          </a:prstGeom>
+          <a:noFill/>
+        </p:spPr>
+        <p:txBody>
+          <a:bodyPr wrap="none" rtlCol="0">
+            <a:spAutoFit/>
+          </a:bodyPr>
+          <a:lstStyle/>
+          <a:p>
+            <a:pPr algn="ctr"/>
+            <a:r>
+              <a:rPr lang="hr-HR" sz="2400" b="1" dirty="0" smtClean="0">
+                <a:solidFill>
+                  <a:schemeClr val="bg1"/>
+                </a:solidFill>
+                <a:latin typeface="Calibri" panose="020F0502020204030204" pitchFamily="34" charset="0"/>
+                <a:cs typeface="Calibri" panose="020F0502020204030204" pitchFamily="34" charset="0"/>
+              </a:rPr>
+              <a:t>CENTAR</a:t>
+            </a:r>
+            <a:endParaRPr lang="hr-HR" sz="2400" b="1" dirty="0">
+              <a:solidFill>
+                <a:schemeClr val="bg1"/>
+              </a:solidFill>
+              <a:latin typeface="Calibri" panose="020F0502020204030204" pitchFamily="34" charset="0"/>
+              <a:cs typeface="Calibri" panose="020F0502020204030204" pitchFamily="34" charset="0"/>
+            </a:endParaRPr>
+          </a:p>
+        </p:txBody>
+      </p:sp>
+      <p:sp>
+        <p:nvSpPr>
+          <p:cNvPr id="10" name="TextBox 9"/>
+          <p:cNvSpPr txBox="1"/>
+          <p:nvPr/>
+        </p:nvSpPr>
+        <p:spPr>
+          <a:xfrm>
+            <a:off x="6228184" y="1844824"/>
+            <a:ext cx="1305357" cy="435825"/>
+          </a:xfrm>
+          <a:prstGeom prst="rect">
+            <a:avLst/>
+          </a:prstGeom>
+          <a:noFill/>
+        </p:spPr>
+        <p:txBody>
+          <a:bodyPr wrap="none" rtlCol="0">
+            <a:spAutoFit/>
+          </a:bodyPr>
+          <a:lstStyle/>
+          <a:p>
+            <a:pPr algn="ctr"/>
+            <a:r>
+              <a:rPr lang="hr-HR" sz="2400" b="1" dirty="0" smtClean="0">
+                <a:solidFill>
+                  <a:schemeClr val="bg1"/>
+                </a:solidFill>
+                <a:latin typeface="Calibri" panose="020F0502020204030204" pitchFamily="34" charset="0"/>
+                <a:cs typeface="Calibri" panose="020F0502020204030204" pitchFamily="34" charset="0"/>
+              </a:rPr>
+              <a:t>DESNICA</a:t>
+            </a:r>
+            <a:endParaRPr lang="hr-HR" sz="2400" b="1" dirty="0">
+              <a:solidFill>
+                <a:schemeClr val="bg1"/>
+              </a:solidFill>
+              <a:latin typeface="Calibri" panose="020F0502020204030204" pitchFamily="34" charset="0"/>
+              <a:cs typeface="Calibri" panose="020F0502020204030204" pitchFamily="34" charset="0"/>
+            </a:endParaRPr>
+          </a:p>
+        </p:txBody>
+      </p:sp>
+      <p:sp>
+        <p:nvSpPr>
+          <p:cNvPr id="8" name="Oval 7"/>
+          <p:cNvSpPr/>
+          <p:nvPr/>
+        </p:nvSpPr>
+        <p:spPr>
+          <a:xfrm>
+            <a:off x="3804457" y="4348854"/>
+            <a:ext cx="1407588" cy="1407588"/>
+          </a:xfrm>
+          <a:prstGeom prst="ellipse">
+            <a:avLst/>
+          </a:prstGeom>
+          <a:solidFill>
+            <a:schemeClr val="bg1">
+              <a:lumMod val="75000"/>
+              <a:lumOff val="25000"/>
+            </a:schemeClr>
+          </a:solidFill>
+          <a:ln>
+            <a:noFill/>
+          </a:ln>
+          <a:effectLst/>
+        </p:spPr>
+        <p:style>
+          <a:lnRef idx="2">
+            <a:schemeClr val="accent1">
+              <a:shade val="50000"/>
+            </a:schemeClr>
+          </a:lnRef>
+          <a:fillRef idx="1">
+            <a:schemeClr val="accent1"/>
+          </a:fillRef>
+          <a:effectRef idx="0">
+            <a:schemeClr val="accent1"/>
+          </a:effectRef>
+          <a:fontRef idx="minor">
+            <a:schemeClr val="lt1"/>
+          </a:fontRef>
+        </p:style>
+        <p:txBody>
+          <a:bodyPr wrap="none" rtlCol="0" anchor="ctr"/>
+          <a:lstStyle/>
+          <a:p>
+            <a:pPr algn="ctr"/>
+            <a:r>
+              <a:rPr lang="hr-HR" sz="1600" b="1" dirty="0" smtClean="0">
+                <a:solidFill>
+                  <a:schemeClr val="tx1"/>
+                </a:solidFill>
+                <a:effectLst>
+                  <a:outerShdw blurRad="38100" dist="38100" dir="2700000" algn="tl">
+                    <a:srgbClr val="000000">
+                      <a:alpha val="43137"/>
+                    </a:srgbClr>
+                  </a:outerShdw>
+                </a:effectLst>
+                <a:latin typeface="Calibri" pitchFamily="34" charset="0"/>
+                <a:cs typeface="Calibri" pitchFamily="34" charset="0"/>
+              </a:rPr>
+              <a:t>PREDSJEDNIK </a:t>
+            </a:r>
+          </a:p>
+          <a:p>
+            <a:pPr algn="ctr"/>
+            <a:r>
+              <a:rPr lang="hr-HR" sz="1600" b="1" dirty="0" smtClean="0">
+                <a:solidFill>
+                  <a:schemeClr val="tx1"/>
+                </a:solidFill>
+                <a:effectLst>
+                  <a:outerShdw blurRad="38100" dist="38100" dir="2700000" algn="tl">
+                    <a:srgbClr val="000000">
+                      <a:alpha val="43137"/>
+                    </a:srgbClr>
+                  </a:outerShdw>
+                </a:effectLst>
+                <a:latin typeface="Calibri" pitchFamily="34" charset="0"/>
+                <a:cs typeface="Calibri" pitchFamily="34" charset="0"/>
+              </a:rPr>
+              <a:t>SABORA</a:t>
+            </a:r>
+          </a:p>
+        </p:txBody>
+      </p:sp>
     </p:spTree>
     <p:extLst>
       <p:ext uri="{BB962C8B-B14F-4D97-AF65-F5344CB8AC3E}">
@@ -17133,9 +18070,259 @@
   <p:timing>
     <p:tnLst>
       <p:par>
-        <p:cTn id="1" dur="indefinite" restart="never" nodeType="tmRoot"/>
+        <p:cTn id="1" dur="indefinite" restart="never" nodeType="tmRoot">
+          <p:childTnLst>
+            <p:seq concurrent="1" nextAc="seek">
+              <p:cTn id="2" dur="indefinite" nodeType="mainSeq">
+                <p:childTnLst>
+                  <p:par>
+                    <p:cTn id="3" fill="hold">
+                      <p:stCondLst>
+                        <p:cond delay="indefinite"/>
+                      </p:stCondLst>
+                      <p:childTnLst>
+                        <p:par>
+                          <p:cTn id="4" fill="hold">
+                            <p:stCondLst>
+                              <p:cond delay="0"/>
+                            </p:stCondLst>
+                            <p:childTnLst>
+                              <p:par>
+                                <p:cTn id="5" presetID="22" presetClass="entr" presetSubtype="4" fill="hold" grpId="0" nodeType="clickEffect">
+                                  <p:stCondLst>
+                                    <p:cond delay="0"/>
+                                  </p:stCondLst>
+                                  <p:childTnLst>
+                                    <p:set>
+                                      <p:cBhvr>
+                                        <p:cTn id="6" dur="1" fill="hold">
+                                          <p:stCondLst>
+                                            <p:cond delay="0"/>
+                                          </p:stCondLst>
+                                        </p:cTn>
+                                        <p:tgtEl>
+                                          <p:spTgt spid="6"/>
+                                        </p:tgtEl>
+                                        <p:attrNameLst>
+                                          <p:attrName>style.visibility</p:attrName>
+                                        </p:attrNameLst>
+                                      </p:cBhvr>
+                                      <p:to>
+                                        <p:strVal val="visible"/>
+                                      </p:to>
+                                    </p:set>
+                                    <p:animEffect transition="in" filter="wipe(down)">
+                                      <p:cBhvr>
+                                        <p:cTn id="7" dur="1500"/>
+                                        <p:tgtEl>
+                                          <p:spTgt spid="6"/>
+                                        </p:tgtEl>
+                                      </p:cBhvr>
+                                    </p:animEffect>
+                                  </p:childTnLst>
+                                </p:cTn>
+                              </p:par>
+                              <p:par>
+                                <p:cTn id="8" presetID="22" presetClass="entr" presetSubtype="4" fill="hold" grpId="0" nodeType="withEffect">
+                                  <p:stCondLst>
+                                    <p:cond delay="0"/>
+                                  </p:stCondLst>
+                                  <p:childTnLst>
+                                    <p:set>
+                                      <p:cBhvr>
+                                        <p:cTn id="9" dur="1" fill="hold">
+                                          <p:stCondLst>
+                                            <p:cond delay="0"/>
+                                          </p:stCondLst>
+                                        </p:cTn>
+                                        <p:tgtEl>
+                                          <p:spTgt spid="3"/>
+                                        </p:tgtEl>
+                                        <p:attrNameLst>
+                                          <p:attrName>style.visibility</p:attrName>
+                                        </p:attrNameLst>
+                                      </p:cBhvr>
+                                      <p:to>
+                                        <p:strVal val="visible"/>
+                                      </p:to>
+                                    </p:set>
+                                    <p:animEffect transition="in" filter="wipe(down)">
+                                      <p:cBhvr>
+                                        <p:cTn id="10" dur="1500"/>
+                                        <p:tgtEl>
+                                          <p:spTgt spid="3"/>
+                                        </p:tgtEl>
+                                      </p:cBhvr>
+                                    </p:animEffect>
+                                  </p:childTnLst>
+                                </p:cTn>
+                              </p:par>
+                            </p:childTnLst>
+                          </p:cTn>
+                        </p:par>
+                        <p:par>
+                          <p:cTn id="11" fill="hold">
+                            <p:stCondLst>
+                              <p:cond delay="1500"/>
+                            </p:stCondLst>
+                            <p:childTnLst>
+                              <p:par>
+                                <p:cTn id="12" presetID="10" presetClass="entr" presetSubtype="0" fill="hold" grpId="0" nodeType="afterEffect">
+                                  <p:stCondLst>
+                                    <p:cond delay="0"/>
+                                  </p:stCondLst>
+                                  <p:childTnLst>
+                                    <p:set>
+                                      <p:cBhvr>
+                                        <p:cTn id="13" dur="1" fill="hold">
+                                          <p:stCondLst>
+                                            <p:cond delay="0"/>
+                                          </p:stCondLst>
+                                        </p:cTn>
+                                        <p:tgtEl>
+                                          <p:spTgt spid="7"/>
+                                        </p:tgtEl>
+                                        <p:attrNameLst>
+                                          <p:attrName>style.visibility</p:attrName>
+                                        </p:attrNameLst>
+                                      </p:cBhvr>
+                                      <p:to>
+                                        <p:strVal val="visible"/>
+                                      </p:to>
+                                    </p:set>
+                                    <p:animEffect transition="in" filter="fade">
+                                      <p:cBhvr>
+                                        <p:cTn id="14" dur="250"/>
+                                        <p:tgtEl>
+                                          <p:spTgt spid="7"/>
+                                        </p:tgtEl>
+                                      </p:cBhvr>
+                                    </p:animEffect>
+                                  </p:childTnLst>
+                                </p:cTn>
+                              </p:par>
+                            </p:childTnLst>
+                          </p:cTn>
+                        </p:par>
+                        <p:par>
+                          <p:cTn id="15" fill="hold">
+                            <p:stCondLst>
+                              <p:cond delay="1750"/>
+                            </p:stCondLst>
+                            <p:childTnLst>
+                              <p:par>
+                                <p:cTn id="16" presetID="10" presetClass="entr" presetSubtype="0" fill="hold" grpId="0" nodeType="afterEffect">
+                                  <p:stCondLst>
+                                    <p:cond delay="0"/>
+                                  </p:stCondLst>
+                                  <p:childTnLst>
+                                    <p:set>
+                                      <p:cBhvr>
+                                        <p:cTn id="17" dur="1" fill="hold">
+                                          <p:stCondLst>
+                                            <p:cond delay="0"/>
+                                          </p:stCondLst>
+                                        </p:cTn>
+                                        <p:tgtEl>
+                                          <p:spTgt spid="9"/>
+                                        </p:tgtEl>
+                                        <p:attrNameLst>
+                                          <p:attrName>style.visibility</p:attrName>
+                                        </p:attrNameLst>
+                                      </p:cBhvr>
+                                      <p:to>
+                                        <p:strVal val="visible"/>
+                                      </p:to>
+                                    </p:set>
+                                    <p:animEffect transition="in" filter="fade">
+                                      <p:cBhvr>
+                                        <p:cTn id="18" dur="250"/>
+                                        <p:tgtEl>
+                                          <p:spTgt spid="9"/>
+                                        </p:tgtEl>
+                                      </p:cBhvr>
+                                    </p:animEffect>
+                                  </p:childTnLst>
+                                </p:cTn>
+                              </p:par>
+                            </p:childTnLst>
+                          </p:cTn>
+                        </p:par>
+                        <p:par>
+                          <p:cTn id="19" fill="hold">
+                            <p:stCondLst>
+                              <p:cond delay="2000"/>
+                            </p:stCondLst>
+                            <p:childTnLst>
+                              <p:par>
+                                <p:cTn id="20" presetID="10" presetClass="entr" presetSubtype="0" fill="hold" grpId="0" nodeType="afterEffect">
+                                  <p:stCondLst>
+                                    <p:cond delay="0"/>
+                                  </p:stCondLst>
+                                  <p:childTnLst>
+                                    <p:set>
+                                      <p:cBhvr>
+                                        <p:cTn id="21" dur="1" fill="hold">
+                                          <p:stCondLst>
+                                            <p:cond delay="0"/>
+                                          </p:stCondLst>
+                                        </p:cTn>
+                                        <p:tgtEl>
+                                          <p:spTgt spid="10"/>
+                                        </p:tgtEl>
+                                        <p:attrNameLst>
+                                          <p:attrName>style.visibility</p:attrName>
+                                        </p:attrNameLst>
+                                      </p:cBhvr>
+                                      <p:to>
+                                        <p:strVal val="visible"/>
+                                      </p:to>
+                                    </p:set>
+                                    <p:animEffect transition="in" filter="fade">
+                                      <p:cBhvr>
+                                        <p:cTn id="22" dur="250"/>
+                                        <p:tgtEl>
+                                          <p:spTgt spid="10"/>
+                                        </p:tgtEl>
+                                      </p:cBhvr>
+                                    </p:animEffect>
+                                  </p:childTnLst>
+                                </p:cTn>
+                              </p:par>
+                            </p:childTnLst>
+                          </p:cTn>
+                        </p:par>
+                      </p:childTnLst>
+                    </p:cTn>
+                  </p:par>
+                </p:childTnLst>
+              </p:cTn>
+              <p:prevCondLst>
+                <p:cond evt="onPrev" delay="0">
+                  <p:tgtEl>
+                    <p:sldTgt/>
+                  </p:tgtEl>
+                </p:cond>
+              </p:prevCondLst>
+              <p:nextCondLst>
+                <p:cond evt="onNext" delay="0">
+                  <p:tgtEl>
+                    <p:sldTgt/>
+                  </p:tgtEl>
+                </p:cond>
+              </p:nextCondLst>
+            </p:seq>
+          </p:childTnLst>
+        </p:cTn>
       </p:par>
     </p:tnLst>
+    <p:bldLst>
+      <p:bldP spid="3" grpId="0" animBg="1"/>
+      <p:bldP spid="6" grpId="0" animBg="1"/>
+      <p:bldP spid="7" grpId="0"/>
+      <p:bldP spid="9" grpId="0"/>
+      <p:bldP spid="10" grpId="0"/>
+    </p:bldLst>
   </p:timing>
 </p:sld>
 </file>
@@ -19589,7 +20776,7 @@
 </file>
 
 <file path=ppt/slides/slide19.xml><?xml version="1.0" encoding="utf-8"?>
-<p:sld xmlns:a="http://schemas.openxmlformats.org/drawingml/2006/main" xmlns:r="http://schemas.openxmlformats.org/officeDocument/2006/relationships" xmlns:p="http://schemas.openxmlformats.org/presentationml/2006/main">
+<p:sld xmlns:a="http://schemas.openxmlformats.org/drawingml/2006/main" xmlns:r="http://schemas.openxmlformats.org/officeDocument/2006/relationships" xmlns:p="http://schemas.openxmlformats.org/presentationml/2006/main" show="0">
   <p:cSld>
     <p:spTree>
       <p:nvGrpSpPr>
@@ -20605,17 +21792,22 @@
         </p:txBody>
       </p:sp>
     </p:spTree>
+    <p:extLst>
+      <p:ext uri="{BB962C8B-B14F-4D97-AF65-F5344CB8AC3E}">
+        <p14:creationId xmlns:p14="http://schemas.microsoft.com/office/powerpoint/2010/main" val="2364346618"/>
+      </p:ext>
+    </p:extLst>
   </p:cSld>
   <p:clrMapOvr>
     <a:masterClrMapping/>
   </p:clrMapOvr>
-  <mc:AlternateContent xmlns:mc="http://schemas.openxmlformats.org/markup-compatibility/2006" xmlns:p14="http://schemas.microsoft.com/office/powerpoint/2010/main">
-    <mc:Choice Requires="p14">
+  <mc:AlternateContent xmlns:mc="http://schemas.openxmlformats.org/markup-compatibility/2006">
+    <mc:Choice xmlns:p14="http://schemas.microsoft.com/office/powerpoint/2010/main" Requires="p14">
       <p:transition>
         <p14:reveal/>
       </p:transition>
     </mc:Choice>
-    <mc:Fallback xmlns="">
+    <mc:Fallback>
       <p:transition>
         <p:fade/>
       </p:transition>
@@ -21922,7 +23114,7 @@
       </p:par>
     </p:tnLst>
     <p:bldLst>
-      <p:bldP spid="24578" grpId="0" uiExpand="1" build="p"/>
+      <p:bldP spid="24578" grpId="0" build="p"/>
       <p:bldP spid="13" grpId="0" animBg="1"/>
       <p:bldP spid="16" grpId="0" animBg="1"/>
       <p:bldP spid="17" grpId="0" animBg="1"/>
@@ -21980,10 +23172,10 @@
           <a:p>
             <a:pPr marL="288000" indent="-288000">
               <a:lnSpc>
-                <a:spcPts val="3600"/>
+                <a:spcPct val="100000"/>
               </a:lnSpc>
               <a:spcBef>
-                <a:spcPts val="600"/>
+                <a:spcPts val="3600"/>
               </a:spcBef>
               <a:buClr>
                 <a:schemeClr val="tx1"/>
@@ -22027,49 +23219,14 @@
                 <a:latin typeface="Calibri" pitchFamily="34" charset="0"/>
                 <a:cs typeface="Calibri" pitchFamily="34" charset="0"/>
               </a:rPr>
-              <a:t>obuhvaćaju </a:t>
+              <a:t>su subjekti koji </a:t>
             </a:r>
             <a:r>
               <a:rPr lang="hr-HR" sz="2800" u="sng" dirty="0" smtClean="0">
                 <a:latin typeface="Calibri" pitchFamily="34" charset="0"/>
                 <a:cs typeface="Calibri" pitchFamily="34" charset="0"/>
               </a:rPr>
-              <a:t>političke interesne organizacije građana</a:t>
-            </a:r>
-            <a:r>
-              <a:rPr lang="hr-HR" sz="2800" dirty="0" smtClean="0">
-                <a:latin typeface="Calibri" pitchFamily="34" charset="0"/>
-                <a:cs typeface="Calibri" pitchFamily="34" charset="0"/>
-              </a:rPr>
-              <a:t> utemeljene radi </a:t>
-            </a:r>
-            <a:r>
-              <a:rPr lang="hr-HR" sz="2800" u="sng" dirty="0" smtClean="0">
-                <a:latin typeface="Calibri" pitchFamily="34" charset="0"/>
-                <a:cs typeface="Calibri" pitchFamily="34" charset="0"/>
-              </a:rPr>
-              <a:t>oblikovanja pojedinačnih interesa</a:t>
-            </a:r>
-            <a:r>
-              <a:rPr lang="hr-HR" sz="2800" dirty="0" smtClean="0">
-                <a:latin typeface="Calibri" pitchFamily="34" charset="0"/>
-                <a:cs typeface="Calibri" pitchFamily="34" charset="0"/>
-              </a:rPr>
-              <a:t> u </a:t>
-            </a:r>
-            <a:r>
-              <a:rPr lang="hr-HR" sz="2800" u="sng" dirty="0" smtClean="0">
-                <a:latin typeface="Calibri" pitchFamily="34" charset="0"/>
-                <a:cs typeface="Calibri" pitchFamily="34" charset="0"/>
-              </a:rPr>
-              <a:t>borbi za vlast i organizaciju</a:t>
-            </a:r>
-            <a:r>
-              <a:rPr lang="hr-HR" sz="2800" dirty="0" smtClean="0">
-                <a:latin typeface="Calibri" pitchFamily="34" charset="0"/>
-                <a:cs typeface="Calibri" pitchFamily="34" charset="0"/>
-              </a:rPr>
-              <a:t> državnog života nakon osvajanja vlasti</a:t>
+              <a:t>posreduju između vlasti i građana</a:t>
             </a:r>
           </a:p>
           <a:p>
@@ -22078,7 +23235,7 @@
                 <a:spcPct val="100000"/>
               </a:lnSpc>
               <a:spcBef>
-                <a:spcPts val="600"/>
+                <a:spcPts val="1800"/>
               </a:spcBef>
               <a:buClr>
                 <a:schemeClr val="tx1"/>
@@ -22300,66 +23457,6 @@
               <a:t>vlasti</a:t>
             </a:r>
           </a:p>
-          <a:p>
-            <a:pPr marL="288000" indent="-288000">
-              <a:lnSpc>
-                <a:spcPct val="100000"/>
-              </a:lnSpc>
-              <a:spcBef>
-                <a:spcPts val="3600"/>
-              </a:spcBef>
-              <a:buClr>
-                <a:schemeClr val="tx1"/>
-              </a:buClr>
-              <a:buFont typeface="Arial" pitchFamily="34" charset="0"/>
-              <a:buChar char="–"/>
-              <a:tabLst>
-                <a:tab pos="723900" algn="l"/>
-                <a:tab pos="1447800" algn="l"/>
-                <a:tab pos="2171700" algn="l"/>
-                <a:tab pos="2895600" algn="l"/>
-                <a:tab pos="3619500" algn="l"/>
-                <a:tab pos="4343400" algn="l"/>
-                <a:tab pos="5067300" algn="l"/>
-                <a:tab pos="5791200" algn="l"/>
-                <a:tab pos="6515100" algn="l"/>
-                <a:tab pos="7239000" algn="l"/>
-                <a:tab pos="7962900" algn="l"/>
-                <a:tab pos="8686800" algn="l"/>
-              </a:tabLst>
-            </a:pPr>
-            <a:r>
-              <a:rPr lang="hr-HR" sz="2800" b="1" dirty="0" smtClean="0">
-                <a:solidFill>
-                  <a:srgbClr val="FFC000"/>
-                </a:solidFill>
-                <a:effectLst>
-                  <a:outerShdw blurRad="38100" dist="38100" dir="2700000" algn="tl">
-                    <a:srgbClr val="000000">
-                      <a:alpha val="43137"/>
-                    </a:srgbClr>
-                  </a:outerShdw>
-                </a:effectLst>
-                <a:latin typeface="Calibri" pitchFamily="34" charset="0"/>
-                <a:cs typeface="Calibri" pitchFamily="34" charset="0"/>
-              </a:rPr>
-              <a:t>POLITIČKE STRANKE </a:t>
-            </a:r>
-            <a:r>
-              <a:rPr lang="hr-HR" sz="2800" dirty="0" smtClean="0">
-                <a:latin typeface="Calibri" pitchFamily="34" charset="0"/>
-                <a:cs typeface="Calibri" pitchFamily="34" charset="0"/>
-              </a:rPr>
-              <a:t>su subjekti koji </a:t>
-            </a:r>
-            <a:r>
-              <a:rPr lang="hr-HR" sz="2800" u="sng" dirty="0" smtClean="0">
-                <a:latin typeface="Calibri" pitchFamily="34" charset="0"/>
-                <a:cs typeface="Calibri" pitchFamily="34" charset="0"/>
-              </a:rPr>
-              <a:t>posreduju između vlasti i građana</a:t>
-            </a:r>
-          </a:p>
         </p:txBody>
       </p:sp>
       <p:sp>
@@ -22370,8 +23467,8 @@
         </p:nvSpPr>
         <p:spPr bwMode="auto">
           <a:xfrm>
-            <a:off x="107504" y="4525854"/>
-            <a:ext cx="8640960" cy="1188000"/>
+            <a:off x="107504" y="810612"/>
+            <a:ext cx="8640960" cy="1080000"/>
           </a:xfrm>
           <a:prstGeom prst="rect">
             <a:avLst/>
@@ -22457,6 +23554,1189 @@
   </p:clrMapOvr>
   <mc:AlternateContent xmlns:mc="http://schemas.openxmlformats.org/markup-compatibility/2006" xmlns:p14="http://schemas.microsoft.com/office/powerpoint/2010/main">
     <mc:Choice Requires="p14">
+      <p:transition p14:dur="250">
+        <p14:reveal/>
+      </p:transition>
+    </mc:Choice>
+    <mc:Fallback xmlns="">
+      <p:transition>
+        <p:fade/>
+      </p:transition>
+    </mc:Fallback>
+  </mc:AlternateContent>
+  <p:timing>
+    <p:tnLst>
+      <p:par>
+        <p:cTn id="1" dur="indefinite" restart="never" nodeType="tmRoot">
+          <p:childTnLst>
+            <p:seq concurrent="1" nextAc="seek">
+              <p:cTn id="2" dur="indefinite" nodeType="mainSeq">
+                <p:childTnLst>
+                  <p:par>
+                    <p:cTn id="3" fill="hold">
+                      <p:stCondLst>
+                        <p:cond delay="indefinite"/>
+                        <p:cond evt="onBegin" delay="0">
+                          <p:tn val="2"/>
+                        </p:cond>
+                      </p:stCondLst>
+                      <p:childTnLst>
+                        <p:par>
+                          <p:cTn id="4" fill="hold">
+                            <p:stCondLst>
+                              <p:cond delay="0"/>
+                            </p:stCondLst>
+                            <p:childTnLst>
+                              <p:par>
+                                <p:cTn id="5" presetID="10" presetClass="entr" presetSubtype="0" fill="hold" grpId="0" nodeType="afterEffect">
+                                  <p:stCondLst>
+                                    <p:cond delay="0"/>
+                                  </p:stCondLst>
+                                  <p:childTnLst>
+                                    <p:set>
+                                      <p:cBhvr>
+                                        <p:cTn id="6" dur="1" fill="hold">
+                                          <p:stCondLst>
+                                            <p:cond delay="0"/>
+                                          </p:stCondLst>
+                                        </p:cTn>
+                                        <p:tgtEl>
+                                          <p:spTgt spid="24578">
+                                            <p:txEl>
+                                              <p:pRg st="0" end="0"/>
+                                            </p:txEl>
+                                          </p:spTgt>
+                                        </p:tgtEl>
+                                        <p:attrNameLst>
+                                          <p:attrName>style.visibility</p:attrName>
+                                        </p:attrNameLst>
+                                      </p:cBhvr>
+                                      <p:to>
+                                        <p:strVal val="visible"/>
+                                      </p:to>
+                                    </p:set>
+                                    <p:animEffect transition="in" filter="fade">
+                                      <p:cBhvr>
+                                        <p:cTn id="7" dur="250"/>
+                                        <p:tgtEl>
+                                          <p:spTgt spid="24578">
+                                            <p:txEl>
+                                              <p:pRg st="0" end="0"/>
+                                            </p:txEl>
+                                          </p:spTgt>
+                                        </p:tgtEl>
+                                      </p:cBhvr>
+                                    </p:animEffect>
+                                  </p:childTnLst>
+                                </p:cTn>
+                              </p:par>
+                            </p:childTnLst>
+                          </p:cTn>
+                        </p:par>
+                        <p:par>
+                          <p:cTn id="8" fill="hold">
+                            <p:stCondLst>
+                              <p:cond delay="250"/>
+                            </p:stCondLst>
+                            <p:childTnLst>
+                              <p:par>
+                                <p:cTn id="9" presetID="10" presetClass="entr" presetSubtype="0" fill="hold" grpId="0" nodeType="afterEffect">
+                                  <p:stCondLst>
+                                    <p:cond delay="0"/>
+                                  </p:stCondLst>
+                                  <p:childTnLst>
+                                    <p:set>
+                                      <p:cBhvr>
+                                        <p:cTn id="10" dur="1" fill="hold">
+                                          <p:stCondLst>
+                                            <p:cond delay="0"/>
+                                          </p:stCondLst>
+                                        </p:cTn>
+                                        <p:tgtEl>
+                                          <p:spTgt spid="24578">
+                                            <p:txEl>
+                                              <p:pRg st="1" end="1"/>
+                                            </p:txEl>
+                                          </p:spTgt>
+                                        </p:tgtEl>
+                                        <p:attrNameLst>
+                                          <p:attrName>style.visibility</p:attrName>
+                                        </p:attrNameLst>
+                                      </p:cBhvr>
+                                      <p:to>
+                                        <p:strVal val="visible"/>
+                                      </p:to>
+                                    </p:set>
+                                    <p:animEffect transition="in" filter="fade">
+                                      <p:cBhvr>
+                                        <p:cTn id="11" dur="250"/>
+                                        <p:tgtEl>
+                                          <p:spTgt spid="24578">
+                                            <p:txEl>
+                                              <p:pRg st="1" end="1"/>
+                                            </p:txEl>
+                                          </p:spTgt>
+                                        </p:tgtEl>
+                                      </p:cBhvr>
+                                    </p:animEffect>
+                                  </p:childTnLst>
+                                </p:cTn>
+                              </p:par>
+                            </p:childTnLst>
+                          </p:cTn>
+                        </p:par>
+                        <p:par>
+                          <p:cTn id="12" fill="hold">
+                            <p:stCondLst>
+                              <p:cond delay="500"/>
+                            </p:stCondLst>
+                            <p:childTnLst>
+                              <p:par>
+                                <p:cTn id="13" presetID="10" presetClass="entr" presetSubtype="0" fill="hold" grpId="0" nodeType="afterEffect">
+                                  <p:stCondLst>
+                                    <p:cond delay="0"/>
+                                  </p:stCondLst>
+                                  <p:childTnLst>
+                                    <p:set>
+                                      <p:cBhvr>
+                                        <p:cTn id="14" dur="1" fill="hold">
+                                          <p:stCondLst>
+                                            <p:cond delay="0"/>
+                                          </p:stCondLst>
+                                        </p:cTn>
+                                        <p:tgtEl>
+                                          <p:spTgt spid="24578">
+                                            <p:txEl>
+                                              <p:pRg st="2" end="2"/>
+                                            </p:txEl>
+                                          </p:spTgt>
+                                        </p:tgtEl>
+                                        <p:attrNameLst>
+                                          <p:attrName>style.visibility</p:attrName>
+                                        </p:attrNameLst>
+                                      </p:cBhvr>
+                                      <p:to>
+                                        <p:strVal val="visible"/>
+                                      </p:to>
+                                    </p:set>
+                                    <p:animEffect transition="in" filter="fade">
+                                      <p:cBhvr>
+                                        <p:cTn id="15" dur="250"/>
+                                        <p:tgtEl>
+                                          <p:spTgt spid="24578">
+                                            <p:txEl>
+                                              <p:pRg st="2" end="2"/>
+                                            </p:txEl>
+                                          </p:spTgt>
+                                        </p:tgtEl>
+                                      </p:cBhvr>
+                                    </p:animEffect>
+                                  </p:childTnLst>
+                                </p:cTn>
+                              </p:par>
+                            </p:childTnLst>
+                          </p:cTn>
+                        </p:par>
+                        <p:par>
+                          <p:cTn id="16" fill="hold">
+                            <p:stCondLst>
+                              <p:cond delay="750"/>
+                            </p:stCondLst>
+                            <p:childTnLst>
+                              <p:par>
+                                <p:cTn id="17" presetID="10" presetClass="entr" presetSubtype="0" fill="hold" grpId="0" nodeType="afterEffect">
+                                  <p:stCondLst>
+                                    <p:cond delay="0"/>
+                                  </p:stCondLst>
+                                  <p:childTnLst>
+                                    <p:set>
+                                      <p:cBhvr>
+                                        <p:cTn id="18" dur="1" fill="hold">
+                                          <p:stCondLst>
+                                            <p:cond delay="0"/>
+                                          </p:stCondLst>
+                                        </p:cTn>
+                                        <p:tgtEl>
+                                          <p:spTgt spid="24578">
+                                            <p:txEl>
+                                              <p:pRg st="3" end="3"/>
+                                            </p:txEl>
+                                          </p:spTgt>
+                                        </p:tgtEl>
+                                        <p:attrNameLst>
+                                          <p:attrName>style.visibility</p:attrName>
+                                        </p:attrNameLst>
+                                      </p:cBhvr>
+                                      <p:to>
+                                        <p:strVal val="visible"/>
+                                      </p:to>
+                                    </p:set>
+                                    <p:animEffect transition="in" filter="fade">
+                                      <p:cBhvr>
+                                        <p:cTn id="19" dur="250"/>
+                                        <p:tgtEl>
+                                          <p:spTgt spid="24578">
+                                            <p:txEl>
+                                              <p:pRg st="3" end="3"/>
+                                            </p:txEl>
+                                          </p:spTgt>
+                                        </p:tgtEl>
+                                      </p:cBhvr>
+                                    </p:animEffect>
+                                  </p:childTnLst>
+                                </p:cTn>
+                              </p:par>
+                            </p:childTnLst>
+                          </p:cTn>
+                        </p:par>
+                        <p:par>
+                          <p:cTn id="20" fill="hold">
+                            <p:stCondLst>
+                              <p:cond delay="1000"/>
+                            </p:stCondLst>
+                            <p:childTnLst>
+                              <p:par>
+                                <p:cTn id="21" presetID="22" presetClass="entr" presetSubtype="8" fill="hold" grpId="0" nodeType="afterEffect">
+                                  <p:stCondLst>
+                                    <p:cond delay="0"/>
+                                  </p:stCondLst>
+                                  <p:childTnLst>
+                                    <p:set>
+                                      <p:cBhvr>
+                                        <p:cTn id="22" dur="1" fill="hold">
+                                          <p:stCondLst>
+                                            <p:cond delay="0"/>
+                                          </p:stCondLst>
+                                        </p:cTn>
+                                        <p:tgtEl>
+                                          <p:spTgt spid="5"/>
+                                        </p:tgtEl>
+                                        <p:attrNameLst>
+                                          <p:attrName>style.visibility</p:attrName>
+                                        </p:attrNameLst>
+                                      </p:cBhvr>
+                                      <p:to>
+                                        <p:strVal val="visible"/>
+                                      </p:to>
+                                    </p:set>
+                                    <p:animEffect transition="in" filter="wipe(left)">
+                                      <p:cBhvr>
+                                        <p:cTn id="23" dur="250"/>
+                                        <p:tgtEl>
+                                          <p:spTgt spid="5"/>
+                                        </p:tgtEl>
+                                      </p:cBhvr>
+                                    </p:animEffect>
+                                  </p:childTnLst>
+                                </p:cTn>
+                              </p:par>
+                            </p:childTnLst>
+                          </p:cTn>
+                        </p:par>
+                      </p:childTnLst>
+                    </p:cTn>
+                  </p:par>
+                </p:childTnLst>
+              </p:cTn>
+              <p:prevCondLst>
+                <p:cond evt="onPrev" delay="0">
+                  <p:tgtEl>
+                    <p:sldTgt/>
+                  </p:tgtEl>
+                </p:cond>
+              </p:prevCondLst>
+              <p:nextCondLst>
+                <p:cond evt="onNext" delay="0">
+                  <p:tgtEl>
+                    <p:sldTgt/>
+                  </p:tgtEl>
+                </p:cond>
+              </p:nextCondLst>
+            </p:seq>
+          </p:childTnLst>
+        </p:cTn>
+      </p:par>
+    </p:tnLst>
+    <p:bldLst>
+      <p:bldP spid="24578" grpId="0" uiExpand="1" build="allAtOnce"/>
+      <p:bldP spid="5" grpId="0" animBg="1"/>
+    </p:bldLst>
+  </p:timing>
+</p:sld>
+</file>
+
+<file path=ppt/slides/slide20.xml><?xml version="1.0" encoding="utf-8"?>
+<p:sld xmlns:a="http://schemas.openxmlformats.org/drawingml/2006/main" xmlns:r="http://schemas.openxmlformats.org/officeDocument/2006/relationships" xmlns:p="http://schemas.openxmlformats.org/presentationml/2006/main">
+  <p:cSld>
+    <p:spTree>
+      <p:nvGrpSpPr>
+        <p:cNvPr id="1" name=""/>
+        <p:cNvGrpSpPr/>
+        <p:nvPr/>
+      </p:nvGrpSpPr>
+      <p:grpSpPr>
+        <a:xfrm>
+          <a:off x="0" y="0"/>
+          <a:ext cx="0" cy="0"/>
+          <a:chOff x="0" y="0"/>
+          <a:chExt cx="0" cy="0"/>
+        </a:xfrm>
+      </p:grpSpPr>
+      <p:sp>
+        <p:nvSpPr>
+          <p:cNvPr id="24578" name="Rectangle 2"/>
+          <p:cNvSpPr>
+            <a:spLocks noChangeArrowheads="1"/>
+          </p:cNvSpPr>
+          <p:nvPr/>
+        </p:nvSpPr>
+        <p:spPr bwMode="auto">
+          <a:xfrm>
+            <a:off x="0" y="785794"/>
+            <a:ext cx="9144000" cy="5786478"/>
+          </a:xfrm>
+          <a:prstGeom prst="rect">
+            <a:avLst/>
+          </a:prstGeom>
+          <a:noFill/>
+          <a:ln w="9525">
+            <a:noFill/>
+            <a:round/>
+            <a:headEnd/>
+            <a:tailEnd/>
+          </a:ln>
+          <a:effectLst/>
+        </p:spPr>
+        <p:txBody>
+          <a:bodyPr lIns="90000" tIns="45000" rIns="90000" bIns="45000"/>
+          <a:lstStyle/>
+          <a:p>
+            <a:pPr marL="288000" indent="-288000">
+              <a:lnSpc>
+                <a:spcPct val="100000"/>
+              </a:lnSpc>
+              <a:spcBef>
+                <a:spcPts val="1200"/>
+              </a:spcBef>
+              <a:buClr>
+                <a:schemeClr val="tx1"/>
+              </a:buClr>
+              <a:buFont typeface="Arial" pitchFamily="34" charset="0"/>
+              <a:buChar char="–"/>
+              <a:tabLst>
+                <a:tab pos="723900" algn="l"/>
+                <a:tab pos="1447800" algn="l"/>
+                <a:tab pos="2171700" algn="l"/>
+                <a:tab pos="2895600" algn="l"/>
+                <a:tab pos="3619500" algn="l"/>
+                <a:tab pos="4343400" algn="l"/>
+                <a:tab pos="5067300" algn="l"/>
+                <a:tab pos="5791200" algn="l"/>
+                <a:tab pos="6515100" algn="l"/>
+                <a:tab pos="7239000" algn="l"/>
+                <a:tab pos="7962900" algn="l"/>
+                <a:tab pos="8686800" algn="l"/>
+              </a:tabLst>
+            </a:pPr>
+            <a:r>
+              <a:rPr lang="hr-HR" sz="2400" dirty="0" smtClean="0">
+                <a:latin typeface="Calibri" pitchFamily="34" charset="0"/>
+                <a:cs typeface="Calibri" pitchFamily="34" charset="0"/>
+              </a:rPr>
+              <a:t>događaji koji su prethodili uvođenju parlamentarne demokracije u RH:</a:t>
+            </a:r>
+          </a:p>
+          <a:p>
+            <a:pPr marL="1030950" lvl="1" indent="-288000">
+              <a:lnSpc>
+                <a:spcPct val="100000"/>
+              </a:lnSpc>
+              <a:spcBef>
+                <a:spcPts val="600"/>
+              </a:spcBef>
+              <a:buClr>
+                <a:schemeClr val="tx1"/>
+              </a:buClr>
+              <a:buFont typeface="Arial" pitchFamily="34" charset="0"/>
+              <a:buChar char="–"/>
+              <a:tabLst>
+                <a:tab pos="723900" algn="l"/>
+                <a:tab pos="1447800" algn="l"/>
+                <a:tab pos="2171700" algn="l"/>
+                <a:tab pos="2895600" algn="l"/>
+                <a:tab pos="3619500" algn="l"/>
+                <a:tab pos="4343400" algn="l"/>
+                <a:tab pos="5067300" algn="l"/>
+                <a:tab pos="5791200" algn="l"/>
+                <a:tab pos="6515100" algn="l"/>
+                <a:tab pos="7239000" algn="l"/>
+                <a:tab pos="7962900" algn="l"/>
+                <a:tab pos="8686800" algn="l"/>
+              </a:tabLst>
+            </a:pPr>
+            <a:r>
+              <a:rPr lang="hr-HR" sz="2400" b="1" dirty="0" smtClean="0">
+                <a:solidFill>
+                  <a:srgbClr val="FFC000"/>
+                </a:solidFill>
+                <a:latin typeface="Calibri" pitchFamily="34" charset="0"/>
+                <a:cs typeface="Calibri" pitchFamily="34" charset="0"/>
+              </a:rPr>
+              <a:t>pad Berlinskog zida</a:t>
+            </a:r>
+          </a:p>
+          <a:p>
+            <a:pPr marL="1030950" lvl="1" indent="-288000">
+              <a:lnSpc>
+                <a:spcPct val="100000"/>
+              </a:lnSpc>
+              <a:spcBef>
+                <a:spcPts val="600"/>
+              </a:spcBef>
+              <a:buClr>
+                <a:schemeClr val="tx1"/>
+              </a:buClr>
+              <a:buFont typeface="Arial" pitchFamily="34" charset="0"/>
+              <a:buChar char="–"/>
+              <a:tabLst>
+                <a:tab pos="723900" algn="l"/>
+                <a:tab pos="1447800" algn="l"/>
+                <a:tab pos="2171700" algn="l"/>
+                <a:tab pos="2895600" algn="l"/>
+                <a:tab pos="3619500" algn="l"/>
+                <a:tab pos="4343400" algn="l"/>
+                <a:tab pos="5067300" algn="l"/>
+                <a:tab pos="5791200" algn="l"/>
+                <a:tab pos="6515100" algn="l"/>
+                <a:tab pos="7239000" algn="l"/>
+                <a:tab pos="7962900" algn="l"/>
+                <a:tab pos="8686800" algn="l"/>
+              </a:tabLst>
+            </a:pPr>
+            <a:r>
+              <a:rPr lang="hr-HR" sz="2400" b="1" dirty="0" smtClean="0">
+                <a:solidFill>
+                  <a:srgbClr val="FFC000"/>
+                </a:solidFill>
+                <a:latin typeface="Calibri" pitchFamily="34" charset="0"/>
+                <a:cs typeface="Calibri" pitchFamily="34" charset="0"/>
+              </a:rPr>
+              <a:t>raspad SSSR-a</a:t>
+            </a:r>
+          </a:p>
+          <a:p>
+            <a:pPr marL="1030950" lvl="1" indent="-288000">
+              <a:lnSpc>
+                <a:spcPct val="100000"/>
+              </a:lnSpc>
+              <a:spcBef>
+                <a:spcPts val="600"/>
+              </a:spcBef>
+              <a:buClr>
+                <a:schemeClr val="tx1"/>
+              </a:buClr>
+              <a:buFont typeface="Arial" pitchFamily="34" charset="0"/>
+              <a:buChar char="–"/>
+              <a:tabLst>
+                <a:tab pos="723900" algn="l"/>
+                <a:tab pos="1447800" algn="l"/>
+                <a:tab pos="2171700" algn="l"/>
+                <a:tab pos="2895600" algn="l"/>
+                <a:tab pos="3619500" algn="l"/>
+                <a:tab pos="4343400" algn="l"/>
+                <a:tab pos="5067300" algn="l"/>
+                <a:tab pos="5791200" algn="l"/>
+                <a:tab pos="6515100" algn="l"/>
+                <a:tab pos="7239000" algn="l"/>
+                <a:tab pos="7962900" algn="l"/>
+                <a:tab pos="8686800" algn="l"/>
+              </a:tabLst>
+            </a:pPr>
+            <a:r>
+              <a:rPr lang="hr-HR" sz="2400" b="1" dirty="0" smtClean="0">
+                <a:solidFill>
+                  <a:srgbClr val="FFC000"/>
+                </a:solidFill>
+                <a:latin typeface="Calibri" pitchFamily="34" charset="0"/>
+                <a:cs typeface="Calibri" pitchFamily="34" charset="0"/>
+              </a:rPr>
+              <a:t>pad diktature u Rumunjskoj</a:t>
+            </a:r>
+          </a:p>
+          <a:p>
+            <a:pPr marL="288000" indent="-288000">
+              <a:lnSpc>
+                <a:spcPct val="100000"/>
+              </a:lnSpc>
+              <a:spcBef>
+                <a:spcPts val="1800"/>
+              </a:spcBef>
+              <a:buClr>
+                <a:schemeClr val="tx1"/>
+              </a:buClr>
+              <a:buFont typeface="Arial" pitchFamily="34" charset="0"/>
+              <a:buChar char="–"/>
+              <a:tabLst>
+                <a:tab pos="723900" algn="l"/>
+                <a:tab pos="1447800" algn="l"/>
+                <a:tab pos="2171700" algn="l"/>
+                <a:tab pos="2895600" algn="l"/>
+                <a:tab pos="3619500" algn="l"/>
+                <a:tab pos="4343400" algn="l"/>
+                <a:tab pos="5067300" algn="l"/>
+                <a:tab pos="5791200" algn="l"/>
+                <a:tab pos="6515100" algn="l"/>
+                <a:tab pos="7239000" algn="l"/>
+                <a:tab pos="7962900" algn="l"/>
+                <a:tab pos="8686800" algn="l"/>
+              </a:tabLst>
+            </a:pPr>
+            <a:r>
+              <a:rPr lang="hr-HR" sz="2400" b="1" dirty="0" smtClean="0">
+                <a:solidFill>
+                  <a:srgbClr val="FFC000"/>
+                </a:solidFill>
+                <a:latin typeface="Calibri" pitchFamily="34" charset="0"/>
+                <a:cs typeface="Calibri" pitchFamily="34" charset="0"/>
+              </a:rPr>
+              <a:t>zajednički elementi prekretnica </a:t>
+            </a:r>
+            <a:r>
+              <a:rPr lang="hr-HR" sz="2400" dirty="0" smtClean="0">
+                <a:latin typeface="Calibri" pitchFamily="34" charset="0"/>
+                <a:cs typeface="Calibri" pitchFamily="34" charset="0"/>
+              </a:rPr>
+              <a:t>u životu zemalja bivšeg istočnog bloka:</a:t>
+            </a:r>
+          </a:p>
+          <a:p>
+            <a:pPr marL="1030950" lvl="1" indent="-288000">
+              <a:lnSpc>
+                <a:spcPct val="100000"/>
+              </a:lnSpc>
+              <a:spcBef>
+                <a:spcPts val="600"/>
+              </a:spcBef>
+              <a:buClr>
+                <a:schemeClr val="tx1"/>
+              </a:buClr>
+              <a:buFont typeface="Arial" pitchFamily="34" charset="0"/>
+              <a:buChar char="–"/>
+              <a:tabLst>
+                <a:tab pos="723900" algn="l"/>
+                <a:tab pos="1447800" algn="l"/>
+                <a:tab pos="2171700" algn="l"/>
+                <a:tab pos="2895600" algn="l"/>
+                <a:tab pos="3619500" algn="l"/>
+                <a:tab pos="4343400" algn="l"/>
+                <a:tab pos="5067300" algn="l"/>
+                <a:tab pos="5791200" algn="l"/>
+                <a:tab pos="6515100" algn="l"/>
+                <a:tab pos="7239000" algn="l"/>
+                <a:tab pos="7962900" algn="l"/>
+                <a:tab pos="8686800" algn="l"/>
+              </a:tabLst>
+            </a:pPr>
+            <a:r>
+              <a:rPr lang="hr-HR" sz="2200" dirty="0" smtClean="0">
+                <a:latin typeface="Calibri" pitchFamily="34" charset="0"/>
+                <a:cs typeface="Calibri" pitchFamily="34" charset="0"/>
+              </a:rPr>
+              <a:t>prekid s dotadašnjim političkim sustavom </a:t>
+            </a:r>
+            <a:r>
+              <a:rPr lang="hr-HR" sz="2000" i="1" dirty="0" smtClean="0">
+                <a:latin typeface="Calibri" pitchFamily="34" charset="0"/>
+                <a:cs typeface="Calibri" pitchFamily="34" charset="0"/>
+              </a:rPr>
+              <a:t>(komunizam </a:t>
+            </a:r>
+            <a:r>
+              <a:rPr lang="hr-HR" sz="2000" i="1" dirty="0" smtClean="0">
+                <a:latin typeface="Calibri" pitchFamily="34" charset="0"/>
+                <a:cs typeface="Calibri" pitchFamily="34" charset="0"/>
+                <a:sym typeface="Wingdings" pitchFamily="2" charset="2"/>
+              </a:rPr>
+              <a:t> demokracija</a:t>
+            </a:r>
+            <a:r>
+              <a:rPr lang="hr-HR" sz="2000" i="1" dirty="0" smtClean="0">
+                <a:latin typeface="Calibri" pitchFamily="34" charset="0"/>
+                <a:cs typeface="Calibri" pitchFamily="34" charset="0"/>
+              </a:rPr>
+              <a:t>)</a:t>
+            </a:r>
+            <a:endParaRPr lang="hr-HR" sz="2200" i="1" dirty="0" smtClean="0">
+              <a:latin typeface="Calibri" pitchFamily="34" charset="0"/>
+              <a:cs typeface="Calibri" pitchFamily="34" charset="0"/>
+            </a:endParaRPr>
+          </a:p>
+          <a:p>
+            <a:pPr marL="1030950" lvl="1" indent="-288000">
+              <a:lnSpc>
+                <a:spcPct val="100000"/>
+              </a:lnSpc>
+              <a:spcBef>
+                <a:spcPts val="600"/>
+              </a:spcBef>
+              <a:buClr>
+                <a:schemeClr val="tx1"/>
+              </a:buClr>
+              <a:buFont typeface="Arial" pitchFamily="34" charset="0"/>
+              <a:buChar char="–"/>
+              <a:tabLst>
+                <a:tab pos="723900" algn="l"/>
+                <a:tab pos="1447800" algn="l"/>
+                <a:tab pos="2171700" algn="l"/>
+                <a:tab pos="2895600" algn="l"/>
+                <a:tab pos="3619500" algn="l"/>
+                <a:tab pos="4343400" algn="l"/>
+                <a:tab pos="5067300" algn="l"/>
+                <a:tab pos="5791200" algn="l"/>
+                <a:tab pos="6515100" algn="l"/>
+                <a:tab pos="7239000" algn="l"/>
+                <a:tab pos="7962900" algn="l"/>
+                <a:tab pos="8686800" algn="l"/>
+              </a:tabLst>
+            </a:pPr>
+            <a:r>
+              <a:rPr lang="hr-HR" sz="2200" dirty="0" smtClean="0">
+                <a:latin typeface="Calibri" pitchFamily="34" charset="0"/>
+                <a:cs typeface="Calibri" pitchFamily="34" charset="0"/>
+              </a:rPr>
+              <a:t>traženje novog gospodarskog sustava </a:t>
+            </a:r>
+            <a:r>
+              <a:rPr lang="hr-HR" sz="2000" i="1" dirty="0" smtClean="0">
+                <a:latin typeface="Calibri" pitchFamily="34" charset="0"/>
+                <a:cs typeface="Calibri" pitchFamily="34" charset="0"/>
+              </a:rPr>
+              <a:t>(komanditno </a:t>
+            </a:r>
+            <a:r>
+              <a:rPr lang="hr-HR" sz="2000" i="1" dirty="0" smtClean="0">
+                <a:latin typeface="Calibri" pitchFamily="34" charset="0"/>
+                <a:cs typeface="Calibri" pitchFamily="34" charset="0"/>
+                <a:sym typeface="Wingdings" pitchFamily="2" charset="2"/>
+              </a:rPr>
+              <a:t> tržišno</a:t>
+            </a:r>
+            <a:r>
+              <a:rPr lang="hr-HR" sz="2000" i="1" dirty="0" smtClean="0">
+                <a:latin typeface="Calibri" pitchFamily="34" charset="0"/>
+                <a:cs typeface="Calibri" pitchFamily="34" charset="0"/>
+              </a:rPr>
+              <a:t>)</a:t>
+            </a:r>
+            <a:endParaRPr lang="hr-HR" sz="2200" i="1" dirty="0" smtClean="0">
+              <a:latin typeface="Calibri" pitchFamily="34" charset="0"/>
+              <a:cs typeface="Calibri" pitchFamily="34" charset="0"/>
+            </a:endParaRPr>
+          </a:p>
+          <a:p>
+            <a:pPr marL="1030950" lvl="1" indent="-288000">
+              <a:lnSpc>
+                <a:spcPct val="100000"/>
+              </a:lnSpc>
+              <a:spcBef>
+                <a:spcPts val="600"/>
+              </a:spcBef>
+              <a:buClr>
+                <a:schemeClr val="tx1"/>
+              </a:buClr>
+              <a:buFont typeface="Arial" pitchFamily="34" charset="0"/>
+              <a:buChar char="–"/>
+              <a:tabLst>
+                <a:tab pos="723900" algn="l"/>
+                <a:tab pos="1447800" algn="l"/>
+                <a:tab pos="2171700" algn="l"/>
+                <a:tab pos="2895600" algn="l"/>
+                <a:tab pos="3619500" algn="l"/>
+                <a:tab pos="4343400" algn="l"/>
+                <a:tab pos="5067300" algn="l"/>
+                <a:tab pos="5791200" algn="l"/>
+                <a:tab pos="6515100" algn="l"/>
+                <a:tab pos="7239000" algn="l"/>
+                <a:tab pos="7962900" algn="l"/>
+                <a:tab pos="8686800" algn="l"/>
+              </a:tabLst>
+            </a:pPr>
+            <a:r>
+              <a:rPr lang="hr-HR" sz="2200" dirty="0" smtClean="0">
+                <a:latin typeface="Calibri" pitchFamily="34" charset="0"/>
+                <a:cs typeface="Calibri" pitchFamily="34" charset="0"/>
+              </a:rPr>
+              <a:t>pojava nacionalne homogenizacije </a:t>
+            </a:r>
+            <a:r>
+              <a:rPr lang="hr-HR" sz="2000" i="1" dirty="0" smtClean="0">
+                <a:latin typeface="Calibri" pitchFamily="34" charset="0"/>
+                <a:cs typeface="Calibri" pitchFamily="34" charset="0"/>
+              </a:rPr>
+              <a:t>(osamostaljenje država)</a:t>
+            </a:r>
+            <a:endParaRPr lang="hr-HR" sz="2200" i="1" dirty="0" smtClean="0">
+              <a:latin typeface="Calibri" pitchFamily="34" charset="0"/>
+              <a:cs typeface="Calibri" pitchFamily="34" charset="0"/>
+            </a:endParaRPr>
+          </a:p>
+          <a:p>
+            <a:pPr marL="288000" indent="-288000">
+              <a:lnSpc>
+                <a:spcPct val="100000"/>
+              </a:lnSpc>
+              <a:spcBef>
+                <a:spcPts val="1800"/>
+              </a:spcBef>
+              <a:buClr>
+                <a:schemeClr val="tx1"/>
+              </a:buClr>
+              <a:buFont typeface="Arial" pitchFamily="34" charset="0"/>
+              <a:buChar char="–"/>
+              <a:tabLst>
+                <a:tab pos="723900" algn="l"/>
+                <a:tab pos="1447800" algn="l"/>
+                <a:tab pos="2171700" algn="l"/>
+                <a:tab pos="2895600" algn="l"/>
+                <a:tab pos="3619500" algn="l"/>
+                <a:tab pos="4343400" algn="l"/>
+                <a:tab pos="5067300" algn="l"/>
+                <a:tab pos="5791200" algn="l"/>
+                <a:tab pos="6515100" algn="l"/>
+                <a:tab pos="7239000" algn="l"/>
+                <a:tab pos="7962900" algn="l"/>
+                <a:tab pos="8686800" algn="l"/>
+              </a:tabLst>
+            </a:pPr>
+            <a:r>
+              <a:rPr lang="hr-HR" sz="2400" dirty="0" smtClean="0">
+                <a:latin typeface="Calibri" pitchFamily="34" charset="0"/>
+                <a:cs typeface="Calibri" pitchFamily="34" charset="0"/>
+              </a:rPr>
+              <a:t>višestranačje u RH:</a:t>
+            </a:r>
+          </a:p>
+          <a:p>
+            <a:pPr marL="1030950" lvl="1" indent="-288000">
+              <a:lnSpc>
+                <a:spcPct val="100000"/>
+              </a:lnSpc>
+              <a:spcBef>
+                <a:spcPts val="600"/>
+              </a:spcBef>
+              <a:buClr>
+                <a:schemeClr val="tx1"/>
+              </a:buClr>
+              <a:buFont typeface="Arial" pitchFamily="34" charset="0"/>
+              <a:buChar char="–"/>
+              <a:tabLst>
+                <a:tab pos="723900" algn="l"/>
+                <a:tab pos="1447800" algn="l"/>
+                <a:tab pos="2171700" algn="l"/>
+                <a:tab pos="2895600" algn="l"/>
+                <a:tab pos="3619500" algn="l"/>
+                <a:tab pos="4343400" algn="l"/>
+                <a:tab pos="5067300" algn="l"/>
+                <a:tab pos="5791200" algn="l"/>
+                <a:tab pos="6515100" algn="l"/>
+                <a:tab pos="7239000" algn="l"/>
+                <a:tab pos="7962900" algn="l"/>
+                <a:tab pos="8686800" algn="l"/>
+              </a:tabLst>
+            </a:pPr>
+            <a:r>
+              <a:rPr lang="hr-HR" sz="2200" dirty="0" smtClean="0">
+                <a:latin typeface="Calibri" pitchFamily="34" charset="0"/>
+                <a:cs typeface="Calibri" pitchFamily="34" charset="0"/>
+              </a:rPr>
+              <a:t>1990. – 28 stranaka</a:t>
+            </a:r>
+          </a:p>
+          <a:p>
+            <a:pPr marL="1030950" lvl="1" indent="-288000">
+              <a:lnSpc>
+                <a:spcPct val="100000"/>
+              </a:lnSpc>
+              <a:spcBef>
+                <a:spcPts val="600"/>
+              </a:spcBef>
+              <a:buClr>
+                <a:schemeClr val="tx1"/>
+              </a:buClr>
+              <a:buFont typeface="Arial" pitchFamily="34" charset="0"/>
+              <a:buChar char="–"/>
+              <a:tabLst>
+                <a:tab pos="723900" algn="l"/>
+                <a:tab pos="1447800" algn="l"/>
+                <a:tab pos="2171700" algn="l"/>
+                <a:tab pos="2895600" algn="l"/>
+                <a:tab pos="3619500" algn="l"/>
+                <a:tab pos="4343400" algn="l"/>
+                <a:tab pos="5067300" algn="l"/>
+                <a:tab pos="5791200" algn="l"/>
+                <a:tab pos="6515100" algn="l"/>
+                <a:tab pos="7239000" algn="l"/>
+                <a:tab pos="7962900" algn="l"/>
+                <a:tab pos="8686800" algn="l"/>
+              </a:tabLst>
+            </a:pPr>
+            <a:r>
+              <a:rPr lang="hr-HR" sz="2200" dirty="0" smtClean="0">
+                <a:latin typeface="Calibri" pitchFamily="34" charset="0"/>
+                <a:cs typeface="Calibri" pitchFamily="34" charset="0"/>
+              </a:rPr>
+              <a:t>2014. – 141 stranaka</a:t>
+            </a:r>
+          </a:p>
+        </p:txBody>
+      </p:sp>
+      <p:sp>
+        <p:nvSpPr>
+          <p:cNvPr id="9" name="Title 8"/>
+          <p:cNvSpPr>
+            <a:spLocks noGrp="1"/>
+          </p:cNvSpPr>
+          <p:nvPr>
+            <p:ph type="title"/>
+          </p:nvPr>
+        </p:nvSpPr>
+        <p:spPr/>
+        <p:txBody>
+          <a:bodyPr/>
+          <a:lstStyle/>
+          <a:p>
+            <a:r>
+              <a:rPr lang="hr-HR" dirty="0" smtClean="0"/>
+              <a:t>POLITIČKE STRANKE U RH</a:t>
+            </a:r>
+            <a:endParaRPr lang="hr-HR" b="0" dirty="0"/>
+          </a:p>
+        </p:txBody>
+      </p:sp>
+      <p:grpSp>
+        <p:nvGrpSpPr>
+          <p:cNvPr id="3" name="Group 2"/>
+          <p:cNvGrpSpPr/>
+          <p:nvPr/>
+        </p:nvGrpSpPr>
+        <p:grpSpPr>
+          <a:xfrm>
+            <a:off x="4132416" y="4888966"/>
+            <a:ext cx="4857784" cy="1852402"/>
+            <a:chOff x="3500430" y="4572008"/>
+            <a:chExt cx="5491115" cy="2093908"/>
+          </a:xfrm>
+        </p:grpSpPr>
+        <p:pic>
+          <p:nvPicPr>
+            <p:cNvPr id="1027" name="Picture 3"/>
+            <p:cNvPicPr>
+              <a:picLocks noChangeAspect="1" noChangeArrowheads="1"/>
+            </p:cNvPicPr>
+            <p:nvPr/>
+          </p:nvPicPr>
+          <p:blipFill>
+            <a:blip r:embed="rId3" cstate="email"/>
+            <a:srcRect/>
+            <a:stretch>
+              <a:fillRect/>
+            </a:stretch>
+          </p:blipFill>
+          <p:spPr bwMode="auto">
+            <a:xfrm>
+              <a:off x="3500430" y="4572008"/>
+              <a:ext cx="5491115" cy="2093908"/>
+            </a:xfrm>
+            <a:prstGeom prst="rect">
+              <a:avLst/>
+            </a:prstGeom>
+            <a:noFill/>
+            <a:ln w="9525">
+              <a:noFill/>
+              <a:miter lim="800000"/>
+              <a:headEnd/>
+              <a:tailEnd/>
+            </a:ln>
+            <a:effectLst>
+              <a:outerShdw blurRad="63500" sx="102000" sy="102000" algn="ctr" rotWithShape="0">
+                <a:prstClr val="black">
+                  <a:alpha val="40000"/>
+                </a:prstClr>
+              </a:outerShdw>
+            </a:effectLst>
+          </p:spPr>
+        </p:pic>
+        <p:sp>
+          <p:nvSpPr>
+            <p:cNvPr id="13" name="Rectangle 12"/>
+            <p:cNvSpPr/>
+            <p:nvPr/>
+          </p:nvSpPr>
+          <p:spPr>
+            <a:xfrm>
+              <a:off x="8358214" y="4643446"/>
+              <a:ext cx="357190" cy="1928826"/>
+            </a:xfrm>
+            <a:prstGeom prst="rect">
+              <a:avLst/>
+            </a:prstGeom>
+            <a:noFill/>
+            <a:ln>
+              <a:solidFill>
+                <a:srgbClr val="FF0000"/>
+              </a:solidFill>
+            </a:ln>
+            <a:effectLst/>
+          </p:spPr>
+          <p:style>
+            <a:lnRef idx="2">
+              <a:schemeClr val="accent1">
+                <a:shade val="50000"/>
+              </a:schemeClr>
+            </a:lnRef>
+            <a:fillRef idx="1">
+              <a:schemeClr val="accent1"/>
+            </a:fillRef>
+            <a:effectRef idx="0">
+              <a:schemeClr val="accent1"/>
+            </a:effectRef>
+            <a:fontRef idx="minor">
+              <a:schemeClr val="lt1"/>
+            </a:fontRef>
+          </p:style>
+          <p:txBody>
+            <a:bodyPr rtlCol="0" anchor="ctr"/>
+            <a:lstStyle/>
+            <a:p>
+              <a:pPr algn="ctr"/>
+              <a:endParaRPr lang="hr-HR" sz="2800" b="1" smtClean="0">
+                <a:solidFill>
+                  <a:schemeClr val="tx1"/>
+                </a:solidFill>
+                <a:effectLst>
+                  <a:outerShdw blurRad="38100" dist="38100" dir="2700000" algn="tl">
+                    <a:srgbClr val="000000">
+                      <a:alpha val="43137"/>
+                    </a:srgbClr>
+                  </a:outerShdw>
+                </a:effectLst>
+                <a:latin typeface="Calibri" pitchFamily="34" charset="0"/>
+                <a:cs typeface="Calibri" pitchFamily="34" charset="0"/>
+              </a:endParaRPr>
+            </a:p>
+          </p:txBody>
+        </p:sp>
+        <p:sp>
+          <p:nvSpPr>
+            <p:cNvPr id="16" name="Rectangle 15"/>
+            <p:cNvSpPr/>
+            <p:nvPr/>
+          </p:nvSpPr>
+          <p:spPr>
+            <a:xfrm>
+              <a:off x="6500826" y="5143512"/>
+              <a:ext cx="396000" cy="1428760"/>
+            </a:xfrm>
+            <a:prstGeom prst="rect">
+              <a:avLst/>
+            </a:prstGeom>
+            <a:noFill/>
+            <a:ln>
+              <a:solidFill>
+                <a:srgbClr val="FF0000"/>
+              </a:solidFill>
+            </a:ln>
+            <a:effectLst/>
+          </p:spPr>
+          <p:style>
+            <a:lnRef idx="2">
+              <a:schemeClr val="accent1">
+                <a:shade val="50000"/>
+              </a:schemeClr>
+            </a:lnRef>
+            <a:fillRef idx="1">
+              <a:schemeClr val="accent1"/>
+            </a:fillRef>
+            <a:effectRef idx="0">
+              <a:schemeClr val="accent1"/>
+            </a:effectRef>
+            <a:fontRef idx="minor">
+              <a:schemeClr val="lt1"/>
+            </a:fontRef>
+          </p:style>
+          <p:txBody>
+            <a:bodyPr rtlCol="0" anchor="ctr"/>
+            <a:lstStyle/>
+            <a:p>
+              <a:pPr algn="ctr"/>
+              <a:endParaRPr lang="hr-HR" sz="2800" b="1" smtClean="0">
+                <a:solidFill>
+                  <a:schemeClr val="tx1"/>
+                </a:solidFill>
+                <a:effectLst>
+                  <a:outerShdw blurRad="38100" dist="38100" dir="2700000" algn="tl">
+                    <a:srgbClr val="000000">
+                      <a:alpha val="43137"/>
+                    </a:srgbClr>
+                  </a:outerShdw>
+                </a:effectLst>
+                <a:latin typeface="Calibri" pitchFamily="34" charset="0"/>
+                <a:cs typeface="Calibri" pitchFamily="34" charset="0"/>
+              </a:endParaRPr>
+            </a:p>
+          </p:txBody>
+        </p:sp>
+        <p:sp>
+          <p:nvSpPr>
+            <p:cNvPr id="17" name="Rectangle 16"/>
+            <p:cNvSpPr/>
+            <p:nvPr/>
+          </p:nvSpPr>
+          <p:spPr>
+            <a:xfrm>
+              <a:off x="4000496" y="5786454"/>
+              <a:ext cx="428628" cy="785818"/>
+            </a:xfrm>
+            <a:prstGeom prst="rect">
+              <a:avLst/>
+            </a:prstGeom>
+            <a:noFill/>
+            <a:ln>
+              <a:solidFill>
+                <a:srgbClr val="FF0000"/>
+              </a:solidFill>
+            </a:ln>
+            <a:effectLst/>
+          </p:spPr>
+          <p:style>
+            <a:lnRef idx="2">
+              <a:schemeClr val="accent1">
+                <a:shade val="50000"/>
+              </a:schemeClr>
+            </a:lnRef>
+            <a:fillRef idx="1">
+              <a:schemeClr val="accent1"/>
+            </a:fillRef>
+            <a:effectRef idx="0">
+              <a:schemeClr val="accent1"/>
+            </a:effectRef>
+            <a:fontRef idx="minor">
+              <a:schemeClr val="lt1"/>
+            </a:fontRef>
+          </p:style>
+          <p:txBody>
+            <a:bodyPr rtlCol="0" anchor="ctr"/>
+            <a:lstStyle/>
+            <a:p>
+              <a:pPr algn="ctr"/>
+              <a:endParaRPr lang="hr-HR" sz="2800" b="1" smtClean="0">
+                <a:solidFill>
+                  <a:schemeClr val="tx1"/>
+                </a:solidFill>
+                <a:effectLst>
+                  <a:outerShdw blurRad="38100" dist="38100" dir="2700000" algn="tl">
+                    <a:srgbClr val="000000">
+                      <a:alpha val="43137"/>
+                    </a:srgbClr>
+                  </a:outerShdw>
+                </a:effectLst>
+                <a:latin typeface="Calibri" pitchFamily="34" charset="0"/>
+                <a:cs typeface="Calibri" pitchFamily="34" charset="0"/>
+              </a:endParaRPr>
+            </a:p>
+          </p:txBody>
+        </p:sp>
+        <p:sp>
+          <p:nvSpPr>
+            <p:cNvPr id="2" name="Rectangle 1"/>
+            <p:cNvSpPr/>
+            <p:nvPr/>
+          </p:nvSpPr>
+          <p:spPr>
+            <a:xfrm>
+              <a:off x="4001968" y="4653136"/>
+              <a:ext cx="2244019" cy="583211"/>
+            </a:xfrm>
+            <a:prstGeom prst="rect">
+              <a:avLst/>
+            </a:prstGeom>
+            <a:solidFill>
+              <a:schemeClr val="tx1"/>
+            </a:solidFill>
+            <a:ln>
+              <a:solidFill>
+                <a:srgbClr val="FF0000"/>
+              </a:solidFill>
+            </a:ln>
+            <a:effectLst/>
+          </p:spPr>
+          <p:style>
+            <a:lnRef idx="2">
+              <a:schemeClr val="accent1">
+                <a:shade val="50000"/>
+              </a:schemeClr>
+            </a:lnRef>
+            <a:fillRef idx="1">
+              <a:schemeClr val="accent1"/>
+            </a:fillRef>
+            <a:effectRef idx="0">
+              <a:schemeClr val="accent1"/>
+            </a:effectRef>
+            <a:fontRef idx="minor">
+              <a:schemeClr val="lt1"/>
+            </a:fontRef>
+          </p:style>
+          <p:txBody>
+            <a:bodyPr rtlCol="0" anchor="ctr"/>
+            <a:lstStyle/>
+            <a:p>
+              <a:pPr algn="ctr"/>
+              <a:r>
+                <a:rPr lang="hr-HR" sz="2000" b="1" dirty="0" smtClean="0">
+                  <a:solidFill>
+                    <a:srgbClr val="FF0000"/>
+                  </a:solidFill>
+                  <a:latin typeface="Calibri" pitchFamily="34" charset="0"/>
+                  <a:cs typeface="Calibri" pitchFamily="34" charset="0"/>
+                </a:rPr>
+                <a:t>2017. – 166 </a:t>
+              </a:r>
+            </a:p>
+            <a:p>
+              <a:pPr algn="ctr"/>
+              <a:r>
+                <a:rPr lang="hr-HR" sz="1600" dirty="0" smtClean="0">
+                  <a:solidFill>
+                    <a:srgbClr val="FF0000"/>
+                  </a:solidFill>
+                  <a:latin typeface="Calibri" pitchFamily="34" charset="0"/>
+                  <a:cs typeface="Calibri" pitchFamily="34" charset="0"/>
+                </a:rPr>
+                <a:t>(18 parlamentarnih)</a:t>
+              </a:r>
+              <a:endParaRPr lang="hr-HR" dirty="0" smtClean="0">
+                <a:solidFill>
+                  <a:srgbClr val="FF0000"/>
+                </a:solidFill>
+                <a:latin typeface="Calibri" pitchFamily="34" charset="0"/>
+                <a:cs typeface="Calibri" pitchFamily="34" charset="0"/>
+              </a:endParaRPr>
+            </a:p>
+          </p:txBody>
+        </p:sp>
+      </p:grpSp>
+    </p:spTree>
+    <p:extLst>
+      <p:ext uri="{BB962C8B-B14F-4D97-AF65-F5344CB8AC3E}">
+        <p14:creationId xmlns:p14="http://schemas.microsoft.com/office/powerpoint/2010/main" val="3265755123"/>
+      </p:ext>
+    </p:extLst>
+  </p:cSld>
+  <p:clrMapOvr>
+    <a:masterClrMapping/>
+  </p:clrMapOvr>
+  <mc:AlternateContent xmlns:mc="http://schemas.openxmlformats.org/markup-compatibility/2006" xmlns:p14="http://schemas.microsoft.com/office/powerpoint/2010/main">
+    <mc:Choice Requires="p14">
       <p:transition>
         <p14:reveal/>
       </p:transition>
@@ -22692,30 +24972,21 @@
                             </p:childTnLst>
                           </p:cTn>
                         </p:par>
-                      </p:childTnLst>
-                    </p:cTn>
-                  </p:par>
-                  <p:par>
-                    <p:cTn id="20" fill="hold">
-                      <p:stCondLst>
-                        <p:cond delay="indefinite"/>
-                      </p:stCondLst>
-                      <p:childTnLst>
                         <p:par>
-                          <p:cTn id="21" fill="hold">
+                          <p:cTn id="20" fill="hold">
                             <p:stCondLst>
-                              <p:cond delay="0"/>
+                              <p:cond delay="1000"/>
                             </p:stCondLst>
                             <p:childTnLst>
                               <p:par>
-                                <p:cTn id="22" presetID="10" presetClass="entr" presetSubtype="0" fill="hold" grpId="0" nodeType="clickEffect">
+                                <p:cTn id="21" presetID="10" presetClass="entr" presetSubtype="0" fill="hold" grpId="0" nodeType="afterEffect">
                                   <p:stCondLst>
                                     <p:cond delay="0"/>
                                   </p:stCondLst>
                                   <p:childTnLst>
                                     <p:set>
                                       <p:cBhvr>
-                                        <p:cTn id="23" dur="1" fill="hold">
+                                        <p:cTn id="22" dur="1" fill="hold">
                                           <p:stCondLst>
                                             <p:cond delay="0"/>
                                           </p:stCondLst>
@@ -22737,7 +25008,7 @@
                                     </p:set>
                                     <p:animEffect transition="in" filter="fade">
                                       <p:cBhvr>
-                                        <p:cTn id="24" dur="250"/>
+                                        <p:cTn id="23" dur="250"/>
                                         <p:tgtEl>
                                           <p:spTgt spid="24578">
                                             <p:txEl>
@@ -22754,26 +25025,247 @@
                           </p:cTn>
                         </p:par>
                         <p:par>
-                          <p:cTn id="25" fill="hold">
+                          <p:cTn id="24" fill="hold">
+                            <p:stCondLst>
+                              <p:cond delay="1250"/>
+                            </p:stCondLst>
+                            <p:childTnLst>
+                              <p:par>
+                                <p:cTn id="25" presetID="10" presetClass="entr" presetSubtype="0" fill="hold" grpId="0" nodeType="afterEffect">
+                                  <p:stCondLst>
+                                    <p:cond delay="0"/>
+                                  </p:stCondLst>
+                                  <p:childTnLst>
+                                    <p:set>
+                                      <p:cBhvr>
+                                        <p:cTn id="26" dur="1" fill="hold">
+                                          <p:stCondLst>
+                                            <p:cond delay="0"/>
+                                          </p:stCondLst>
+                                        </p:cTn>
+                                        <p:tgtEl>
+                                          <p:spTgt spid="24578">
+                                            <p:txEl>
+                                              <p:pRg st="5" end="5"/>
+                                            </p:txEl>
+                                          </p:spTgt>
+                                        </p:tgtEl>
+                                        <p:attrNameLst>
+                                          <p:attrName>style.visibility</p:attrName>
+                                        </p:attrNameLst>
+                                      </p:cBhvr>
+                                      <p:to>
+                                        <p:strVal val="visible"/>
+                                      </p:to>
+                                    </p:set>
+                                    <p:animEffect transition="in" filter="fade">
+                                      <p:cBhvr>
+                                        <p:cTn id="27" dur="250"/>
+                                        <p:tgtEl>
+                                          <p:spTgt spid="24578">
+                                            <p:txEl>
+                                              <p:pRg st="5" end="5"/>
+                                            </p:txEl>
+                                          </p:spTgt>
+                                        </p:tgtEl>
+                                      </p:cBhvr>
+                                    </p:animEffect>
+                                  </p:childTnLst>
+                                </p:cTn>
+                              </p:par>
+                            </p:childTnLst>
+                          </p:cTn>
+                        </p:par>
+                        <p:par>
+                          <p:cTn id="28" fill="hold">
+                            <p:stCondLst>
+                              <p:cond delay="1500"/>
+                            </p:stCondLst>
+                            <p:childTnLst>
+                              <p:par>
+                                <p:cTn id="29" presetID="10" presetClass="entr" presetSubtype="0" fill="hold" grpId="0" nodeType="afterEffect">
+                                  <p:stCondLst>
+                                    <p:cond delay="0"/>
+                                  </p:stCondLst>
+                                  <p:childTnLst>
+                                    <p:set>
+                                      <p:cBhvr>
+                                        <p:cTn id="30" dur="1" fill="hold">
+                                          <p:stCondLst>
+                                            <p:cond delay="0"/>
+                                          </p:stCondLst>
+                                        </p:cTn>
+                                        <p:tgtEl>
+                                          <p:spTgt spid="24578">
+                                            <p:txEl>
+                                              <p:pRg st="6" end="6"/>
+                                            </p:txEl>
+                                          </p:spTgt>
+                                        </p:tgtEl>
+                                        <p:attrNameLst>
+                                          <p:attrName>style.visibility</p:attrName>
+                                        </p:attrNameLst>
+                                      </p:cBhvr>
+                                      <p:to>
+                                        <p:strVal val="visible"/>
+                                      </p:to>
+                                    </p:set>
+                                    <p:animEffect transition="in" filter="fade">
+                                      <p:cBhvr>
+                                        <p:cTn id="31" dur="250"/>
+                                        <p:tgtEl>
+                                          <p:spTgt spid="24578">
+                                            <p:txEl>
+                                              <p:pRg st="6" end="6"/>
+                                            </p:txEl>
+                                          </p:spTgt>
+                                        </p:tgtEl>
+                                      </p:cBhvr>
+                                    </p:animEffect>
+                                  </p:childTnLst>
+                                </p:cTn>
+                              </p:par>
+                            </p:childTnLst>
+                          </p:cTn>
+                        </p:par>
+                        <p:par>
+                          <p:cTn id="32" fill="hold">
+                            <p:stCondLst>
+                              <p:cond delay="1750"/>
+                            </p:stCondLst>
+                            <p:childTnLst>
+                              <p:par>
+                                <p:cTn id="33" presetID="10" presetClass="entr" presetSubtype="0" fill="hold" grpId="0" nodeType="afterEffect">
+                                  <p:stCondLst>
+                                    <p:cond delay="0"/>
+                                  </p:stCondLst>
+                                  <p:childTnLst>
+                                    <p:set>
+                                      <p:cBhvr>
+                                        <p:cTn id="34" dur="1" fill="hold">
+                                          <p:stCondLst>
+                                            <p:cond delay="0"/>
+                                          </p:stCondLst>
+                                        </p:cTn>
+                                        <p:tgtEl>
+                                          <p:spTgt spid="24578">
+                                            <p:txEl>
+                                              <p:pRg st="7" end="7"/>
+                                            </p:txEl>
+                                          </p:spTgt>
+                                        </p:tgtEl>
+                                        <p:attrNameLst>
+                                          <p:attrName>style.visibility</p:attrName>
+                                        </p:attrNameLst>
+                                      </p:cBhvr>
+                                      <p:to>
+                                        <p:strVal val="visible"/>
+                                      </p:to>
+                                    </p:set>
+                                    <p:animEffect transition="in" filter="fade">
+                                      <p:cBhvr>
+                                        <p:cTn id="35" dur="250"/>
+                                        <p:tgtEl>
+                                          <p:spTgt spid="24578">
+                                            <p:txEl>
+                                              <p:pRg st="7" end="7"/>
+                                            </p:txEl>
+                                          </p:spTgt>
+                                        </p:tgtEl>
+                                      </p:cBhvr>
+                                    </p:animEffect>
+                                  </p:childTnLst>
+                                </p:cTn>
+                              </p:par>
+                            </p:childTnLst>
+                          </p:cTn>
+                        </p:par>
+                      </p:childTnLst>
+                    </p:cTn>
+                  </p:par>
+                  <p:par>
+                    <p:cTn id="36" fill="hold">
+                      <p:stCondLst>
+                        <p:cond delay="indefinite"/>
+                      </p:stCondLst>
+                      <p:childTnLst>
+                        <p:par>
+                          <p:cTn id="37" fill="hold">
+                            <p:stCondLst>
+                              <p:cond delay="0"/>
+                            </p:stCondLst>
+                            <p:childTnLst>
+                              <p:par>
+                                <p:cTn id="38" presetID="10" presetClass="entr" presetSubtype="0" fill="hold" grpId="0" nodeType="clickEffect">
+                                  <p:stCondLst>
+                                    <p:cond delay="0"/>
+                                  </p:stCondLst>
+                                  <p:childTnLst>
+                                    <p:set>
+                                      <p:cBhvr>
+                                        <p:cTn id="39" dur="1" fill="hold">
+                                          <p:stCondLst>
+                                            <p:cond delay="0"/>
+                                          </p:stCondLst>
+                                        </p:cTn>
+                                        <p:tgtEl>
+                                          <p:spTgt spid="24578">
+                                            <p:txEl>
+                                              <p:pRg st="8" end="8"/>
+                                            </p:txEl>
+                                          </p:spTgt>
+                                        </p:tgtEl>
+                                        <p:attrNameLst>
+                                          <p:attrName>style.visibility</p:attrName>
+                                        </p:attrNameLst>
+                                      </p:cBhvr>
+                                      <p:to>
+                                        <p:strVal val="visible"/>
+                                      </p:to>
+                                    </p:set>
+                                    <p:animEffect transition="in" filter="fade">
+                                      <p:cBhvr>
+                                        <p:cTn id="40" dur="250"/>
+                                        <p:tgtEl>
+                                          <p:spTgt spid="24578">
+                                            <p:txEl>
+                                              <p:pRg st="8" end="8"/>
+                                            </p:txEl>
+                                          </p:spTgt>
+                                        </p:tgtEl>
+                                      </p:cBhvr>
+                                    </p:animEffect>
+                                  </p:childTnLst>
+                                </p:cTn>
+                              </p:par>
+                            </p:childTnLst>
+                          </p:cTn>
+                        </p:par>
+                        <p:par>
+                          <p:cTn id="41" fill="hold">
                             <p:stCondLst>
                               <p:cond delay="250"/>
                             </p:stCondLst>
                             <p:childTnLst>
                               <p:par>
-                                <p:cTn id="26" presetID="22" presetClass="entr" presetSubtype="8" fill="hold" grpId="0" nodeType="afterEffect">
+                                <p:cTn id="42" presetID="10" presetClass="entr" presetSubtype="0" fill="hold" grpId="0" nodeType="afterEffect">
                                   <p:stCondLst>
                                     <p:cond delay="0"/>
                                   </p:stCondLst>
                                   <p:childTnLst>
                                     <p:set>
                                       <p:cBhvr>
-                                        <p:cTn id="27" dur="1" fill="hold">
+                                        <p:cTn id="43" dur="1" fill="hold">
                                           <p:stCondLst>
                                             <p:cond delay="0"/>
                                           </p:stCondLst>
                                         </p:cTn>
                                         <p:tgtEl>
-                                          <p:spTgt spid="5"/>
+                                          <p:spTgt spid="24578">
+                                            <p:txEl>
+                                              <p:pRg st="9" end="9"/>
+                                            </p:txEl>
+                                          </p:spTgt>
                                         </p:tgtEl>
                                         <p:attrNameLst>
                                           <p:attrName>style.visibility</p:attrName>
@@ -22783,11 +25275,67 @@
                                         <p:strVal val="visible"/>
                                       </p:to>
                                     </p:set>
-                                    <p:animEffect transition="in" filter="wipe(left)">
-                                      <p:cBhvr>
-                                        <p:cTn id="28" dur="250"/>
-                                        <p:tgtEl>
-                                          <p:spTgt spid="5"/>
+                                    <p:animEffect transition="in" filter="fade">
+                                      <p:cBhvr>
+                                        <p:cTn id="44" dur="250"/>
+                                        <p:tgtEl>
+                                          <p:spTgt spid="24578">
+                                            <p:txEl>
+                                              <p:pRg st="9" end="9"/>
+                                            </p:txEl>
+                                          </p:spTgt>
+                                        </p:tgtEl>
+                                      </p:cBhvr>
+                                    </p:animEffect>
+                                  </p:childTnLst>
+                                </p:cTn>
+                              </p:par>
+                            </p:childTnLst>
+                          </p:cTn>
+                        </p:par>
+                        <p:par>
+                          <p:cTn id="45" fill="hold">
+                            <p:stCondLst>
+                              <p:cond delay="500"/>
+                            </p:stCondLst>
+                            <p:childTnLst>
+                              <p:par>
+                                <p:cTn id="46" presetID="10" presetClass="entr" presetSubtype="0" fill="hold" grpId="0" nodeType="afterEffect">
+                                  <p:stCondLst>
+                                    <p:cond delay="0"/>
+                                  </p:stCondLst>
+                                  <p:childTnLst>
+                                    <p:set>
+                                      <p:cBhvr>
+                                        <p:cTn id="47" dur="1" fill="hold">
+                                          <p:stCondLst>
+                                            <p:cond delay="0"/>
+                                          </p:stCondLst>
+                                        </p:cTn>
+                                        <p:tgtEl>
+                                          <p:spTgt spid="24578">
+                                            <p:txEl>
+                                              <p:pRg st="10" end="10"/>
+                                            </p:txEl>
+                                          </p:spTgt>
+                                        </p:tgtEl>
+                                        <p:attrNameLst>
+                                          <p:attrName>style.visibility</p:attrName>
+                                        </p:attrNameLst>
+                                      </p:cBhvr>
+                                      <p:to>
+                                        <p:strVal val="visible"/>
+                                      </p:to>
+                                    </p:set>
+                                    <p:animEffect transition="in" filter="fade">
+                                      <p:cBhvr>
+                                        <p:cTn id="48" dur="250"/>
+                                        <p:tgtEl>
+                                          <p:spTgt spid="24578">
+                                            <p:txEl>
+                                              <p:pRg st="10" end="10"/>
+                                            </p:txEl>
+                                          </p:spTgt>
                                         </p:tgtEl>
                                       </p:cBhvr>
                                     </p:animEffect>
@@ -22822,14 +25370,678 @@
       </p:par>
     </p:tnLst>
     <p:bldLst>
-      <p:bldP spid="24578" grpId="0" uiExpand="1" build="allAtOnce"/>
-      <p:bldP spid="5" grpId="0" animBg="1"/>
+      <p:bldP spid="24578" grpId="0" build="p"/>
     </p:bldLst>
   </p:timing>
 </p:sld>
 </file>
 
-<file path=ppt/slides/slide20.xml><?xml version="1.0" encoding="utf-8"?>
+<file path=ppt/slides/slide21.xml><?xml version="1.0" encoding="utf-8"?>
+<p:sld xmlns:a="http://schemas.openxmlformats.org/drawingml/2006/main" xmlns:r="http://schemas.openxmlformats.org/officeDocument/2006/relationships" xmlns:p="http://schemas.openxmlformats.org/presentationml/2006/main">
+  <p:cSld>
+    <p:spTree>
+      <p:nvGrpSpPr>
+        <p:cNvPr id="1" name=""/>
+        <p:cNvGrpSpPr/>
+        <p:nvPr/>
+      </p:nvGrpSpPr>
+      <p:grpSpPr>
+        <a:xfrm>
+          <a:off x="0" y="0"/>
+          <a:ext cx="0" cy="0"/>
+          <a:chOff x="0" y="0"/>
+          <a:chExt cx="0" cy="0"/>
+        </a:xfrm>
+      </p:grpSpPr>
+      <p:pic>
+        <p:nvPicPr>
+          <p:cNvPr id="4" name="Slika 3" descr="463104049_fa0072e761_o.jpg"/>
+          <p:cNvPicPr>
+            <a:picLocks noChangeAspect="1"/>
+          </p:cNvPicPr>
+          <p:nvPr/>
+        </p:nvPicPr>
+        <p:blipFill>
+          <a:blip r:embed="rId3"/>
+          <a:srcRect l="2383" t="6250" r="4804" b="8333"/>
+          <a:stretch>
+            <a:fillRect/>
+          </a:stretch>
+        </p:blipFill>
+        <p:spPr>
+          <a:xfrm>
+            <a:off x="75052" y="301502"/>
+            <a:ext cx="4237758" cy="3021706"/>
+          </a:xfrm>
+          <a:prstGeom prst="rect">
+            <a:avLst/>
+          </a:prstGeom>
+          <a:ln>
+            <a:noFill/>
+          </a:ln>
+          <a:effectLst/>
+        </p:spPr>
+      </p:pic>
+      <p:pic>
+        <p:nvPicPr>
+          <p:cNvPr id="5" name="Picture 4" descr="Nicolae_Ceausescu.png"/>
+          <p:cNvPicPr>
+            <a:picLocks noChangeAspect="1"/>
+          </p:cNvPicPr>
+          <p:nvPr/>
+        </p:nvPicPr>
+        <p:blipFill>
+          <a:blip r:embed="rId4"/>
+          <a:stretch>
+            <a:fillRect/>
+          </a:stretch>
+        </p:blipFill>
+        <p:spPr>
+          <a:xfrm>
+            <a:off x="6534615" y="3469184"/>
+            <a:ext cx="2516280" cy="3224745"/>
+          </a:xfrm>
+          <a:prstGeom prst="rect">
+            <a:avLst/>
+          </a:prstGeom>
+          <a:ln>
+            <a:noFill/>
+          </a:ln>
+          <a:effectLst/>
+        </p:spPr>
+      </p:pic>
+      <p:pic>
+        <p:nvPicPr>
+          <p:cNvPr id="8" name="Picture 7" descr="zid.jpg"/>
+          <p:cNvPicPr>
+            <a:picLocks noChangeAspect="1"/>
+          </p:cNvPicPr>
+          <p:nvPr/>
+        </p:nvPicPr>
+        <p:blipFill>
+          <a:blip r:embed="rId5"/>
+          <a:stretch>
+            <a:fillRect/>
+          </a:stretch>
+        </p:blipFill>
+        <p:spPr>
+          <a:xfrm>
+            <a:off x="82105" y="3469184"/>
+            <a:ext cx="6423720" cy="3230144"/>
+          </a:xfrm>
+          <a:prstGeom prst="rect">
+            <a:avLst/>
+          </a:prstGeom>
+          <a:ln>
+            <a:noFill/>
+          </a:ln>
+          <a:effectLst/>
+        </p:spPr>
+      </p:pic>
+      <p:pic>
+        <p:nvPicPr>
+          <p:cNvPr id="6" name="Picture 5" descr="berlinski_zid.jpg"/>
+          <p:cNvPicPr>
+            <a:picLocks noChangeAspect="1"/>
+          </p:cNvPicPr>
+          <p:nvPr/>
+        </p:nvPicPr>
+        <p:blipFill>
+          <a:blip r:embed="rId6"/>
+          <a:stretch>
+            <a:fillRect/>
+          </a:stretch>
+        </p:blipFill>
+        <p:spPr>
+          <a:xfrm>
+            <a:off x="4355921" y="301501"/>
+            <a:ext cx="2170764" cy="3021706"/>
+          </a:xfrm>
+          <a:prstGeom prst="rect">
+            <a:avLst/>
+          </a:prstGeom>
+          <a:ln>
+            <a:noFill/>
+          </a:ln>
+          <a:effectLst/>
+        </p:spPr>
+      </p:pic>
+      <p:pic>
+        <p:nvPicPr>
+          <p:cNvPr id="7" name="Picture 6" descr="njemacka.gif"/>
+          <p:cNvPicPr>
+            <a:picLocks noChangeAspect="1"/>
+          </p:cNvPicPr>
+          <p:nvPr/>
+        </p:nvPicPr>
+        <p:blipFill>
+          <a:blip r:embed="rId7"/>
+          <a:stretch>
+            <a:fillRect/>
+          </a:stretch>
+        </p:blipFill>
+        <p:spPr>
+          <a:xfrm>
+            <a:off x="6569796" y="301501"/>
+            <a:ext cx="2466699" cy="3021706"/>
+          </a:xfrm>
+          <a:prstGeom prst="rect">
+            <a:avLst/>
+          </a:prstGeom>
+          <a:ln>
+            <a:noFill/>
+          </a:ln>
+          <a:effectLst/>
+        </p:spPr>
+      </p:pic>
+    </p:spTree>
+    <p:extLst>
+      <p:ext uri="{BB962C8B-B14F-4D97-AF65-F5344CB8AC3E}">
+        <p14:creationId xmlns:p14="http://schemas.microsoft.com/office/powerpoint/2010/main" val="3763414709"/>
+      </p:ext>
+    </p:extLst>
+  </p:cSld>
+  <p:clrMapOvr>
+    <a:masterClrMapping/>
+  </p:clrMapOvr>
+  <mc:AlternateContent xmlns:mc="http://schemas.openxmlformats.org/markup-compatibility/2006" xmlns:p14="http://schemas.microsoft.com/office/powerpoint/2010/main">
+    <mc:Choice Requires="p14">
+      <p:transition>
+        <p14:reveal/>
+      </p:transition>
+    </mc:Choice>
+    <mc:Fallback xmlns="">
+      <p:transition>
+        <p:fade/>
+      </p:transition>
+    </mc:Fallback>
+  </mc:AlternateContent>
+  <p:timing>
+    <p:tnLst>
+      <p:par>
+        <p:cTn id="1" dur="indefinite" restart="never" nodeType="tmRoot">
+          <p:childTnLst>
+            <p:seq concurrent="1" nextAc="seek">
+              <p:cTn id="2" dur="indefinite" nodeType="mainSeq">
+                <p:childTnLst>
+                  <p:par>
+                    <p:cTn id="3" fill="hold">
+                      <p:stCondLst>
+                        <p:cond delay="indefinite"/>
+                        <p:cond evt="onBegin" delay="0">
+                          <p:tn val="2"/>
+                        </p:cond>
+                      </p:stCondLst>
+                      <p:childTnLst>
+                        <p:par>
+                          <p:cTn id="4" fill="hold">
+                            <p:stCondLst>
+                              <p:cond delay="0"/>
+                            </p:stCondLst>
+                            <p:childTnLst>
+                              <p:par>
+                                <p:cTn id="5" presetID="10" presetClass="entr" presetSubtype="0" fill="hold" nodeType="afterEffect">
+                                  <p:stCondLst>
+                                    <p:cond delay="0"/>
+                                  </p:stCondLst>
+                                  <p:childTnLst>
+                                    <p:set>
+                                      <p:cBhvr>
+                                        <p:cTn id="6" dur="1" fill="hold">
+                                          <p:stCondLst>
+                                            <p:cond delay="0"/>
+                                          </p:stCondLst>
+                                        </p:cTn>
+                                        <p:tgtEl>
+                                          <p:spTgt spid="4"/>
+                                        </p:tgtEl>
+                                        <p:attrNameLst>
+                                          <p:attrName>style.visibility</p:attrName>
+                                        </p:attrNameLst>
+                                      </p:cBhvr>
+                                      <p:to>
+                                        <p:strVal val="visible"/>
+                                      </p:to>
+                                    </p:set>
+                                    <p:animEffect transition="in" filter="fade">
+                                      <p:cBhvr>
+                                        <p:cTn id="7" dur="250"/>
+                                        <p:tgtEl>
+                                          <p:spTgt spid="4"/>
+                                        </p:tgtEl>
+                                      </p:cBhvr>
+                                    </p:animEffect>
+                                  </p:childTnLst>
+                                </p:cTn>
+                              </p:par>
+                            </p:childTnLst>
+                          </p:cTn>
+                        </p:par>
+                        <p:par>
+                          <p:cTn id="8" fill="hold">
+                            <p:stCondLst>
+                              <p:cond delay="250"/>
+                            </p:stCondLst>
+                            <p:childTnLst>
+                              <p:par>
+                                <p:cTn id="9" presetID="10" presetClass="entr" presetSubtype="0" fill="hold" nodeType="afterEffect">
+                                  <p:stCondLst>
+                                    <p:cond delay="0"/>
+                                  </p:stCondLst>
+                                  <p:childTnLst>
+                                    <p:set>
+                                      <p:cBhvr>
+                                        <p:cTn id="10" dur="1" fill="hold">
+                                          <p:stCondLst>
+                                            <p:cond delay="0"/>
+                                          </p:stCondLst>
+                                        </p:cTn>
+                                        <p:tgtEl>
+                                          <p:spTgt spid="5"/>
+                                        </p:tgtEl>
+                                        <p:attrNameLst>
+                                          <p:attrName>style.visibility</p:attrName>
+                                        </p:attrNameLst>
+                                      </p:cBhvr>
+                                      <p:to>
+                                        <p:strVal val="visible"/>
+                                      </p:to>
+                                    </p:set>
+                                    <p:animEffect transition="in" filter="fade">
+                                      <p:cBhvr>
+                                        <p:cTn id="11" dur="250"/>
+                                        <p:tgtEl>
+                                          <p:spTgt spid="5"/>
+                                        </p:tgtEl>
+                                      </p:cBhvr>
+                                    </p:animEffect>
+                                  </p:childTnLst>
+                                </p:cTn>
+                              </p:par>
+                            </p:childTnLst>
+                          </p:cTn>
+                        </p:par>
+                      </p:childTnLst>
+                    </p:cTn>
+                  </p:par>
+                  <p:par>
+                    <p:cTn id="12" fill="hold">
+                      <p:stCondLst>
+                        <p:cond delay="indefinite"/>
+                      </p:stCondLst>
+                      <p:childTnLst>
+                        <p:par>
+                          <p:cTn id="13" fill="hold">
+                            <p:stCondLst>
+                              <p:cond delay="0"/>
+                            </p:stCondLst>
+                            <p:childTnLst>
+                              <p:par>
+                                <p:cTn id="14" presetID="10" presetClass="entr" presetSubtype="0" fill="hold" nodeType="clickEffect">
+                                  <p:stCondLst>
+                                    <p:cond delay="0"/>
+                                  </p:stCondLst>
+                                  <p:childTnLst>
+                                    <p:set>
+                                      <p:cBhvr>
+                                        <p:cTn id="15" dur="1" fill="hold">
+                                          <p:stCondLst>
+                                            <p:cond delay="0"/>
+                                          </p:stCondLst>
+                                        </p:cTn>
+                                        <p:tgtEl>
+                                          <p:spTgt spid="8"/>
+                                        </p:tgtEl>
+                                        <p:attrNameLst>
+                                          <p:attrName>style.visibility</p:attrName>
+                                        </p:attrNameLst>
+                                      </p:cBhvr>
+                                      <p:to>
+                                        <p:strVal val="visible"/>
+                                      </p:to>
+                                    </p:set>
+                                    <p:animEffect transition="in" filter="fade">
+                                      <p:cBhvr>
+                                        <p:cTn id="16" dur="250"/>
+                                        <p:tgtEl>
+                                          <p:spTgt spid="8"/>
+                                        </p:tgtEl>
+                                      </p:cBhvr>
+                                    </p:animEffect>
+                                  </p:childTnLst>
+                                </p:cTn>
+                              </p:par>
+                            </p:childTnLst>
+                          </p:cTn>
+                        </p:par>
+                      </p:childTnLst>
+                    </p:cTn>
+                  </p:par>
+                  <p:par>
+                    <p:cTn id="17" fill="hold">
+                      <p:stCondLst>
+                        <p:cond delay="indefinite"/>
+                      </p:stCondLst>
+                      <p:childTnLst>
+                        <p:par>
+                          <p:cTn id="18" fill="hold">
+                            <p:stCondLst>
+                              <p:cond delay="0"/>
+                            </p:stCondLst>
+                            <p:childTnLst>
+                              <p:par>
+                                <p:cTn id="19" presetID="10" presetClass="entr" presetSubtype="0" fill="hold" nodeType="clickEffect">
+                                  <p:stCondLst>
+                                    <p:cond delay="0"/>
+                                  </p:stCondLst>
+                                  <p:childTnLst>
+                                    <p:set>
+                                      <p:cBhvr>
+                                        <p:cTn id="20" dur="1" fill="hold">
+                                          <p:stCondLst>
+                                            <p:cond delay="0"/>
+                                          </p:stCondLst>
+                                        </p:cTn>
+                                        <p:tgtEl>
+                                          <p:spTgt spid="7"/>
+                                        </p:tgtEl>
+                                        <p:attrNameLst>
+                                          <p:attrName>style.visibility</p:attrName>
+                                        </p:attrNameLst>
+                                      </p:cBhvr>
+                                      <p:to>
+                                        <p:strVal val="visible"/>
+                                      </p:to>
+                                    </p:set>
+                                    <p:animEffect transition="in" filter="fade">
+                                      <p:cBhvr>
+                                        <p:cTn id="21" dur="250"/>
+                                        <p:tgtEl>
+                                          <p:spTgt spid="7"/>
+                                        </p:tgtEl>
+                                      </p:cBhvr>
+                                    </p:animEffect>
+                                  </p:childTnLst>
+                                </p:cTn>
+                              </p:par>
+                            </p:childTnLst>
+                          </p:cTn>
+                        </p:par>
+                      </p:childTnLst>
+                    </p:cTn>
+                  </p:par>
+                  <p:par>
+                    <p:cTn id="22" fill="hold">
+                      <p:stCondLst>
+                        <p:cond delay="indefinite"/>
+                      </p:stCondLst>
+                      <p:childTnLst>
+                        <p:par>
+                          <p:cTn id="23" fill="hold">
+                            <p:stCondLst>
+                              <p:cond delay="0"/>
+                            </p:stCondLst>
+                            <p:childTnLst>
+                              <p:par>
+                                <p:cTn id="24" presetID="10" presetClass="entr" presetSubtype="0" fill="hold" nodeType="clickEffect">
+                                  <p:stCondLst>
+                                    <p:cond delay="0"/>
+                                  </p:stCondLst>
+                                  <p:childTnLst>
+                                    <p:set>
+                                      <p:cBhvr>
+                                        <p:cTn id="25" dur="1" fill="hold">
+                                          <p:stCondLst>
+                                            <p:cond delay="0"/>
+                                          </p:stCondLst>
+                                        </p:cTn>
+                                        <p:tgtEl>
+                                          <p:spTgt spid="6"/>
+                                        </p:tgtEl>
+                                        <p:attrNameLst>
+                                          <p:attrName>style.visibility</p:attrName>
+                                        </p:attrNameLst>
+                                      </p:cBhvr>
+                                      <p:to>
+                                        <p:strVal val="visible"/>
+                                      </p:to>
+                                    </p:set>
+                                    <p:animEffect transition="in" filter="fade">
+                                      <p:cBhvr>
+                                        <p:cTn id="26" dur="250"/>
+                                        <p:tgtEl>
+                                          <p:spTgt spid="6"/>
+                                        </p:tgtEl>
+                                      </p:cBhvr>
+                                    </p:animEffect>
+                                  </p:childTnLst>
+                                </p:cTn>
+                              </p:par>
+                            </p:childTnLst>
+                          </p:cTn>
+                        </p:par>
+                      </p:childTnLst>
+                    </p:cTn>
+                  </p:par>
+                  <p:par>
+                    <p:cTn id="27" fill="hold">
+                      <p:stCondLst>
+                        <p:cond delay="indefinite"/>
+                      </p:stCondLst>
+                      <p:childTnLst>
+                        <p:par>
+                          <p:cTn id="28" fill="hold">
+                            <p:stCondLst>
+                              <p:cond delay="0"/>
+                            </p:stCondLst>
+                            <p:childTnLst>
+                              <p:par>
+                                <p:cTn id="29" presetID="10" presetClass="exit" presetSubtype="0" fill="hold" nodeType="clickEffect">
+                                  <p:stCondLst>
+                                    <p:cond delay="0"/>
+                                  </p:stCondLst>
+                                  <p:childTnLst>
+                                    <p:animEffect transition="out" filter="fade">
+                                      <p:cBhvr>
+                                        <p:cTn id="30" dur="250"/>
+                                        <p:tgtEl>
+                                          <p:spTgt spid="8"/>
+                                        </p:tgtEl>
+                                      </p:cBhvr>
+                                    </p:animEffect>
+                                    <p:set>
+                                      <p:cBhvr>
+                                        <p:cTn id="31" dur="1" fill="hold">
+                                          <p:stCondLst>
+                                            <p:cond delay="249"/>
+                                          </p:stCondLst>
+                                        </p:cTn>
+                                        <p:tgtEl>
+                                          <p:spTgt spid="8"/>
+                                        </p:tgtEl>
+                                        <p:attrNameLst>
+                                          <p:attrName>style.visibility</p:attrName>
+                                        </p:attrNameLst>
+                                      </p:cBhvr>
+                                      <p:to>
+                                        <p:strVal val="hidden"/>
+                                      </p:to>
+                                    </p:set>
+                                  </p:childTnLst>
+                                </p:cTn>
+                              </p:par>
+                              <p:par>
+                                <p:cTn id="32" presetID="10" presetClass="exit" presetSubtype="0" fill="hold" nodeType="withEffect">
+                                  <p:stCondLst>
+                                    <p:cond delay="0"/>
+                                  </p:stCondLst>
+                                  <p:childTnLst>
+                                    <p:animEffect transition="out" filter="fade">
+                                      <p:cBhvr>
+                                        <p:cTn id="33" dur="250"/>
+                                        <p:tgtEl>
+                                          <p:spTgt spid="7"/>
+                                        </p:tgtEl>
+                                      </p:cBhvr>
+                                    </p:animEffect>
+                                    <p:set>
+                                      <p:cBhvr>
+                                        <p:cTn id="34" dur="1" fill="hold">
+                                          <p:stCondLst>
+                                            <p:cond delay="249"/>
+                                          </p:stCondLst>
+                                        </p:cTn>
+                                        <p:tgtEl>
+                                          <p:spTgt spid="7"/>
+                                        </p:tgtEl>
+                                        <p:attrNameLst>
+                                          <p:attrName>style.visibility</p:attrName>
+                                        </p:attrNameLst>
+                                      </p:cBhvr>
+                                      <p:to>
+                                        <p:strVal val="hidden"/>
+                                      </p:to>
+                                    </p:set>
+                                  </p:childTnLst>
+                                </p:cTn>
+                              </p:par>
+                              <p:par>
+                                <p:cTn id="35" presetID="10" presetClass="exit" presetSubtype="0" fill="hold" nodeType="withEffect">
+                                  <p:stCondLst>
+                                    <p:cond delay="0"/>
+                                  </p:stCondLst>
+                                  <p:childTnLst>
+                                    <p:animEffect transition="out" filter="fade">
+                                      <p:cBhvr>
+                                        <p:cTn id="36" dur="250"/>
+                                        <p:tgtEl>
+                                          <p:spTgt spid="6"/>
+                                        </p:tgtEl>
+                                      </p:cBhvr>
+                                    </p:animEffect>
+                                    <p:set>
+                                      <p:cBhvr>
+                                        <p:cTn id="37" dur="1" fill="hold">
+                                          <p:stCondLst>
+                                            <p:cond delay="249"/>
+                                          </p:stCondLst>
+                                        </p:cTn>
+                                        <p:tgtEl>
+                                          <p:spTgt spid="6"/>
+                                        </p:tgtEl>
+                                        <p:attrNameLst>
+                                          <p:attrName>style.visibility</p:attrName>
+                                        </p:attrNameLst>
+                                      </p:cBhvr>
+                                      <p:to>
+                                        <p:strVal val="hidden"/>
+                                      </p:to>
+                                    </p:set>
+                                  </p:childTnLst>
+                                </p:cTn>
+                              </p:par>
+                              <p:par>
+                                <p:cTn id="38" presetID="10" presetClass="exit" presetSubtype="0" fill="hold" nodeType="withEffect">
+                                  <p:stCondLst>
+                                    <p:cond delay="0"/>
+                                  </p:stCondLst>
+                                  <p:childTnLst>
+                                    <p:animEffect transition="out" filter="fade">
+                                      <p:cBhvr>
+                                        <p:cTn id="39" dur="250"/>
+                                        <p:tgtEl>
+                                          <p:spTgt spid="4"/>
+                                        </p:tgtEl>
+                                      </p:cBhvr>
+                                    </p:animEffect>
+                                    <p:set>
+                                      <p:cBhvr>
+                                        <p:cTn id="40" dur="1" fill="hold">
+                                          <p:stCondLst>
+                                            <p:cond delay="249"/>
+                                          </p:stCondLst>
+                                        </p:cTn>
+                                        <p:tgtEl>
+                                          <p:spTgt spid="4"/>
+                                        </p:tgtEl>
+                                        <p:attrNameLst>
+                                          <p:attrName>style.visibility</p:attrName>
+                                        </p:attrNameLst>
+                                      </p:cBhvr>
+                                      <p:to>
+                                        <p:strVal val="hidden"/>
+                                      </p:to>
+                                    </p:set>
+                                  </p:childTnLst>
+                                </p:cTn>
+                              </p:par>
+                              <p:par>
+                                <p:cTn id="41" presetID="10" presetClass="exit" presetSubtype="0" fill="hold" nodeType="withEffect">
+                                  <p:stCondLst>
+                                    <p:cond delay="0"/>
+                                  </p:stCondLst>
+                                  <p:childTnLst>
+                                    <p:animEffect transition="out" filter="fade">
+                                      <p:cBhvr>
+                                        <p:cTn id="42" dur="250"/>
+                                        <p:tgtEl>
+                                          <p:spTgt spid="5"/>
+                                        </p:tgtEl>
+                                      </p:cBhvr>
+                                    </p:animEffect>
+                                    <p:set>
+                                      <p:cBhvr>
+                                        <p:cTn id="43" dur="1" fill="hold">
+                                          <p:stCondLst>
+                                            <p:cond delay="249"/>
+                                          </p:stCondLst>
+                                        </p:cTn>
+                                        <p:tgtEl>
+                                          <p:spTgt spid="5"/>
+                                        </p:tgtEl>
+                                        <p:attrNameLst>
+                                          <p:attrName>style.visibility</p:attrName>
+                                        </p:attrNameLst>
+                                      </p:cBhvr>
+                                      <p:to>
+                                        <p:strVal val="hidden"/>
+                                      </p:to>
+                                    </p:set>
+                                  </p:childTnLst>
+                                </p:cTn>
+                              </p:par>
+                            </p:childTnLst>
+                          </p:cTn>
+                        </p:par>
+                      </p:childTnLst>
+                    </p:cTn>
+                  </p:par>
+                </p:childTnLst>
+              </p:cTn>
+              <p:prevCondLst>
+                <p:cond evt="onPrev" delay="0">
+                  <p:tgtEl>
+                    <p:sldTgt/>
+                  </p:tgtEl>
+                </p:cond>
+              </p:prevCondLst>
+              <p:nextCondLst>
+                <p:cond evt="onNext" delay="0">
+                  <p:tgtEl>
+                    <p:sldTgt/>
+                  </p:tgtEl>
+                </p:cond>
+              </p:nextCondLst>
+            </p:seq>
+          </p:childTnLst>
+        </p:cTn>
+      </p:par>
+    </p:tnLst>
+  </p:timing>
+</p:sld>
+</file>
+
+<file path=ppt/slides/slide22.xml><?xml version="1.0" encoding="utf-8"?>
 <p:sld xmlns:a="http://schemas.openxmlformats.org/drawingml/2006/main" xmlns:r="http://schemas.openxmlformats.org/officeDocument/2006/relationships" xmlns:p="http://schemas.openxmlformats.org/presentationml/2006/main">
   <p:cSld>
     <p:spTree>
@@ -23842,7 +27054,7 @@
 </p:sld>
 </file>
 
-<file path=ppt/slides/slide21.xml><?xml version="1.0" encoding="utf-8"?>
+<file path=ppt/slides/slide23.xml><?xml version="1.0" encoding="utf-8"?>
 <p:sld xmlns:a="http://schemas.openxmlformats.org/drawingml/2006/main" xmlns:r="http://schemas.openxmlformats.org/officeDocument/2006/relationships" xmlns:p="http://schemas.openxmlformats.org/presentationml/2006/main">
   <p:cSld>
     <p:spTree>
@@ -24735,7 +27947,7 @@
 </p:sld>
 </file>
 
-<file path=ppt/slides/slide22.xml><?xml version="1.0" encoding="utf-8"?>
+<file path=ppt/slides/slide24.xml><?xml version="1.0" encoding="utf-8"?>
 <p:sld xmlns:a="http://schemas.openxmlformats.org/drawingml/2006/main" xmlns:r="http://schemas.openxmlformats.org/officeDocument/2006/relationships" xmlns:p="http://schemas.openxmlformats.org/presentationml/2006/main">
   <p:cSld>
     <p:spTree>
@@ -25453,13 +28665,13 @@
   <p:clrMapOvr>
     <a:masterClrMapping/>
   </p:clrMapOvr>
-  <mc:AlternateContent xmlns:mc="http://schemas.openxmlformats.org/markup-compatibility/2006">
-    <mc:Choice xmlns:p14="http://schemas.microsoft.com/office/powerpoint/2010/main" Requires="p14">
+  <mc:AlternateContent xmlns:mc="http://schemas.openxmlformats.org/markup-compatibility/2006" xmlns:p14="http://schemas.microsoft.com/office/powerpoint/2010/main">
+    <mc:Choice Requires="p14">
       <p:transition>
         <p14:reveal/>
       </p:transition>
     </mc:Choice>
-    <mc:Fallback>
+    <mc:Fallback xmlns="">
       <p:transition>
         <p:fade/>
       </p:transition>
@@ -26413,7 +29625,7 @@
 </p:sld>
 </file>
 
-<file path=ppt/slides/slide23.xml><?xml version="1.0" encoding="utf-8"?>
+<file path=ppt/slides/slide25.xml><?xml version="1.0" encoding="utf-8"?>
 <p:sld xmlns:a="http://schemas.openxmlformats.org/drawingml/2006/main" xmlns:r="http://schemas.openxmlformats.org/officeDocument/2006/relationships" xmlns:p="http://schemas.openxmlformats.org/presentationml/2006/main">
   <p:cSld>
     <p:spTree>
@@ -26523,37 +29735,7 @@
                   </a:outerShdw>
                 </a:effectLst>
               </a:rPr>
-              <a:t>stranke </a:t>
-            </a:r>
-            <a:r>
-              <a:rPr lang="hr-HR" sz="2400" b="1" dirty="0" err="1" smtClean="0">
-                <a:solidFill>
-                  <a:srgbClr val="FFC000"/>
-                </a:solidFill>
-                <a:effectLst>
-                  <a:outerShdw blurRad="38100" dist="38100" dir="2700000" algn="tl">
-                    <a:srgbClr val="000000">
-                      <a:alpha val="43137"/>
-                    </a:srgbClr>
-                  </a:outerShdw>
-                </a:effectLst>
-              </a:rPr>
-              <a:t>djelimo</a:t>
-            </a:r>
-            <a:r>
-              <a:rPr lang="hr-HR" sz="2400" b="1" dirty="0" smtClean="0">
-                <a:solidFill>
-                  <a:srgbClr val="FFC000"/>
-                </a:solidFill>
-                <a:effectLst>
-                  <a:outerShdw blurRad="38100" dist="38100" dir="2700000" algn="tl">
-                    <a:srgbClr val="000000">
-                      <a:alpha val="43137"/>
-                    </a:srgbClr>
-                  </a:outerShdw>
-                </a:effectLst>
-              </a:rPr>
-              <a:t> na:</a:t>
+              <a:t>stranke dijelimo na:</a:t>
             </a:r>
           </a:p>
           <a:p>
@@ -26733,7 +29915,10 @@
               </a:tabLst>
             </a:pPr>
             <a:r>
-              <a:rPr lang="hr-HR" sz="2000" dirty="0" smtClean="0"/>
+              <a:rPr lang="hr-HR" sz="2000" dirty="0" smtClean="0">
+                <a:latin typeface="Calibri" panose="020F0502020204030204" pitchFamily="34" charset="0"/>
+                <a:cs typeface="Calibri" panose="020F0502020204030204" pitchFamily="34" charset="0"/>
+              </a:rPr>
               <a:t>neparlamentarne</a:t>
             </a:r>
           </a:p>
@@ -26766,7 +29951,10 @@
               </a:tabLst>
             </a:pPr>
             <a:r>
-              <a:rPr lang="hr-HR" sz="2000" dirty="0" smtClean="0"/>
+              <a:rPr lang="hr-HR" sz="2000" dirty="0" smtClean="0">
+                <a:latin typeface="Calibri" panose="020F0502020204030204" pitchFamily="34" charset="0"/>
+                <a:cs typeface="Calibri" panose="020F0502020204030204" pitchFamily="34" charset="0"/>
+              </a:rPr>
               <a:t>parlamentarne</a:t>
             </a:r>
           </a:p>
@@ -26799,7 +29987,10 @@
               </a:tabLst>
             </a:pPr>
             <a:r>
-              <a:rPr lang="hr-HR" sz="2000" dirty="0" smtClean="0"/>
+              <a:rPr lang="hr-HR" sz="2000" dirty="0" smtClean="0">
+                <a:latin typeface="Calibri" panose="020F0502020204030204" pitchFamily="34" charset="0"/>
+                <a:cs typeface="Calibri" panose="020F0502020204030204" pitchFamily="34" charset="0"/>
+              </a:rPr>
               <a:t>vladajuće</a:t>
             </a:r>
           </a:p>
@@ -26832,7 +30023,10 @@
               </a:tabLst>
             </a:pPr>
             <a:r>
-              <a:rPr lang="hr-HR" sz="2000" dirty="0" smtClean="0"/>
+              <a:rPr lang="hr-HR" sz="2000" dirty="0" smtClean="0">
+                <a:latin typeface="Calibri" panose="020F0502020204030204" pitchFamily="34" charset="0"/>
+                <a:cs typeface="Calibri" panose="020F0502020204030204" pitchFamily="34" charset="0"/>
+              </a:rPr>
               <a:t>oporba</a:t>
             </a:r>
           </a:p>
@@ -26847,7 +30041,7 @@
         <p:spPr>
           <a:xfrm>
             <a:off x="2714644" y="2500306"/>
-            <a:ext cx="6286512" cy="2112822"/>
+            <a:ext cx="6286512" cy="2277547"/>
           </a:xfrm>
           <a:prstGeom prst="rect">
             <a:avLst/>
@@ -26864,7 +30058,7 @@
                 <a:spcPct val="150000"/>
               </a:lnSpc>
               <a:spcBef>
-                <a:spcPts val="600"/>
+                <a:spcPts val="0"/>
               </a:spcBef>
               <a:buClr>
                 <a:schemeClr val="tx1"/>
@@ -26887,8 +30081,47 @@
               </a:tabLst>
             </a:pPr>
             <a:r>
-              <a:rPr lang="hr-HR" sz="2000" dirty="0" smtClean="0"/>
+              <a:rPr lang="hr-HR" sz="2200" dirty="0" smtClean="0">
+                <a:latin typeface="Calibri" panose="020F0502020204030204" pitchFamily="34" charset="0"/>
+                <a:cs typeface="Calibri" panose="020F0502020204030204" pitchFamily="34" charset="0"/>
+              </a:rPr>
               <a:t>tradicija, obitelj, nacija, dužnost prema državi</a:t>
+            </a:r>
+          </a:p>
+          <a:p>
+            <a:pPr marL="288000" indent="-288000">
+              <a:lnSpc>
+                <a:spcPct val="150000"/>
+              </a:lnSpc>
+              <a:spcBef>
+                <a:spcPts val="0"/>
+              </a:spcBef>
+              <a:buClr>
+                <a:schemeClr val="tx1"/>
+              </a:buClr>
+              <a:buFont typeface="Arial" pitchFamily="34" charset="0"/>
+              <a:buChar char="–"/>
+              <a:tabLst>
+                <a:tab pos="723900" algn="l"/>
+                <a:tab pos="1447800" algn="l"/>
+                <a:tab pos="2171700" algn="l"/>
+                <a:tab pos="2895600" algn="l"/>
+                <a:tab pos="3619500" algn="l"/>
+                <a:tab pos="4343400" algn="l"/>
+                <a:tab pos="5067300" algn="l"/>
+                <a:tab pos="5791200" algn="l"/>
+                <a:tab pos="6515100" algn="l"/>
+                <a:tab pos="7239000" algn="l"/>
+                <a:tab pos="7962900" algn="l"/>
+                <a:tab pos="8686800" algn="l"/>
+              </a:tabLst>
+            </a:pPr>
+            <a:r>
+              <a:rPr lang="hr-HR" sz="2200" dirty="0" smtClean="0">
+                <a:latin typeface="Calibri" panose="020F0502020204030204" pitchFamily="34" charset="0"/>
+                <a:cs typeface="Calibri" panose="020F0502020204030204" pitchFamily="34" charset="0"/>
+              </a:rPr>
+              <a:t>ograničenje samovolje države, sloboda pojedinca</a:t>
             </a:r>
           </a:p>
           <a:p>
@@ -26920,8 +30153,11 @@
               </a:tabLst>
             </a:pPr>
             <a:r>
-              <a:rPr lang="hr-HR" sz="2000" dirty="0" smtClean="0"/>
-              <a:t>ograničenje samovolje države, sloboda pojedinca</a:t>
+              <a:rPr lang="hr-HR" sz="2200" dirty="0" smtClean="0">
+                <a:latin typeface="Calibri" panose="020F0502020204030204" pitchFamily="34" charset="0"/>
+                <a:cs typeface="Calibri" panose="020F0502020204030204" pitchFamily="34" charset="0"/>
+              </a:rPr>
+              <a:t>ljudsko dostojanstvo, solidarnost i opće dobro</a:t>
             </a:r>
           </a:p>
           <a:p>
@@ -26930,7 +30166,7 @@
                 <a:spcPct val="150000"/>
               </a:lnSpc>
               <a:spcBef>
-                <a:spcPts val="600"/>
+                <a:spcPts val="0"/>
               </a:spcBef>
               <a:buClr>
                 <a:schemeClr val="tx1"/>
@@ -26953,40 +30189,10 @@
               </a:tabLst>
             </a:pPr>
             <a:r>
-              <a:rPr lang="hr-HR" sz="2000" dirty="0" smtClean="0"/>
-              <a:t>ljudsko dostojanstvo, solidarnost i opće dobro</a:t>
-            </a:r>
-          </a:p>
-          <a:p>
-            <a:pPr marL="288000" indent="-288000">
-              <a:lnSpc>
-                <a:spcPct val="150000"/>
-              </a:lnSpc>
-              <a:spcBef>
-                <a:spcPts val="600"/>
-              </a:spcBef>
-              <a:buClr>
-                <a:schemeClr val="tx1"/>
-              </a:buClr>
-              <a:buFont typeface="Arial" pitchFamily="34" charset="0"/>
-              <a:buChar char="–"/>
-              <a:tabLst>
-                <a:tab pos="723900" algn="l"/>
-                <a:tab pos="1447800" algn="l"/>
-                <a:tab pos="2171700" algn="l"/>
-                <a:tab pos="2895600" algn="l"/>
-                <a:tab pos="3619500" algn="l"/>
-                <a:tab pos="4343400" algn="l"/>
-                <a:tab pos="5067300" algn="l"/>
-                <a:tab pos="5791200" algn="l"/>
-                <a:tab pos="6515100" algn="l"/>
-                <a:tab pos="7239000" algn="l"/>
-                <a:tab pos="7962900" algn="l"/>
-                <a:tab pos="8686800" algn="l"/>
-              </a:tabLst>
-            </a:pPr>
-            <a:r>
-              <a:rPr lang="hr-HR" sz="2000" dirty="0" smtClean="0"/>
+              <a:rPr lang="hr-HR" sz="2200" dirty="0" smtClean="0">
+                <a:latin typeface="Calibri" panose="020F0502020204030204" pitchFamily="34" charset="0"/>
+                <a:cs typeface="Calibri" panose="020F0502020204030204" pitchFamily="34" charset="0"/>
+              </a:rPr>
               <a:t>sloboda, jednakost, solidarnost i socijalna država</a:t>
             </a:r>
           </a:p>
@@ -27424,8 +30630,8 @@
         </p:nvSpPr>
         <p:spPr>
           <a:xfrm>
-            <a:off x="2714644" y="4857760"/>
-            <a:ext cx="6286512" cy="1631216"/>
+            <a:off x="2714644" y="4776531"/>
+            <a:ext cx="6286512" cy="1717265"/>
           </a:xfrm>
           <a:prstGeom prst="rect">
             <a:avLst/>
@@ -27465,7 +30671,10 @@
               </a:tabLst>
             </a:pPr>
             <a:r>
-              <a:rPr lang="hr-HR" sz="2000" dirty="0" smtClean="0"/>
+              <a:rPr lang="hr-HR" sz="2200" dirty="0" smtClean="0">
+                <a:latin typeface="Calibri" panose="020F0502020204030204" pitchFamily="34" charset="0"/>
+                <a:cs typeface="Calibri" panose="020F0502020204030204" pitchFamily="34" charset="0"/>
+              </a:rPr>
               <a:t>zagovaraju (nasilne) političke promjene</a:t>
             </a:r>
           </a:p>
@@ -27498,7 +30707,10 @@
               </a:tabLst>
             </a:pPr>
             <a:r>
-              <a:rPr lang="hr-HR" sz="2000" dirty="0" smtClean="0"/>
+              <a:rPr lang="hr-HR" sz="2200" dirty="0" smtClean="0">
+                <a:latin typeface="Calibri" panose="020F0502020204030204" pitchFamily="34" charset="0"/>
+                <a:cs typeface="Calibri" panose="020F0502020204030204" pitchFamily="34" charset="0"/>
+              </a:rPr>
               <a:t>konzervativizam i nepromjenjivost</a:t>
             </a:r>
           </a:p>
@@ -27531,7 +30743,10 @@
               </a:tabLst>
             </a:pPr>
             <a:r>
-              <a:rPr lang="hr-HR" sz="2000" dirty="0" smtClean="0"/>
+              <a:rPr lang="hr-HR" sz="2200" dirty="0" smtClean="0">
+                <a:latin typeface="Calibri" panose="020F0502020204030204" pitchFamily="34" charset="0"/>
+                <a:cs typeface="Calibri" panose="020F0502020204030204" pitchFamily="34" charset="0"/>
+              </a:rPr>
               <a:t>opcija izbjegavanja krajnosti, nasilja i nestabilnosti</a:t>
             </a:r>
           </a:p>
@@ -27542,13 +30757,13 @@
   <p:clrMapOvr>
     <a:masterClrMapping/>
   </p:clrMapOvr>
-  <mc:AlternateContent xmlns:mc="http://schemas.openxmlformats.org/markup-compatibility/2006">
-    <mc:Choice xmlns:p14="http://schemas.microsoft.com/office/powerpoint/2010/main" Requires="p14">
+  <mc:AlternateContent xmlns:mc="http://schemas.openxmlformats.org/markup-compatibility/2006" xmlns:p14="http://schemas.microsoft.com/office/powerpoint/2010/main">
+    <mc:Choice Requires="p14">
       <p:transition>
         <p14:reveal/>
       </p:transition>
     </mc:Choice>
-    <mc:Fallback>
+    <mc:Fallback xmlns="">
       <p:transition>
         <p:fade/>
       </p:transition>
@@ -27607,7 +30822,7 @@
                                     </p:set>
                                     <p:animEffect transition="in" filter="fade">
                                       <p:cBhvr>
-                                        <p:cTn id="7" dur="500"/>
+                                        <p:cTn id="7" dur="250"/>
                                         <p:tgtEl>
                                           <p:spTgt spid="2">
                                             <p:txEl>
@@ -27664,7 +30879,7 @@
                                     </p:set>
                                     <p:animEffect transition="in" filter="fade">
                                       <p:cBhvr>
-                                        <p:cTn id="12" dur="500"/>
+                                        <p:cTn id="12" dur="250"/>
                                         <p:tgtEl>
                                           <p:spTgt spid="10"/>
                                         </p:tgtEl>
@@ -27721,7 +30936,7 @@
                                     </p:set>
                                     <p:animEffect transition="in" filter="fade">
                                       <p:cBhvr>
-                                        <p:cTn id="17" dur="500"/>
+                                        <p:cTn id="17" dur="250"/>
                                         <p:tgtEl>
                                           <p:spTgt spid="2">
                                             <p:txEl>
@@ -27780,7 +30995,7 @@
                                     </p:set>
                                     <p:animEffect transition="in" filter="wipe(up)">
                                       <p:cBhvr>
-                                        <p:cTn id="22" dur="500"/>
+                                        <p:cTn id="22" dur="250"/>
                                         <p:tgtEl>
                                           <p:spTgt spid="14">
                                             <p:bg/>
@@ -27821,7 +31036,7 @@
                                     </p:set>
                                     <p:animEffect transition="in" filter="wipe(up)">
                                       <p:cBhvr>
-                                        <p:cTn id="25" dur="500"/>
+                                        <p:cTn id="25" dur="250"/>
                                         <p:tgtEl>
                                           <p:spTgt spid="14">
                                             <p:txEl>
@@ -27840,7 +31055,7 @@
                         <p:par>
                           <p:cTn id="26" fill="hold">
                             <p:stCondLst>
-                              <p:cond delay="500"/>
+                              <p:cond delay="250"/>
                             </p:stCondLst>
                             <p:childTnLst>
                               <p:par>
@@ -27871,7 +31086,7 @@
                                     </p:set>
                                     <p:animEffect transition="in" filter="wipe(up)">
                                       <p:cBhvr>
-                                        <p:cTn id="29" dur="500"/>
+                                        <p:cTn id="29" dur="250"/>
                                         <p:tgtEl>
                                           <p:spTgt spid="15">
                                             <p:bg/>
@@ -27912,7 +31127,7 @@
                                     </p:set>
                                     <p:animEffect transition="in" filter="wipe(up)">
                                       <p:cBhvr>
-                                        <p:cTn id="32" dur="500"/>
+                                        <p:cTn id="32" dur="250"/>
                                         <p:tgtEl>
                                           <p:spTgt spid="15">
                                             <p:txEl>
@@ -27931,7 +31146,7 @@
                         <p:par>
                           <p:cTn id="33" fill="hold">
                             <p:stCondLst>
-                              <p:cond delay="1000"/>
+                              <p:cond delay="500"/>
                             </p:stCondLst>
                             <p:childTnLst>
                               <p:par>
@@ -27962,7 +31177,7 @@
                                     </p:set>
                                     <p:animEffect transition="in" filter="wipe(up)">
                                       <p:cBhvr>
-                                        <p:cTn id="36" dur="500"/>
+                                        <p:cTn id="36" dur="250"/>
                                         <p:tgtEl>
                                           <p:spTgt spid="16">
                                             <p:bg/>
@@ -28003,7 +31218,7 @@
                                     </p:set>
                                     <p:animEffect transition="in" filter="wipe(up)">
                                       <p:cBhvr>
-                                        <p:cTn id="39" dur="500"/>
+                                        <p:cTn id="39" dur="250"/>
                                         <p:tgtEl>
                                           <p:spTgt spid="16">
                                             <p:txEl>
@@ -28022,7 +31237,7 @@
                         <p:par>
                           <p:cTn id="40" fill="hold">
                             <p:stCondLst>
-                              <p:cond delay="1500"/>
+                              <p:cond delay="750"/>
                             </p:stCondLst>
                             <p:childTnLst>
                               <p:par>
@@ -28053,7 +31268,7 @@
                                     </p:set>
                                     <p:animEffect transition="in" filter="wipe(up)">
                                       <p:cBhvr>
-                                        <p:cTn id="43" dur="500"/>
+                                        <p:cTn id="43" dur="250"/>
                                         <p:tgtEl>
                                           <p:spTgt spid="17">
                                             <p:bg/>
@@ -28094,7 +31309,7 @@
                                     </p:set>
                                     <p:animEffect transition="in" filter="wipe(up)">
                                       <p:cBhvr>
-                                        <p:cTn id="46" dur="500"/>
+                                        <p:cTn id="46" dur="250"/>
                                         <p:tgtEl>
                                           <p:spTgt spid="17">
                                             <p:txEl>
@@ -28153,7 +31368,7 @@
                                     </p:set>
                                     <p:animEffect transition="in" filter="wipe(up)">
                                       <p:cBhvr>
-                                        <p:cTn id="51" dur="500"/>
+                                        <p:cTn id="51" dur="250"/>
                                         <p:tgtEl>
                                           <p:spTgt spid="8">
                                             <p:bg/>
@@ -28194,7 +31409,7 @@
                                     </p:set>
                                     <p:animEffect transition="in" filter="wipe(up)">
                                       <p:cBhvr>
-                                        <p:cTn id="54" dur="500"/>
+                                        <p:cTn id="54" dur="250"/>
                                         <p:tgtEl>
                                           <p:spTgt spid="8">
                                             <p:txEl>
@@ -28213,7 +31428,7 @@
                         <p:par>
                           <p:cTn id="55" fill="hold">
                             <p:stCondLst>
-                              <p:cond delay="500"/>
+                              <p:cond delay="250"/>
                             </p:stCondLst>
                             <p:childTnLst>
                               <p:par>
@@ -28244,7 +31459,7 @@
                                     </p:set>
                                     <p:animEffect transition="in" filter="wipe(up)">
                                       <p:cBhvr>
-                                        <p:cTn id="58" dur="500"/>
+                                        <p:cTn id="58" dur="250"/>
                                         <p:tgtEl>
                                           <p:spTgt spid="12">
                                             <p:bg/>
@@ -28285,7 +31500,7 @@
                                     </p:set>
                                     <p:animEffect transition="in" filter="wipe(up)">
                                       <p:cBhvr>
-                                        <p:cTn id="61" dur="500"/>
+                                        <p:cTn id="61" dur="250"/>
                                         <p:tgtEl>
                                           <p:spTgt spid="12">
                                             <p:txEl>
@@ -28304,7 +31519,7 @@
                         <p:par>
                           <p:cTn id="62" fill="hold">
                             <p:stCondLst>
-                              <p:cond delay="1000"/>
+                              <p:cond delay="500"/>
                             </p:stCondLst>
                             <p:childTnLst>
                               <p:par>
@@ -28335,7 +31550,7 @@
                                     </p:set>
                                     <p:animEffect transition="in" filter="wipe(up)">
                                       <p:cBhvr>
-                                        <p:cTn id="65" dur="500"/>
+                                        <p:cTn id="65" dur="250"/>
                                         <p:tgtEl>
                                           <p:spTgt spid="9">
                                             <p:bg/>
@@ -28376,7 +31591,7 @@
                                     </p:set>
                                     <p:animEffect transition="in" filter="wipe(up)">
                                       <p:cBhvr>
-                                        <p:cTn id="68" dur="500"/>
+                                        <p:cTn id="68" dur="250"/>
                                         <p:tgtEl>
                                           <p:spTgt spid="9">
                                             <p:txEl>
@@ -28437,7 +31652,7 @@
                                     </p:set>
                                     <p:animEffect transition="in" filter="wipe(left)">
                                       <p:cBhvr>
-                                        <p:cTn id="73" dur="500"/>
+                                        <p:cTn id="73" dur="250"/>
                                         <p:tgtEl>
                                           <p:spTgt spid="7">
                                             <p:txEl>
@@ -28498,7 +31713,7 @@
                                     </p:set>
                                     <p:animEffect transition="in" filter="wipe(left)">
                                       <p:cBhvr>
-                                        <p:cTn id="78" dur="500"/>
+                                        <p:cTn id="78" dur="250"/>
                                         <p:tgtEl>
                                           <p:spTgt spid="7">
                                             <p:txEl>
@@ -28559,7 +31774,7 @@
                                     </p:set>
                                     <p:animEffect transition="in" filter="wipe(left)">
                                       <p:cBhvr>
-                                        <p:cTn id="83" dur="500"/>
+                                        <p:cTn id="83" dur="250"/>
                                         <p:tgtEl>
                                           <p:spTgt spid="7">
                                             <p:txEl>
@@ -28620,7 +31835,7 @@
                                     </p:set>
                                     <p:animEffect transition="in" filter="wipe(left)">
                                       <p:cBhvr>
-                                        <p:cTn id="88" dur="500"/>
+                                        <p:cTn id="88" dur="250"/>
                                         <p:tgtEl>
                                           <p:spTgt spid="7">
                                             <p:txEl>
@@ -28681,7 +31896,7 @@
                                     </p:set>
                                     <p:animEffect transition="in" filter="wipe(left)">
                                       <p:cBhvr>
-                                        <p:cTn id="93" dur="500"/>
+                                        <p:cTn id="93" dur="250"/>
                                         <p:tgtEl>
                                           <p:spTgt spid="18">
                                             <p:txEl>
@@ -28742,7 +31957,7 @@
                                     </p:set>
                                     <p:animEffect transition="in" filter="wipe(left)">
                                       <p:cBhvr>
-                                        <p:cTn id="98" dur="500"/>
+                                        <p:cTn id="98" dur="250"/>
                                         <p:tgtEl>
                                           <p:spTgt spid="18">
                                             <p:txEl>
@@ -28803,7 +32018,7 @@
                                     </p:set>
                                     <p:animEffect transition="in" filter="wipe(left)">
                                       <p:cBhvr>
-                                        <p:cTn id="103" dur="500"/>
+                                        <p:cTn id="103" dur="250"/>
                                         <p:tgtEl>
                                           <p:spTgt spid="18">
                                             <p:txEl>
@@ -28860,7 +32075,7 @@
 </p:sld>
 </file>
 
-<file path=ppt/slides/slide24.xml><?xml version="1.0" encoding="utf-8"?>
+<file path=ppt/slides/slide26.xml><?xml version="1.0" encoding="utf-8"?>
 <p:sld xmlns:a="http://schemas.openxmlformats.org/drawingml/2006/main" xmlns:r="http://schemas.openxmlformats.org/officeDocument/2006/relationships" xmlns:p="http://schemas.openxmlformats.org/presentationml/2006/main">
   <p:cSld>
     <p:spTree>
@@ -29552,12 +32767,10 @@
               </p:cNvPicPr>
               <p:nvPr/>
             </p:nvPicPr>
-            <p:blipFill>
+            <p:blipFill rotWithShape="1">
               <a:blip r:embed="rId4" cstate="email"/>
               <a:srcRect/>
-              <a:stretch>
-                <a:fillRect/>
-              </a:stretch>
+              <a:stretch/>
             </p:blipFill>
             <p:spPr>
               <a:xfrm>
@@ -29913,7 +33126,7 @@
                 <a:avLst/>
               </a:prstGeom>
               <a:noFill/>
-              <a:ln w="28575">
+              <a:ln w="19050">
                 <a:solidFill>
                   <a:schemeClr val="tx1"/>
                 </a:solidFill>
@@ -30293,13 +33506,13 @@
   <p:clrMapOvr>
     <a:masterClrMapping/>
   </p:clrMapOvr>
-  <mc:AlternateContent xmlns:mc="http://schemas.openxmlformats.org/markup-compatibility/2006">
-    <mc:Choice xmlns:p14="http://schemas.microsoft.com/office/powerpoint/2010/main" Requires="p14">
+  <mc:AlternateContent xmlns:mc="http://schemas.openxmlformats.org/markup-compatibility/2006" xmlns:p14="http://schemas.microsoft.com/office/powerpoint/2010/main">
+    <mc:Choice Requires="p14">
       <p:transition>
         <p14:reveal/>
       </p:transition>
     </mc:Choice>
-    <mc:Fallback>
+    <mc:Fallback xmlns="">
       <p:transition>
         <p:fade/>
       </p:transition>
@@ -30358,7 +33571,7 @@
                                     </p:set>
                                     <p:animEffect transition="in" filter="fade">
                                       <p:cBhvr>
-                                        <p:cTn id="7" dur="500"/>
+                                        <p:cTn id="7" dur="250"/>
                                         <p:tgtEl>
                                           <p:spTgt spid="2">
                                             <p:txEl>
@@ -30417,7 +33630,7 @@
                                     </p:set>
                                     <p:animEffect transition="in" filter="wipe(up)">
                                       <p:cBhvr>
-                                        <p:cTn id="12" dur="500"/>
+                                        <p:cTn id="12" dur="250"/>
                                         <p:tgtEl>
                                           <p:spTgt spid="14">
                                             <p:bg/>
@@ -30458,7 +33671,7 @@
                                     </p:set>
                                     <p:animEffect transition="in" filter="wipe(up)">
                                       <p:cBhvr>
-                                        <p:cTn id="15" dur="500"/>
+                                        <p:cTn id="15" dur="250"/>
                                         <p:tgtEl>
                                           <p:spTgt spid="14">
                                             <p:txEl>
@@ -30477,7 +33690,7 @@
                         <p:par>
                           <p:cTn id="16" fill="hold">
                             <p:stCondLst>
-                              <p:cond delay="500"/>
+                              <p:cond delay="250"/>
                             </p:stCondLst>
                             <p:childTnLst>
                               <p:par>
@@ -30508,7 +33721,7 @@
                                     </p:set>
                                     <p:animEffect transition="in" filter="wipe(up)">
                                       <p:cBhvr>
-                                        <p:cTn id="19" dur="500"/>
+                                        <p:cTn id="19" dur="250"/>
                                         <p:tgtEl>
                                           <p:spTgt spid="15">
                                             <p:bg/>
@@ -30549,7 +33762,7 @@
                                     </p:set>
                                     <p:animEffect transition="in" filter="wipe(up)">
                                       <p:cBhvr>
-                                        <p:cTn id="22" dur="500"/>
+                                        <p:cTn id="22" dur="250"/>
                                         <p:tgtEl>
                                           <p:spTgt spid="15">
                                             <p:txEl>
@@ -30568,7 +33781,7 @@
                         <p:par>
                           <p:cTn id="23" fill="hold">
                             <p:stCondLst>
-                              <p:cond delay="1000"/>
+                              <p:cond delay="500"/>
                             </p:stCondLst>
                             <p:childTnLst>
                               <p:par>
@@ -30599,7 +33812,7 @@
                                     </p:set>
                                     <p:animEffect transition="in" filter="wipe(up)">
                                       <p:cBhvr>
-                                        <p:cTn id="26" dur="500"/>
+                                        <p:cTn id="26" dur="250"/>
                                         <p:tgtEl>
                                           <p:spTgt spid="16">
                                             <p:bg/>
@@ -30640,7 +33853,7 @@
                                     </p:set>
                                     <p:animEffect transition="in" filter="wipe(up)">
                                       <p:cBhvr>
-                                        <p:cTn id="29" dur="500"/>
+                                        <p:cTn id="29" dur="250"/>
                                         <p:tgtEl>
                                           <p:spTgt spid="16">
                                             <p:txEl>
@@ -30659,7 +33872,7 @@
                         <p:par>
                           <p:cTn id="30" fill="hold">
                             <p:stCondLst>
-                              <p:cond delay="1500"/>
+                              <p:cond delay="750"/>
                             </p:stCondLst>
                             <p:childTnLst>
                               <p:par>
@@ -30690,7 +33903,7 @@
                                     </p:set>
                                     <p:animEffect transition="in" filter="wipe(up)">
                                       <p:cBhvr>
-                                        <p:cTn id="33" dur="500"/>
+                                        <p:cTn id="33" dur="250"/>
                                         <p:tgtEl>
                                           <p:spTgt spid="17">
                                             <p:bg/>
@@ -30731,7 +33944,7 @@
                                     </p:set>
                                     <p:animEffect transition="in" filter="wipe(up)">
                                       <p:cBhvr>
-                                        <p:cTn id="36" dur="500"/>
+                                        <p:cTn id="36" dur="250"/>
                                         <p:tgtEl>
                                           <p:spTgt spid="17">
                                             <p:txEl>
@@ -30788,7 +34001,7 @@
                                     </p:set>
                                     <p:animEffect transition="in" filter="fade">
                                       <p:cBhvr>
-                                        <p:cTn id="41" dur="500"/>
+                                        <p:cTn id="41" dur="250"/>
                                         <p:tgtEl>
                                           <p:spTgt spid="25"/>
                                         </p:tgtEl>
@@ -30841,7 +34054,7 @@
                                     </p:set>
                                     <p:animEffect transition="in" filter="fade">
                                       <p:cBhvr>
-                                        <p:cTn id="46" dur="500"/>
+                                        <p:cTn id="46" dur="250"/>
                                         <p:tgtEl>
                                           <p:spTgt spid="32"/>
                                         </p:tgtEl>
@@ -30894,7 +34107,7 @@
                                     </p:set>
                                     <p:animEffect transition="in" filter="fade">
                                       <p:cBhvr>
-                                        <p:cTn id="51" dur="500"/>
+                                        <p:cTn id="51" dur="250"/>
                                         <p:tgtEl>
                                           <p:spTgt spid="40"/>
                                         </p:tgtEl>
@@ -30947,7 +34160,7 @@
                                     </p:set>
                                     <p:animEffect transition="in" filter="fade">
                                       <p:cBhvr>
-                                        <p:cTn id="56" dur="500"/>
+                                        <p:cTn id="56" dur="250"/>
                                         <p:tgtEl>
                                           <p:spTgt spid="41"/>
                                         </p:tgtEl>
@@ -31004,7 +34217,7 @@
                                     </p:set>
                                     <p:animEffect transition="in" filter="fade">
                                       <p:cBhvr>
-                                        <p:cTn id="61" dur="500"/>
+                                        <p:cTn id="61" dur="250"/>
                                         <p:tgtEl>
                                           <p:spTgt spid="44">
                                             <p:txEl>
@@ -31065,7 +34278,7 @@
                                     </p:set>
                                     <p:animEffect transition="in" filter="fade">
                                       <p:cBhvr>
-                                        <p:cTn id="66" dur="500"/>
+                                        <p:cTn id="66" dur="250"/>
                                         <p:tgtEl>
                                           <p:spTgt spid="44">
                                             <p:txEl>
@@ -31084,7 +34297,7 @@
                         <p:par>
                           <p:cTn id="67" fill="hold">
                             <p:stCondLst>
-                              <p:cond delay="500"/>
+                              <p:cond delay="250"/>
                             </p:stCondLst>
                             <p:childTnLst>
                               <p:par>
@@ -31117,7 +34330,7 @@
                                     </p:set>
                                     <p:animEffect transition="in" filter="fade">
                                       <p:cBhvr>
-                                        <p:cTn id="70" dur="500"/>
+                                        <p:cTn id="70" dur="250"/>
                                         <p:tgtEl>
                                           <p:spTgt spid="44">
                                             <p:txEl>
@@ -31136,7 +34349,7 @@
                         <p:par>
                           <p:cTn id="71" fill="hold">
                             <p:stCondLst>
-                              <p:cond delay="1000"/>
+                              <p:cond delay="500"/>
                             </p:stCondLst>
                             <p:childTnLst>
                               <p:par>
@@ -31169,7 +34382,7 @@
                                     </p:set>
                                     <p:animEffect transition="in" filter="fade">
                                       <p:cBhvr>
-                                        <p:cTn id="74" dur="500"/>
+                                        <p:cTn id="74" dur="250"/>
                                         <p:tgtEl>
                                           <p:spTgt spid="44">
                                             <p:txEl>
@@ -31221,8 +34434,8 @@
 </p:sld>
 </file>
 
-<file path=ppt/slides/slide25.xml><?xml version="1.0" encoding="utf-8"?>
-<p:sld xmlns:a="http://schemas.openxmlformats.org/drawingml/2006/main" xmlns:r="http://schemas.openxmlformats.org/officeDocument/2006/relationships" xmlns:p="http://schemas.openxmlformats.org/presentationml/2006/main">
+<file path=ppt/slides/slide27.xml><?xml version="1.0" encoding="utf-8"?>
+<p:sld xmlns:a="http://schemas.openxmlformats.org/drawingml/2006/main" xmlns:r="http://schemas.openxmlformats.org/officeDocument/2006/relationships" xmlns:p="http://schemas.openxmlformats.org/presentationml/2006/main" show="0">
   <p:cSld>
     <p:spTree>
       <p:nvGrpSpPr>
@@ -31731,8 +34944,8 @@
 </p:sld>
 </file>
 
-<file path=ppt/slides/slide26.xml><?xml version="1.0" encoding="utf-8"?>
-<p:sld xmlns:a="http://schemas.openxmlformats.org/drawingml/2006/main" xmlns:r="http://schemas.openxmlformats.org/officeDocument/2006/relationships" xmlns:p="http://schemas.openxmlformats.org/presentationml/2006/main">
+<file path=ppt/slides/slide28.xml><?xml version="1.0" encoding="utf-8"?>
+<p:sld xmlns:a="http://schemas.openxmlformats.org/drawingml/2006/main" xmlns:r="http://schemas.openxmlformats.org/officeDocument/2006/relationships" xmlns:p="http://schemas.openxmlformats.org/presentationml/2006/main" show="0">
   <p:cSld>
     <p:spTree>
       <p:nvGrpSpPr>
@@ -32007,8 +35220,8 @@
 </p:sld>
 </file>
 
-<file path=ppt/slides/slide27.xml><?xml version="1.0" encoding="utf-8"?>
-<p:sld xmlns:a="http://schemas.openxmlformats.org/drawingml/2006/main" xmlns:r="http://schemas.openxmlformats.org/officeDocument/2006/relationships" xmlns:p="http://schemas.openxmlformats.org/presentationml/2006/main">
+<file path=ppt/slides/slide29.xml><?xml version="1.0" encoding="utf-8"?>
+<p:sld xmlns:a="http://schemas.openxmlformats.org/drawingml/2006/main" xmlns:r="http://schemas.openxmlformats.org/officeDocument/2006/relationships" xmlns:p="http://schemas.openxmlformats.org/presentationml/2006/main" show="0">
   <p:cSld>
     <p:spTree>
       <p:nvGrpSpPr>
@@ -32588,7 +35801,21 @@
                 <a:latin typeface="Calibri" pitchFamily="34" charset="0"/>
                 <a:cs typeface="Calibri" pitchFamily="34" charset="0"/>
               </a:rPr>
-              <a:t>koji su prethodili uvođenju parlamentarne demokracije u </a:t>
+              <a:t>koji su prethodili uvođenju </a:t>
+            </a:r>
+            <a:r>
+              <a:rPr lang="hr-HR" sz="2400" dirty="0" smtClean="0">
+                <a:latin typeface="Calibri" pitchFamily="34" charset="0"/>
+                <a:cs typeface="Calibri" pitchFamily="34" charset="0"/>
+              </a:rPr>
+              <a:t>demokracije </a:t>
+            </a:r>
+            <a:r>
+              <a:rPr lang="hr-HR" sz="2400" dirty="0">
+                <a:latin typeface="Calibri" pitchFamily="34" charset="0"/>
+                <a:cs typeface="Calibri" pitchFamily="34" charset="0"/>
+              </a:rPr>
+              <a:t>u </a:t>
             </a:r>
             <a:r>
               <a:rPr lang="hr-HR" sz="2400" dirty="0" smtClean="0">
@@ -32868,13 +36095,13 @@
   <p:clrMapOvr>
     <a:masterClrMapping/>
   </p:clrMapOvr>
-  <mc:AlternateContent xmlns:mc="http://schemas.openxmlformats.org/markup-compatibility/2006" xmlns:p14="http://schemas.microsoft.com/office/powerpoint/2010/main">
-    <mc:Choice Requires="p14">
+  <mc:AlternateContent xmlns:mc="http://schemas.openxmlformats.org/markup-compatibility/2006">
+    <mc:Choice xmlns:p14="http://schemas.microsoft.com/office/powerpoint/2010/main" Requires="p14">
       <p:transition>
         <p14:reveal/>
       </p:transition>
     </mc:Choice>
-    <mc:Fallback xmlns="">
+    <mc:Fallback>
       <p:transition>
         <p:fade/>
       </p:transition>
@@ -32891,6 +36118,1347 @@
 </file>
 
 <file path=ppt/slides/slide3.xml><?xml version="1.0" encoding="utf-8"?>
+<p:sld xmlns:a="http://schemas.openxmlformats.org/drawingml/2006/main" xmlns:r="http://schemas.openxmlformats.org/officeDocument/2006/relationships" xmlns:p="http://schemas.openxmlformats.org/presentationml/2006/main" show="0">
+  <p:cSld>
+    <p:spTree>
+      <p:nvGrpSpPr>
+        <p:cNvPr id="1" name=""/>
+        <p:cNvGrpSpPr/>
+        <p:nvPr/>
+      </p:nvGrpSpPr>
+      <p:grpSpPr>
+        <a:xfrm>
+          <a:off x="0" y="0"/>
+          <a:ext cx="0" cy="0"/>
+          <a:chOff x="0" y="0"/>
+          <a:chExt cx="0" cy="0"/>
+        </a:xfrm>
+      </p:grpSpPr>
+      <p:cxnSp>
+        <p:nvCxnSpPr>
+          <p:cNvPr id="20" name="Kutni poveznik 19"/>
+          <p:cNvCxnSpPr>
+            <a:stCxn id="14" idx="2"/>
+            <a:endCxn id="16" idx="0"/>
+          </p:cNvCxnSpPr>
+          <p:nvPr/>
+        </p:nvCxnSpPr>
+        <p:spPr bwMode="auto">
+          <a:xfrm rot="5400000">
+            <a:off x="2911067" y="303588"/>
+            <a:ext cx="642942" cy="2893239"/>
+          </a:xfrm>
+          <a:prstGeom prst="bentConnector3">
+            <a:avLst>
+              <a:gd name="adj1" fmla="val 50000"/>
+            </a:avLst>
+          </a:prstGeom>
+          <a:solidFill>
+            <a:srgbClr val="00B8FF"/>
+          </a:solidFill>
+          <a:ln w="38100" cap="flat" cmpd="sng" algn="ctr">
+            <a:solidFill>
+              <a:schemeClr val="tx1"/>
+            </a:solidFill>
+            <a:prstDash val="solid"/>
+            <a:round/>
+            <a:headEnd type="none" w="med" len="med"/>
+            <a:tailEnd type="none" w="med" len="med"/>
+          </a:ln>
+          <a:effectLst>
+            <a:outerShdw blurRad="50800" dist="38100" dir="2700000" algn="tl" rotWithShape="0">
+              <a:prstClr val="black">
+                <a:alpha val="40000"/>
+              </a:prstClr>
+            </a:outerShdw>
+          </a:effectLst>
+        </p:spPr>
+      </p:cxnSp>
+      <p:cxnSp>
+        <p:nvCxnSpPr>
+          <p:cNvPr id="22" name="Kutni poveznik 21"/>
+          <p:cNvCxnSpPr>
+            <a:stCxn id="14" idx="2"/>
+            <a:endCxn id="18" idx="0"/>
+          </p:cNvCxnSpPr>
+          <p:nvPr/>
+        </p:nvCxnSpPr>
+        <p:spPr bwMode="auto">
+          <a:xfrm rot="16200000" flipH="1">
+            <a:off x="5768586" y="339306"/>
+            <a:ext cx="642942" cy="2821801"/>
+          </a:xfrm>
+          <a:prstGeom prst="bentConnector3">
+            <a:avLst>
+              <a:gd name="adj1" fmla="val 50000"/>
+            </a:avLst>
+          </a:prstGeom>
+          <a:solidFill>
+            <a:srgbClr val="00B8FF"/>
+          </a:solidFill>
+          <a:ln w="38100" cap="flat" cmpd="sng" algn="ctr">
+            <a:solidFill>
+              <a:schemeClr val="tx1"/>
+            </a:solidFill>
+            <a:prstDash val="solid"/>
+            <a:round/>
+            <a:headEnd type="none" w="med" len="med"/>
+            <a:tailEnd type="none" w="med" len="med"/>
+          </a:ln>
+          <a:effectLst>
+            <a:outerShdw blurRad="50800" dist="38100" dir="2700000" algn="tl" rotWithShape="0">
+              <a:prstClr val="black">
+                <a:alpha val="40000"/>
+              </a:prstClr>
+            </a:outerShdw>
+          </a:effectLst>
+        </p:spPr>
+      </p:cxnSp>
+      <p:cxnSp>
+        <p:nvCxnSpPr>
+          <p:cNvPr id="24" name="Ravni poveznik 23"/>
+          <p:cNvCxnSpPr>
+            <a:stCxn id="14" idx="2"/>
+            <a:endCxn id="17" idx="0"/>
+          </p:cNvCxnSpPr>
+          <p:nvPr/>
+        </p:nvCxnSpPr>
+        <p:spPr bwMode="auto">
+          <a:xfrm rot="5400000">
+            <a:off x="4357686" y="1750207"/>
+            <a:ext cx="642942" cy="1588"/>
+          </a:xfrm>
+          <a:prstGeom prst="line">
+            <a:avLst/>
+          </a:prstGeom>
+          <a:solidFill>
+            <a:srgbClr val="00B8FF"/>
+          </a:solidFill>
+          <a:ln w="38100" cap="flat" cmpd="sng" algn="ctr">
+            <a:solidFill>
+              <a:schemeClr val="tx1"/>
+            </a:solidFill>
+            <a:prstDash val="solid"/>
+            <a:round/>
+            <a:headEnd type="none" w="med" len="med"/>
+            <a:tailEnd type="none" w="med" len="med"/>
+          </a:ln>
+          <a:effectLst>
+            <a:outerShdw blurRad="50800" dist="38100" dir="2700000" algn="tl" rotWithShape="0">
+              <a:prstClr val="black">
+                <a:alpha val="40000"/>
+              </a:prstClr>
+            </a:outerShdw>
+          </a:effectLst>
+        </p:spPr>
+      </p:cxnSp>
+      <p:sp>
+        <p:nvSpPr>
+          <p:cNvPr id="16" name="Pravokutnik 15"/>
+          <p:cNvSpPr/>
+          <p:nvPr/>
+        </p:nvSpPr>
+        <p:spPr bwMode="auto">
+          <a:xfrm>
+            <a:off x="571472" y="2071678"/>
+            <a:ext cx="2428892" cy="1571636"/>
+          </a:xfrm>
+          <a:prstGeom prst="rect">
+            <a:avLst/>
+          </a:prstGeom>
+          <a:solidFill>
+            <a:srgbClr val="C00000"/>
+          </a:solidFill>
+          <a:ln w="38100" cap="flat" cmpd="sng" algn="ctr">
+            <a:solidFill>
+              <a:schemeClr val="tx1"/>
+            </a:solidFill>
+            <a:prstDash val="solid"/>
+            <a:round/>
+            <a:headEnd type="none" w="med" len="med"/>
+            <a:tailEnd type="none" w="med" len="med"/>
+          </a:ln>
+          <a:effectLst>
+            <a:outerShdw blurRad="50800" dist="38100" dir="2700000" algn="tl" rotWithShape="0">
+              <a:prstClr val="black">
+                <a:alpha val="40000"/>
+              </a:prstClr>
+            </a:outerShdw>
+          </a:effectLst>
+        </p:spPr>
+        <p:txBody>
+          <a:bodyPr vert="horz" wrap="square" lIns="91440" tIns="45720" rIns="91440" bIns="45720" numCol="1" rtlCol="0" anchor="ctr" anchorCtr="0" compatLnSpc="1">
+            <a:prstTxWarp prst="textNoShape">
+              <a:avLst/>
+            </a:prstTxWarp>
+          </a:bodyPr>
+          <a:lstStyle/>
+          <a:p>
+            <a:pPr algn="ctr"/>
+            <a:r>
+              <a:rPr lang="vi-VN" sz="2400" dirty="0" smtClean="0">
+                <a:latin typeface="Calibri" pitchFamily="34" charset="0"/>
+                <a:cs typeface="Calibri" pitchFamily="34" charset="0"/>
+              </a:rPr>
+              <a:t>političke organizacije građana</a:t>
+            </a:r>
+          </a:p>
+        </p:txBody>
+      </p:sp>
+      <p:sp>
+        <p:nvSpPr>
+          <p:cNvPr id="17" name="Pravokutnik 16"/>
+          <p:cNvSpPr/>
+          <p:nvPr/>
+        </p:nvSpPr>
+        <p:spPr bwMode="auto">
+          <a:xfrm>
+            <a:off x="3464711" y="2071678"/>
+            <a:ext cx="2428892" cy="1571636"/>
+          </a:xfrm>
+          <a:prstGeom prst="rect">
+            <a:avLst/>
+          </a:prstGeom>
+          <a:solidFill>
+            <a:srgbClr val="C00000"/>
+          </a:solidFill>
+          <a:ln w="38100" cap="flat" cmpd="sng" algn="ctr">
+            <a:solidFill>
+              <a:schemeClr val="tx1"/>
+            </a:solidFill>
+            <a:prstDash val="solid"/>
+            <a:round/>
+            <a:headEnd type="none" w="med" len="med"/>
+            <a:tailEnd type="none" w="med" len="med"/>
+          </a:ln>
+          <a:effectLst>
+            <a:outerShdw blurRad="50800" dist="38100" dir="2700000" algn="tl" rotWithShape="0">
+              <a:prstClr val="black">
+                <a:alpha val="40000"/>
+              </a:prstClr>
+            </a:outerShdw>
+          </a:effectLst>
+        </p:spPr>
+        <p:txBody>
+          <a:bodyPr vert="horz" wrap="square" lIns="91440" tIns="45720" rIns="91440" bIns="45720" numCol="1" rtlCol="0" anchor="ctr" anchorCtr="0" compatLnSpc="1">
+            <a:prstTxWarp prst="textNoShape">
+              <a:avLst/>
+            </a:prstTxWarp>
+          </a:bodyPr>
+          <a:lstStyle/>
+          <a:p>
+            <a:pPr algn="ctr"/>
+            <a:r>
+              <a:rPr lang="hr-HR" sz="2400" dirty="0" smtClean="0">
+                <a:latin typeface="Calibri" pitchFamily="34" charset="0"/>
+                <a:cs typeface="Calibri" pitchFamily="34" charset="0"/>
+              </a:rPr>
+              <a:t>utemeljene radi oblikovanja pojedinačnih interesa</a:t>
+            </a:r>
+          </a:p>
+        </p:txBody>
+      </p:sp>
+      <p:sp>
+        <p:nvSpPr>
+          <p:cNvPr id="18" name="Pravokutnik 17"/>
+          <p:cNvSpPr/>
+          <p:nvPr/>
+        </p:nvSpPr>
+        <p:spPr bwMode="auto">
+          <a:xfrm>
+            <a:off x="6286512" y="2071678"/>
+            <a:ext cx="2428892" cy="1571636"/>
+          </a:xfrm>
+          <a:prstGeom prst="rect">
+            <a:avLst/>
+          </a:prstGeom>
+          <a:solidFill>
+            <a:srgbClr val="C00000"/>
+          </a:solidFill>
+          <a:ln w="38100" cap="flat" cmpd="sng" algn="ctr">
+            <a:solidFill>
+              <a:schemeClr val="tx1"/>
+            </a:solidFill>
+            <a:prstDash val="solid"/>
+            <a:round/>
+            <a:headEnd type="none" w="med" len="med"/>
+            <a:tailEnd type="none" w="med" len="med"/>
+          </a:ln>
+          <a:effectLst>
+            <a:outerShdw blurRad="50800" dist="38100" dir="2700000" algn="tl" rotWithShape="0">
+              <a:prstClr val="black">
+                <a:alpha val="40000"/>
+              </a:prstClr>
+            </a:outerShdw>
+          </a:effectLst>
+        </p:spPr>
+        <p:txBody>
+          <a:bodyPr vert="horz" wrap="square" lIns="91440" tIns="45720" rIns="91440" bIns="45720" numCol="1" rtlCol="0" anchor="ctr" anchorCtr="0" compatLnSpc="1">
+            <a:prstTxWarp prst="textNoShape">
+              <a:avLst/>
+            </a:prstTxWarp>
+          </a:bodyPr>
+          <a:lstStyle/>
+          <a:p>
+            <a:pPr algn="ctr"/>
+            <a:r>
+              <a:rPr lang="pl-PL" sz="2400" smtClean="0">
+                <a:latin typeface="Calibri" pitchFamily="34" charset="0"/>
+                <a:cs typeface="Calibri" pitchFamily="34" charset="0"/>
+              </a:rPr>
+              <a:t>sudjeluju u borbi za vlast ili održavanju na vlasti</a:t>
+            </a:r>
+          </a:p>
+        </p:txBody>
+      </p:sp>
+      <p:sp>
+        <p:nvSpPr>
+          <p:cNvPr id="14" name="Pravokutnik 13"/>
+          <p:cNvSpPr/>
+          <p:nvPr/>
+        </p:nvSpPr>
+        <p:spPr bwMode="auto">
+          <a:xfrm>
+            <a:off x="2571736" y="785794"/>
+            <a:ext cx="4214842" cy="642942"/>
+          </a:xfrm>
+          <a:prstGeom prst="rect">
+            <a:avLst/>
+          </a:prstGeom>
+          <a:solidFill>
+            <a:srgbClr val="002060"/>
+          </a:solidFill>
+          <a:ln w="38100" cap="flat" cmpd="sng" algn="ctr">
+            <a:solidFill>
+              <a:schemeClr val="tx1"/>
+            </a:solidFill>
+            <a:prstDash val="solid"/>
+            <a:round/>
+            <a:headEnd type="none" w="med" len="med"/>
+            <a:tailEnd type="none" w="med" len="med"/>
+          </a:ln>
+          <a:effectLst>
+            <a:outerShdw blurRad="50800" dist="38100" dir="2700000" algn="tl" rotWithShape="0">
+              <a:prstClr val="black">
+                <a:alpha val="40000"/>
+              </a:prstClr>
+            </a:outerShdw>
+          </a:effectLst>
+        </p:spPr>
+        <p:txBody>
+          <a:bodyPr vert="horz" wrap="square" lIns="91440" tIns="45720" rIns="91440" bIns="45720" numCol="1" rtlCol="0" anchor="ctr" anchorCtr="0" compatLnSpc="1">
+            <a:prstTxWarp prst="textNoShape">
+              <a:avLst/>
+            </a:prstTxWarp>
+          </a:bodyPr>
+          <a:lstStyle/>
+          <a:p>
+            <a:pPr marL="0" marR="0" indent="0" algn="ctr" defTabSz="457200" rtl="0" eaLnBrk="1" fontAlgn="base" latinLnBrk="0" hangingPunct="0">
+              <a:lnSpc>
+                <a:spcPct val="93000"/>
+              </a:lnSpc>
+              <a:spcBef>
+                <a:spcPct val="0"/>
+              </a:spcBef>
+              <a:spcAft>
+                <a:spcPct val="0"/>
+              </a:spcAft>
+              <a:buClr>
+                <a:srgbClr val="000000"/>
+              </a:buClr>
+              <a:buSzPct val="100000"/>
+              <a:buFont typeface="Times New Roman" pitchFamily="16" charset="0"/>
+              <a:buNone/>
+              <a:tabLst/>
+            </a:pPr>
+            <a:r>
+              <a:rPr kumimoji="0" lang="hr-HR" sz="2800" b="1" i="0" u="none" strike="noStrike" cap="none" normalizeH="0" baseline="0" smtClean="0">
+                <a:ln>
+                  <a:noFill/>
+                </a:ln>
+                <a:latin typeface="Calibri" pitchFamily="34" charset="0"/>
+                <a:cs typeface="Calibri" pitchFamily="34" charset="0"/>
+              </a:rPr>
+              <a:t>POLITIČKE STRANKE</a:t>
+            </a:r>
+            <a:endParaRPr kumimoji="0" lang="hr-HR" sz="2800" b="1" i="0" u="none" strike="noStrike" cap="none" normalizeH="0" baseline="0" dirty="0" smtClean="0">
+              <a:ln>
+                <a:noFill/>
+              </a:ln>
+              <a:latin typeface="Calibri" pitchFamily="34" charset="0"/>
+              <a:cs typeface="Calibri" pitchFamily="34" charset="0"/>
+            </a:endParaRPr>
+          </a:p>
+        </p:txBody>
+      </p:sp>
+      <p:sp>
+        <p:nvSpPr>
+          <p:cNvPr id="27" name="Pravokutnik 16"/>
+          <p:cNvSpPr/>
+          <p:nvPr/>
+        </p:nvSpPr>
+        <p:spPr bwMode="auto">
+          <a:xfrm>
+            <a:off x="785786" y="4929198"/>
+            <a:ext cx="7715304" cy="1214446"/>
+          </a:xfrm>
+          <a:prstGeom prst="rect">
+            <a:avLst/>
+          </a:prstGeom>
+          <a:solidFill>
+            <a:srgbClr val="008000"/>
+          </a:solidFill>
+          <a:ln w="38100" cap="flat" cmpd="sng" algn="ctr">
+            <a:solidFill>
+              <a:schemeClr val="tx1"/>
+            </a:solidFill>
+            <a:prstDash val="solid"/>
+            <a:round/>
+            <a:headEnd type="none" w="med" len="med"/>
+            <a:tailEnd type="none" w="med" len="med"/>
+          </a:ln>
+          <a:effectLst>
+            <a:outerShdw blurRad="50800" dist="38100" dir="2700000" algn="tl" rotWithShape="0">
+              <a:prstClr val="black">
+                <a:alpha val="40000"/>
+              </a:prstClr>
+            </a:outerShdw>
+          </a:effectLst>
+        </p:spPr>
+        <p:txBody>
+          <a:bodyPr vert="horz" wrap="square" lIns="324000" tIns="45720" rIns="91440" bIns="45720" numCol="1" rtlCol="0" anchor="ctr" anchorCtr="0" compatLnSpc="1">
+            <a:prstTxWarp prst="textNoShape">
+              <a:avLst/>
+            </a:prstTxWarp>
+          </a:bodyPr>
+          <a:lstStyle/>
+          <a:p>
+            <a:pPr marL="288000" indent="-288000" algn="ctr">
+              <a:lnSpc>
+                <a:spcPct val="100000"/>
+              </a:lnSpc>
+              <a:spcBef>
+                <a:spcPts val="2400"/>
+              </a:spcBef>
+              <a:buClr>
+                <a:schemeClr val="tx1"/>
+              </a:buClr>
+              <a:tabLst>
+                <a:tab pos="723900" algn="l"/>
+                <a:tab pos="1447800" algn="l"/>
+                <a:tab pos="2171700" algn="l"/>
+                <a:tab pos="2895600" algn="l"/>
+                <a:tab pos="3619500" algn="l"/>
+                <a:tab pos="4343400" algn="l"/>
+                <a:tab pos="5067300" algn="l"/>
+                <a:tab pos="5791200" algn="l"/>
+                <a:tab pos="6515100" algn="l"/>
+                <a:tab pos="7239000" algn="l"/>
+                <a:tab pos="7962900" algn="l"/>
+                <a:tab pos="8686800" algn="l"/>
+              </a:tabLst>
+            </a:pPr>
+            <a:r>
+              <a:rPr lang="hr-HR" sz="2800" b="1" dirty="0" smtClean="0">
+                <a:solidFill>
+                  <a:srgbClr val="FFC000"/>
+                </a:solidFill>
+                <a:effectLst>
+                  <a:outerShdw blurRad="38100" dist="38100" dir="2700000" algn="tl">
+                    <a:srgbClr val="000000">
+                      <a:alpha val="43137"/>
+                    </a:srgbClr>
+                  </a:outerShdw>
+                </a:effectLst>
+                <a:latin typeface="Calibri" pitchFamily="34" charset="0"/>
+                <a:cs typeface="Calibri" pitchFamily="34" charset="0"/>
+              </a:rPr>
+              <a:t>POLITIČKE STRANKE </a:t>
+            </a:r>
+            <a:r>
+              <a:rPr lang="hr-HR" sz="2800" dirty="0" smtClean="0">
+                <a:latin typeface="Calibri" pitchFamily="34" charset="0"/>
+                <a:cs typeface="Calibri" pitchFamily="34" charset="0"/>
+              </a:rPr>
+              <a:t>su subjekti koji </a:t>
+            </a:r>
+            <a:r>
+              <a:rPr lang="hr-HR" sz="2800" u="sng" dirty="0" smtClean="0">
+                <a:latin typeface="Calibri" pitchFamily="34" charset="0"/>
+                <a:cs typeface="Calibri" pitchFamily="34" charset="0"/>
+              </a:rPr>
+              <a:t>posreduju između vlasti i građana</a:t>
+            </a:r>
+          </a:p>
+        </p:txBody>
+      </p:sp>
+      <p:cxnSp>
+        <p:nvCxnSpPr>
+          <p:cNvPr id="29" name="Straight Arrow Connector 28"/>
+          <p:cNvCxnSpPr/>
+          <p:nvPr/>
+        </p:nvCxnSpPr>
+        <p:spPr bwMode="auto">
+          <a:xfrm>
+            <a:off x="1857356" y="3965182"/>
+            <a:ext cx="714380" cy="571504"/>
+          </a:xfrm>
+          <a:prstGeom prst="straightConnector1">
+            <a:avLst/>
+          </a:prstGeom>
+          <a:solidFill>
+            <a:srgbClr val="00B8FF"/>
+          </a:solidFill>
+          <a:ln w="76200" cap="flat" cmpd="sng" algn="ctr">
+            <a:solidFill>
+              <a:schemeClr val="tx1"/>
+            </a:solidFill>
+            <a:prstDash val="solid"/>
+            <a:round/>
+            <a:headEnd type="none" w="med" len="med"/>
+            <a:tailEnd type="triangle" w="med" len="med"/>
+          </a:ln>
+          <a:effectLst/>
+        </p:spPr>
+      </p:cxnSp>
+      <p:cxnSp>
+        <p:nvCxnSpPr>
+          <p:cNvPr id="30" name="Straight Arrow Connector 29"/>
+          <p:cNvCxnSpPr/>
+          <p:nvPr/>
+        </p:nvCxnSpPr>
+        <p:spPr bwMode="auto">
+          <a:xfrm flipH="1">
+            <a:off x="6715140" y="3965182"/>
+            <a:ext cx="714380" cy="571504"/>
+          </a:xfrm>
+          <a:prstGeom prst="straightConnector1">
+            <a:avLst/>
+          </a:prstGeom>
+          <a:solidFill>
+            <a:srgbClr val="00B8FF"/>
+          </a:solidFill>
+          <a:ln w="76200" cap="flat" cmpd="sng" algn="ctr">
+            <a:solidFill>
+              <a:schemeClr val="tx1"/>
+            </a:solidFill>
+            <a:prstDash val="solid"/>
+            <a:round/>
+            <a:headEnd type="none" w="med" len="med"/>
+            <a:tailEnd type="triangle" w="med" len="med"/>
+          </a:ln>
+          <a:effectLst/>
+        </p:spPr>
+      </p:cxnSp>
+      <p:cxnSp>
+        <p:nvCxnSpPr>
+          <p:cNvPr id="32" name="Straight Arrow Connector 31"/>
+          <p:cNvCxnSpPr/>
+          <p:nvPr/>
+        </p:nvCxnSpPr>
+        <p:spPr bwMode="auto">
+          <a:xfrm rot="5400000">
+            <a:off x="4357686" y="4250140"/>
+            <a:ext cx="714380" cy="1588"/>
+          </a:xfrm>
+          <a:prstGeom prst="straightConnector1">
+            <a:avLst/>
+          </a:prstGeom>
+          <a:solidFill>
+            <a:srgbClr val="00B8FF"/>
+          </a:solidFill>
+          <a:ln w="76200" cap="flat" cmpd="sng" algn="ctr">
+            <a:solidFill>
+              <a:schemeClr val="tx1"/>
+            </a:solidFill>
+            <a:prstDash val="solid"/>
+            <a:round/>
+            <a:headEnd type="none" w="med" len="med"/>
+            <a:tailEnd type="triangle" w="med" len="med"/>
+          </a:ln>
+          <a:effectLst/>
+        </p:spPr>
+      </p:cxnSp>
+    </p:spTree>
+  </p:cSld>
+  <p:clrMapOvr>
+    <a:masterClrMapping/>
+  </p:clrMapOvr>
+  <mc:AlternateContent xmlns:mc="http://schemas.openxmlformats.org/markup-compatibility/2006">
+    <mc:Choice xmlns:p14="http://schemas.microsoft.com/office/powerpoint/2010/main" Requires="p14">
+      <p:transition p14:dur="250">
+        <p14:reveal/>
+      </p:transition>
+    </mc:Choice>
+    <mc:Fallback>
+      <p:transition>
+        <p:fade/>
+      </p:transition>
+    </mc:Fallback>
+  </mc:AlternateContent>
+  <p:timing>
+    <p:tnLst>
+      <p:par>
+        <p:cTn id="1" dur="indefinite" restart="never" nodeType="tmRoot">
+          <p:childTnLst>
+            <p:seq concurrent="1" nextAc="seek">
+              <p:cTn id="2" dur="indefinite" nodeType="mainSeq">
+                <p:childTnLst>
+                  <p:par>
+                    <p:cTn id="3" fill="hold">
+                      <p:stCondLst>
+                        <p:cond delay="indefinite"/>
+                        <p:cond evt="onBegin" delay="0">
+                          <p:tn val="2"/>
+                        </p:cond>
+                      </p:stCondLst>
+                      <p:childTnLst>
+                        <p:par>
+                          <p:cTn id="4" fill="hold">
+                            <p:stCondLst>
+                              <p:cond delay="0"/>
+                            </p:stCondLst>
+                            <p:childTnLst>
+                              <p:par>
+                                <p:cTn id="5" presetID="10" presetClass="entr" presetSubtype="0" fill="hold" grpId="0" nodeType="afterEffect">
+                                  <p:stCondLst>
+                                    <p:cond delay="0"/>
+                                  </p:stCondLst>
+                                  <p:childTnLst>
+                                    <p:set>
+                                      <p:cBhvr>
+                                        <p:cTn id="6" dur="1" fill="hold">
+                                          <p:stCondLst>
+                                            <p:cond delay="0"/>
+                                          </p:stCondLst>
+                                        </p:cTn>
+                                        <p:tgtEl>
+                                          <p:spTgt spid="14">
+                                            <p:bg/>
+                                          </p:spTgt>
+                                        </p:tgtEl>
+                                        <p:attrNameLst>
+                                          <p:attrName>style.visibility</p:attrName>
+                                        </p:attrNameLst>
+                                      </p:cBhvr>
+                                      <p:to>
+                                        <p:strVal val="visible"/>
+                                      </p:to>
+                                    </p:set>
+                                    <p:animEffect transition="in" filter="fade">
+                                      <p:cBhvr>
+                                        <p:cTn id="7" dur="250"/>
+                                        <p:tgtEl>
+                                          <p:spTgt spid="14">
+                                            <p:bg/>
+                                          </p:spTgt>
+                                        </p:tgtEl>
+                                      </p:cBhvr>
+                                    </p:animEffect>
+                                  </p:childTnLst>
+                                </p:cTn>
+                              </p:par>
+                              <p:par>
+                                <p:cTn id="8" presetID="10" presetClass="entr" presetSubtype="0" fill="hold" grpId="0" nodeType="withEffect">
+                                  <p:stCondLst>
+                                    <p:cond delay="0"/>
+                                  </p:stCondLst>
+                                  <p:childTnLst>
+                                    <p:set>
+                                      <p:cBhvr>
+                                        <p:cTn id="9" dur="1" fill="hold">
+                                          <p:stCondLst>
+                                            <p:cond delay="0"/>
+                                          </p:stCondLst>
+                                        </p:cTn>
+                                        <p:tgtEl>
+                                          <p:spTgt spid="14">
+                                            <p:txEl>
+                                              <p:pRg st="0" end="0"/>
+                                            </p:txEl>
+                                          </p:spTgt>
+                                        </p:tgtEl>
+                                        <p:attrNameLst>
+                                          <p:attrName>style.visibility</p:attrName>
+                                        </p:attrNameLst>
+                                      </p:cBhvr>
+                                      <p:to>
+                                        <p:strVal val="visible"/>
+                                      </p:to>
+                                    </p:set>
+                                    <p:animEffect transition="in" filter="fade">
+                                      <p:cBhvr>
+                                        <p:cTn id="10" dur="250"/>
+                                        <p:tgtEl>
+                                          <p:spTgt spid="14">
+                                            <p:txEl>
+                                              <p:pRg st="0" end="0"/>
+                                            </p:txEl>
+                                          </p:spTgt>
+                                        </p:tgtEl>
+                                      </p:cBhvr>
+                                    </p:animEffect>
+                                  </p:childTnLst>
+                                </p:cTn>
+                              </p:par>
+                            </p:childTnLst>
+                          </p:cTn>
+                        </p:par>
+                        <p:par>
+                          <p:cTn id="11" fill="hold">
+                            <p:stCondLst>
+                              <p:cond delay="250"/>
+                            </p:stCondLst>
+                            <p:childTnLst>
+                              <p:par>
+                                <p:cTn id="12" presetID="22" presetClass="entr" presetSubtype="2" fill="hold" nodeType="afterEffect">
+                                  <p:stCondLst>
+                                    <p:cond delay="0"/>
+                                  </p:stCondLst>
+                                  <p:childTnLst>
+                                    <p:set>
+                                      <p:cBhvr>
+                                        <p:cTn id="13" dur="1" fill="hold">
+                                          <p:stCondLst>
+                                            <p:cond delay="0"/>
+                                          </p:stCondLst>
+                                        </p:cTn>
+                                        <p:tgtEl>
+                                          <p:spTgt spid="20"/>
+                                        </p:tgtEl>
+                                        <p:attrNameLst>
+                                          <p:attrName>style.visibility</p:attrName>
+                                        </p:attrNameLst>
+                                      </p:cBhvr>
+                                      <p:to>
+                                        <p:strVal val="visible"/>
+                                      </p:to>
+                                    </p:set>
+                                    <p:animEffect transition="in" filter="wipe(right)">
+                                      <p:cBhvr>
+                                        <p:cTn id="14" dur="250"/>
+                                        <p:tgtEl>
+                                          <p:spTgt spid="20"/>
+                                        </p:tgtEl>
+                                      </p:cBhvr>
+                                    </p:animEffect>
+                                  </p:childTnLst>
+                                </p:cTn>
+                              </p:par>
+                            </p:childTnLst>
+                          </p:cTn>
+                        </p:par>
+                        <p:par>
+                          <p:cTn id="15" fill="hold">
+                            <p:stCondLst>
+                              <p:cond delay="500"/>
+                            </p:stCondLst>
+                            <p:childTnLst>
+                              <p:par>
+                                <p:cTn id="16" presetID="22" presetClass="entr" presetSubtype="1" fill="hold" grpId="0" nodeType="afterEffect">
+                                  <p:stCondLst>
+                                    <p:cond delay="0"/>
+                                  </p:stCondLst>
+                                  <p:childTnLst>
+                                    <p:set>
+                                      <p:cBhvr>
+                                        <p:cTn id="17" dur="1" fill="hold">
+                                          <p:stCondLst>
+                                            <p:cond delay="0"/>
+                                          </p:stCondLst>
+                                        </p:cTn>
+                                        <p:tgtEl>
+                                          <p:spTgt spid="16">
+                                            <p:bg/>
+                                          </p:spTgt>
+                                        </p:tgtEl>
+                                        <p:attrNameLst>
+                                          <p:attrName>style.visibility</p:attrName>
+                                        </p:attrNameLst>
+                                      </p:cBhvr>
+                                      <p:to>
+                                        <p:strVal val="visible"/>
+                                      </p:to>
+                                    </p:set>
+                                    <p:animEffect transition="in" filter="wipe(up)">
+                                      <p:cBhvr>
+                                        <p:cTn id="18" dur="250"/>
+                                        <p:tgtEl>
+                                          <p:spTgt spid="16">
+                                            <p:bg/>
+                                          </p:spTgt>
+                                        </p:tgtEl>
+                                      </p:cBhvr>
+                                    </p:animEffect>
+                                  </p:childTnLst>
+                                </p:cTn>
+                              </p:par>
+                              <p:par>
+                                <p:cTn id="19" presetID="22" presetClass="entr" presetSubtype="1" fill="hold" grpId="0" nodeType="withEffect">
+                                  <p:stCondLst>
+                                    <p:cond delay="0"/>
+                                  </p:stCondLst>
+                                  <p:childTnLst>
+                                    <p:set>
+                                      <p:cBhvr>
+                                        <p:cTn id="20" dur="1" fill="hold">
+                                          <p:stCondLst>
+                                            <p:cond delay="0"/>
+                                          </p:stCondLst>
+                                        </p:cTn>
+                                        <p:tgtEl>
+                                          <p:spTgt spid="16">
+                                            <p:txEl>
+                                              <p:pRg st="0" end="0"/>
+                                            </p:txEl>
+                                          </p:spTgt>
+                                        </p:tgtEl>
+                                        <p:attrNameLst>
+                                          <p:attrName>style.visibility</p:attrName>
+                                        </p:attrNameLst>
+                                      </p:cBhvr>
+                                      <p:to>
+                                        <p:strVal val="visible"/>
+                                      </p:to>
+                                    </p:set>
+                                    <p:animEffect transition="in" filter="wipe(up)">
+                                      <p:cBhvr>
+                                        <p:cTn id="21" dur="250"/>
+                                        <p:tgtEl>
+                                          <p:spTgt spid="16">
+                                            <p:txEl>
+                                              <p:pRg st="0" end="0"/>
+                                            </p:txEl>
+                                          </p:spTgt>
+                                        </p:tgtEl>
+                                      </p:cBhvr>
+                                    </p:animEffect>
+                                  </p:childTnLst>
+                                </p:cTn>
+                              </p:par>
+                            </p:childTnLst>
+                          </p:cTn>
+                        </p:par>
+                        <p:par>
+                          <p:cTn id="22" fill="hold">
+                            <p:stCondLst>
+                              <p:cond delay="750"/>
+                            </p:stCondLst>
+                            <p:childTnLst>
+                              <p:par>
+                                <p:cTn id="23" presetID="22" presetClass="entr" presetSubtype="1" fill="hold" nodeType="afterEffect">
+                                  <p:stCondLst>
+                                    <p:cond delay="0"/>
+                                  </p:stCondLst>
+                                  <p:childTnLst>
+                                    <p:set>
+                                      <p:cBhvr>
+                                        <p:cTn id="24" dur="1" fill="hold">
+                                          <p:stCondLst>
+                                            <p:cond delay="0"/>
+                                          </p:stCondLst>
+                                        </p:cTn>
+                                        <p:tgtEl>
+                                          <p:spTgt spid="24"/>
+                                        </p:tgtEl>
+                                        <p:attrNameLst>
+                                          <p:attrName>style.visibility</p:attrName>
+                                        </p:attrNameLst>
+                                      </p:cBhvr>
+                                      <p:to>
+                                        <p:strVal val="visible"/>
+                                      </p:to>
+                                    </p:set>
+                                    <p:animEffect transition="in" filter="wipe(up)">
+                                      <p:cBhvr>
+                                        <p:cTn id="25" dur="250"/>
+                                        <p:tgtEl>
+                                          <p:spTgt spid="24"/>
+                                        </p:tgtEl>
+                                      </p:cBhvr>
+                                    </p:animEffect>
+                                  </p:childTnLst>
+                                </p:cTn>
+                              </p:par>
+                            </p:childTnLst>
+                          </p:cTn>
+                        </p:par>
+                        <p:par>
+                          <p:cTn id="26" fill="hold">
+                            <p:stCondLst>
+                              <p:cond delay="1000"/>
+                            </p:stCondLst>
+                            <p:childTnLst>
+                              <p:par>
+                                <p:cTn id="27" presetID="22" presetClass="entr" presetSubtype="1" fill="hold" grpId="0" nodeType="afterEffect">
+                                  <p:stCondLst>
+                                    <p:cond delay="0"/>
+                                  </p:stCondLst>
+                                  <p:childTnLst>
+                                    <p:set>
+                                      <p:cBhvr>
+                                        <p:cTn id="28" dur="1" fill="hold">
+                                          <p:stCondLst>
+                                            <p:cond delay="0"/>
+                                          </p:stCondLst>
+                                        </p:cTn>
+                                        <p:tgtEl>
+                                          <p:spTgt spid="17">
+                                            <p:bg/>
+                                          </p:spTgt>
+                                        </p:tgtEl>
+                                        <p:attrNameLst>
+                                          <p:attrName>style.visibility</p:attrName>
+                                        </p:attrNameLst>
+                                      </p:cBhvr>
+                                      <p:to>
+                                        <p:strVal val="visible"/>
+                                      </p:to>
+                                    </p:set>
+                                    <p:animEffect transition="in" filter="wipe(up)">
+                                      <p:cBhvr>
+                                        <p:cTn id="29" dur="250"/>
+                                        <p:tgtEl>
+                                          <p:spTgt spid="17">
+                                            <p:bg/>
+                                          </p:spTgt>
+                                        </p:tgtEl>
+                                      </p:cBhvr>
+                                    </p:animEffect>
+                                  </p:childTnLst>
+                                </p:cTn>
+                              </p:par>
+                              <p:par>
+                                <p:cTn id="30" presetID="22" presetClass="entr" presetSubtype="1" fill="hold" grpId="0" nodeType="withEffect">
+                                  <p:stCondLst>
+                                    <p:cond delay="0"/>
+                                  </p:stCondLst>
+                                  <p:childTnLst>
+                                    <p:set>
+                                      <p:cBhvr>
+                                        <p:cTn id="31" dur="1" fill="hold">
+                                          <p:stCondLst>
+                                            <p:cond delay="0"/>
+                                          </p:stCondLst>
+                                        </p:cTn>
+                                        <p:tgtEl>
+                                          <p:spTgt spid="17">
+                                            <p:txEl>
+                                              <p:pRg st="0" end="0"/>
+                                            </p:txEl>
+                                          </p:spTgt>
+                                        </p:tgtEl>
+                                        <p:attrNameLst>
+                                          <p:attrName>style.visibility</p:attrName>
+                                        </p:attrNameLst>
+                                      </p:cBhvr>
+                                      <p:to>
+                                        <p:strVal val="visible"/>
+                                      </p:to>
+                                    </p:set>
+                                    <p:animEffect transition="in" filter="wipe(up)">
+                                      <p:cBhvr>
+                                        <p:cTn id="32" dur="250"/>
+                                        <p:tgtEl>
+                                          <p:spTgt spid="17">
+                                            <p:txEl>
+                                              <p:pRg st="0" end="0"/>
+                                            </p:txEl>
+                                          </p:spTgt>
+                                        </p:tgtEl>
+                                      </p:cBhvr>
+                                    </p:animEffect>
+                                  </p:childTnLst>
+                                </p:cTn>
+                              </p:par>
+                            </p:childTnLst>
+                          </p:cTn>
+                        </p:par>
+                        <p:par>
+                          <p:cTn id="33" fill="hold">
+                            <p:stCondLst>
+                              <p:cond delay="1250"/>
+                            </p:stCondLst>
+                            <p:childTnLst>
+                              <p:par>
+                                <p:cTn id="34" presetID="22" presetClass="entr" presetSubtype="8" fill="hold" nodeType="afterEffect">
+                                  <p:stCondLst>
+                                    <p:cond delay="0"/>
+                                  </p:stCondLst>
+                                  <p:childTnLst>
+                                    <p:set>
+                                      <p:cBhvr>
+                                        <p:cTn id="35" dur="1" fill="hold">
+                                          <p:stCondLst>
+                                            <p:cond delay="0"/>
+                                          </p:stCondLst>
+                                        </p:cTn>
+                                        <p:tgtEl>
+                                          <p:spTgt spid="22"/>
+                                        </p:tgtEl>
+                                        <p:attrNameLst>
+                                          <p:attrName>style.visibility</p:attrName>
+                                        </p:attrNameLst>
+                                      </p:cBhvr>
+                                      <p:to>
+                                        <p:strVal val="visible"/>
+                                      </p:to>
+                                    </p:set>
+                                    <p:animEffect transition="in" filter="wipe(left)">
+                                      <p:cBhvr>
+                                        <p:cTn id="36" dur="250"/>
+                                        <p:tgtEl>
+                                          <p:spTgt spid="22"/>
+                                        </p:tgtEl>
+                                      </p:cBhvr>
+                                    </p:animEffect>
+                                  </p:childTnLst>
+                                </p:cTn>
+                              </p:par>
+                            </p:childTnLst>
+                          </p:cTn>
+                        </p:par>
+                        <p:par>
+                          <p:cTn id="37" fill="hold">
+                            <p:stCondLst>
+                              <p:cond delay="1500"/>
+                            </p:stCondLst>
+                            <p:childTnLst>
+                              <p:par>
+                                <p:cTn id="38" presetID="22" presetClass="entr" presetSubtype="1" fill="hold" grpId="0" nodeType="afterEffect">
+                                  <p:stCondLst>
+                                    <p:cond delay="0"/>
+                                  </p:stCondLst>
+                                  <p:childTnLst>
+                                    <p:set>
+                                      <p:cBhvr>
+                                        <p:cTn id="39" dur="1" fill="hold">
+                                          <p:stCondLst>
+                                            <p:cond delay="0"/>
+                                          </p:stCondLst>
+                                        </p:cTn>
+                                        <p:tgtEl>
+                                          <p:spTgt spid="18">
+                                            <p:bg/>
+                                          </p:spTgt>
+                                        </p:tgtEl>
+                                        <p:attrNameLst>
+                                          <p:attrName>style.visibility</p:attrName>
+                                        </p:attrNameLst>
+                                      </p:cBhvr>
+                                      <p:to>
+                                        <p:strVal val="visible"/>
+                                      </p:to>
+                                    </p:set>
+                                    <p:animEffect transition="in" filter="wipe(up)">
+                                      <p:cBhvr>
+                                        <p:cTn id="40" dur="250"/>
+                                        <p:tgtEl>
+                                          <p:spTgt spid="18">
+                                            <p:bg/>
+                                          </p:spTgt>
+                                        </p:tgtEl>
+                                      </p:cBhvr>
+                                    </p:animEffect>
+                                  </p:childTnLst>
+                                </p:cTn>
+                              </p:par>
+                              <p:par>
+                                <p:cTn id="41" presetID="22" presetClass="entr" presetSubtype="1" fill="hold" grpId="0" nodeType="withEffect">
+                                  <p:stCondLst>
+                                    <p:cond delay="0"/>
+                                  </p:stCondLst>
+                                  <p:childTnLst>
+                                    <p:set>
+                                      <p:cBhvr>
+                                        <p:cTn id="42" dur="1" fill="hold">
+                                          <p:stCondLst>
+                                            <p:cond delay="0"/>
+                                          </p:stCondLst>
+                                        </p:cTn>
+                                        <p:tgtEl>
+                                          <p:spTgt spid="18">
+                                            <p:txEl>
+                                              <p:pRg st="0" end="0"/>
+                                            </p:txEl>
+                                          </p:spTgt>
+                                        </p:tgtEl>
+                                        <p:attrNameLst>
+                                          <p:attrName>style.visibility</p:attrName>
+                                        </p:attrNameLst>
+                                      </p:cBhvr>
+                                      <p:to>
+                                        <p:strVal val="visible"/>
+                                      </p:to>
+                                    </p:set>
+                                    <p:animEffect transition="in" filter="wipe(up)">
+                                      <p:cBhvr>
+                                        <p:cTn id="43" dur="250"/>
+                                        <p:tgtEl>
+                                          <p:spTgt spid="18">
+                                            <p:txEl>
+                                              <p:pRg st="0" end="0"/>
+                                            </p:txEl>
+                                          </p:spTgt>
+                                        </p:tgtEl>
+                                      </p:cBhvr>
+                                    </p:animEffect>
+                                  </p:childTnLst>
+                                </p:cTn>
+                              </p:par>
+                            </p:childTnLst>
+                          </p:cTn>
+                        </p:par>
+                      </p:childTnLst>
+                    </p:cTn>
+                  </p:par>
+                  <p:par>
+                    <p:cTn id="44" fill="hold">
+                      <p:stCondLst>
+                        <p:cond delay="indefinite"/>
+                      </p:stCondLst>
+                      <p:childTnLst>
+                        <p:par>
+                          <p:cTn id="45" fill="hold">
+                            <p:stCondLst>
+                              <p:cond delay="0"/>
+                            </p:stCondLst>
+                            <p:childTnLst>
+                              <p:par>
+                                <p:cTn id="46" presetID="22" presetClass="entr" presetSubtype="1" fill="hold" nodeType="clickEffect">
+                                  <p:stCondLst>
+                                    <p:cond delay="0"/>
+                                  </p:stCondLst>
+                                  <p:childTnLst>
+                                    <p:set>
+                                      <p:cBhvr>
+                                        <p:cTn id="47" dur="1" fill="hold">
+                                          <p:stCondLst>
+                                            <p:cond delay="0"/>
+                                          </p:stCondLst>
+                                        </p:cTn>
+                                        <p:tgtEl>
+                                          <p:spTgt spid="29"/>
+                                        </p:tgtEl>
+                                        <p:attrNameLst>
+                                          <p:attrName>style.visibility</p:attrName>
+                                        </p:attrNameLst>
+                                      </p:cBhvr>
+                                      <p:to>
+                                        <p:strVal val="visible"/>
+                                      </p:to>
+                                    </p:set>
+                                    <p:animEffect transition="in" filter="wipe(up)">
+                                      <p:cBhvr>
+                                        <p:cTn id="48" dur="250"/>
+                                        <p:tgtEl>
+                                          <p:spTgt spid="29"/>
+                                        </p:tgtEl>
+                                      </p:cBhvr>
+                                    </p:animEffect>
+                                  </p:childTnLst>
+                                </p:cTn>
+                              </p:par>
+                              <p:par>
+                                <p:cTn id="49" presetID="22" presetClass="entr" presetSubtype="1" fill="hold" nodeType="withEffect">
+                                  <p:stCondLst>
+                                    <p:cond delay="0"/>
+                                  </p:stCondLst>
+                                  <p:childTnLst>
+                                    <p:set>
+                                      <p:cBhvr>
+                                        <p:cTn id="50" dur="1" fill="hold">
+                                          <p:stCondLst>
+                                            <p:cond delay="0"/>
+                                          </p:stCondLst>
+                                        </p:cTn>
+                                        <p:tgtEl>
+                                          <p:spTgt spid="32"/>
+                                        </p:tgtEl>
+                                        <p:attrNameLst>
+                                          <p:attrName>style.visibility</p:attrName>
+                                        </p:attrNameLst>
+                                      </p:cBhvr>
+                                      <p:to>
+                                        <p:strVal val="visible"/>
+                                      </p:to>
+                                    </p:set>
+                                    <p:animEffect transition="in" filter="wipe(up)">
+                                      <p:cBhvr>
+                                        <p:cTn id="51" dur="250"/>
+                                        <p:tgtEl>
+                                          <p:spTgt spid="32"/>
+                                        </p:tgtEl>
+                                      </p:cBhvr>
+                                    </p:animEffect>
+                                  </p:childTnLst>
+                                </p:cTn>
+                              </p:par>
+                              <p:par>
+                                <p:cTn id="52" presetID="22" presetClass="entr" presetSubtype="1" fill="hold" nodeType="withEffect">
+                                  <p:stCondLst>
+                                    <p:cond delay="0"/>
+                                  </p:stCondLst>
+                                  <p:childTnLst>
+                                    <p:set>
+                                      <p:cBhvr>
+                                        <p:cTn id="53" dur="1" fill="hold">
+                                          <p:stCondLst>
+                                            <p:cond delay="0"/>
+                                          </p:stCondLst>
+                                        </p:cTn>
+                                        <p:tgtEl>
+                                          <p:spTgt spid="30"/>
+                                        </p:tgtEl>
+                                        <p:attrNameLst>
+                                          <p:attrName>style.visibility</p:attrName>
+                                        </p:attrNameLst>
+                                      </p:cBhvr>
+                                      <p:to>
+                                        <p:strVal val="visible"/>
+                                      </p:to>
+                                    </p:set>
+                                    <p:animEffect transition="in" filter="wipe(up)">
+                                      <p:cBhvr>
+                                        <p:cTn id="54" dur="250"/>
+                                        <p:tgtEl>
+                                          <p:spTgt spid="30"/>
+                                        </p:tgtEl>
+                                      </p:cBhvr>
+                                    </p:animEffect>
+                                  </p:childTnLst>
+                                </p:cTn>
+                              </p:par>
+                            </p:childTnLst>
+                          </p:cTn>
+                        </p:par>
+                        <p:par>
+                          <p:cTn id="55" fill="hold">
+                            <p:stCondLst>
+                              <p:cond delay="250"/>
+                            </p:stCondLst>
+                            <p:childTnLst>
+                              <p:par>
+                                <p:cTn id="56" presetID="22" presetClass="entr" presetSubtype="1" fill="hold" grpId="0" nodeType="afterEffect">
+                                  <p:stCondLst>
+                                    <p:cond delay="0"/>
+                                  </p:stCondLst>
+                                  <p:childTnLst>
+                                    <p:set>
+                                      <p:cBhvr>
+                                        <p:cTn id="57" dur="1" fill="hold">
+                                          <p:stCondLst>
+                                            <p:cond delay="0"/>
+                                          </p:stCondLst>
+                                        </p:cTn>
+                                        <p:tgtEl>
+                                          <p:spTgt spid="27">
+                                            <p:bg/>
+                                          </p:spTgt>
+                                        </p:tgtEl>
+                                        <p:attrNameLst>
+                                          <p:attrName>style.visibility</p:attrName>
+                                        </p:attrNameLst>
+                                      </p:cBhvr>
+                                      <p:to>
+                                        <p:strVal val="visible"/>
+                                      </p:to>
+                                    </p:set>
+                                    <p:animEffect transition="in" filter="wipe(up)">
+                                      <p:cBhvr>
+                                        <p:cTn id="58" dur="250"/>
+                                        <p:tgtEl>
+                                          <p:spTgt spid="27">
+                                            <p:bg/>
+                                          </p:spTgt>
+                                        </p:tgtEl>
+                                      </p:cBhvr>
+                                    </p:animEffect>
+                                  </p:childTnLst>
+                                </p:cTn>
+                              </p:par>
+                              <p:par>
+                                <p:cTn id="59" presetID="22" presetClass="entr" presetSubtype="1" fill="hold" grpId="0" nodeType="withEffect">
+                                  <p:stCondLst>
+                                    <p:cond delay="0"/>
+                                  </p:stCondLst>
+                                  <p:childTnLst>
+                                    <p:set>
+                                      <p:cBhvr>
+                                        <p:cTn id="60" dur="1" fill="hold">
+                                          <p:stCondLst>
+                                            <p:cond delay="0"/>
+                                          </p:stCondLst>
+                                        </p:cTn>
+                                        <p:tgtEl>
+                                          <p:spTgt spid="27">
+                                            <p:txEl>
+                                              <p:pRg st="0" end="0"/>
+                                            </p:txEl>
+                                          </p:spTgt>
+                                        </p:tgtEl>
+                                        <p:attrNameLst>
+                                          <p:attrName>style.visibility</p:attrName>
+                                        </p:attrNameLst>
+                                      </p:cBhvr>
+                                      <p:to>
+                                        <p:strVal val="visible"/>
+                                      </p:to>
+                                    </p:set>
+                                    <p:animEffect transition="in" filter="wipe(up)">
+                                      <p:cBhvr>
+                                        <p:cTn id="61" dur="250"/>
+                                        <p:tgtEl>
+                                          <p:spTgt spid="27">
+                                            <p:txEl>
+                                              <p:pRg st="0" end="0"/>
+                                            </p:txEl>
+                                          </p:spTgt>
+                                        </p:tgtEl>
+                                      </p:cBhvr>
+                                    </p:animEffect>
+                                  </p:childTnLst>
+                                </p:cTn>
+                              </p:par>
+                            </p:childTnLst>
+                          </p:cTn>
+                        </p:par>
+                      </p:childTnLst>
+                    </p:cTn>
+                  </p:par>
+                </p:childTnLst>
+              </p:cTn>
+              <p:prevCondLst>
+                <p:cond evt="onPrev" delay="0">
+                  <p:tgtEl>
+                    <p:sldTgt/>
+                  </p:tgtEl>
+                </p:cond>
+              </p:prevCondLst>
+              <p:nextCondLst>
+                <p:cond evt="onNext" delay="0">
+                  <p:tgtEl>
+                    <p:sldTgt/>
+                  </p:tgtEl>
+                </p:cond>
+              </p:nextCondLst>
+            </p:seq>
+          </p:childTnLst>
+        </p:cTn>
+      </p:par>
+    </p:tnLst>
+    <p:bldLst>
+      <p:bldP spid="16" grpId="0" build="allAtOnce" animBg="1"/>
+      <p:bldP spid="17" grpId="0" build="allAtOnce" animBg="1"/>
+      <p:bldP spid="18" grpId="0" build="allAtOnce" animBg="1"/>
+      <p:bldP spid="14" grpId="0" build="allAtOnce" animBg="1"/>
+      <p:bldP spid="27" grpId="0" build="allAtOnce" animBg="1"/>
+    </p:bldLst>
+  </p:timing>
+</p:sld>
+</file>
+
+<file path=ppt/slides/slide4.xml><?xml version="1.0" encoding="utf-8"?>
 <p:sld xmlns:a="http://schemas.openxmlformats.org/drawingml/2006/main" xmlns:r="http://schemas.openxmlformats.org/officeDocument/2006/relationships" xmlns:p="http://schemas.openxmlformats.org/presentationml/2006/main">
   <p:cSld>
     <p:spTree>
@@ -33790,7 +38358,7 @@
   </p:clrMapOvr>
   <mc:AlternateContent xmlns:mc="http://schemas.openxmlformats.org/markup-compatibility/2006" xmlns:p14="http://schemas.microsoft.com/office/powerpoint/2010/main">
     <mc:Choice Requires="p14">
-      <p:transition>
+      <p:transition p14:dur="250">
         <p14:reveal/>
       </p:transition>
     </mc:Choice>
@@ -34484,7 +39052,7 @@
 </p:sld>
 </file>
 
-<file path=ppt/slides/slide4.xml><?xml version="1.0" encoding="utf-8"?>
+<file path=ppt/slides/slide5.xml><?xml version="1.0" encoding="utf-8"?>
 <p:sld xmlns:a="http://schemas.openxmlformats.org/drawingml/2006/main" xmlns:r="http://schemas.openxmlformats.org/officeDocument/2006/relationships" xmlns:p="http://schemas.openxmlformats.org/presentationml/2006/main">
   <p:cSld>
     <p:spTree>
@@ -34990,7 +39558,7 @@
   </p:clrMapOvr>
   <mc:AlternateContent xmlns:mc="http://schemas.openxmlformats.org/markup-compatibility/2006" xmlns:p14="http://schemas.microsoft.com/office/powerpoint/2010/main">
     <mc:Choice Requires="p14">
-      <p:transition>
+      <p:transition p14:dur="250">
         <p14:reveal/>
       </p:transition>
     </mc:Choice>
@@ -35369,7 +39937,7 @@
 </p:sld>
 </file>
 
-<file path=ppt/slides/slide5.xml><?xml version="1.0" encoding="utf-8"?>
+<file path=ppt/slides/slide6.xml><?xml version="1.0" encoding="utf-8"?>
 <p:sld xmlns:a="http://schemas.openxmlformats.org/drawingml/2006/main" xmlns:r="http://schemas.openxmlformats.org/officeDocument/2006/relationships" xmlns:p="http://schemas.openxmlformats.org/presentationml/2006/main">
   <p:cSld>
     <p:spTree>
@@ -36172,7 +40740,7 @@
   </p:clrMapOvr>
   <mc:AlternateContent xmlns:mc="http://schemas.openxmlformats.org/markup-compatibility/2006" xmlns:p14="http://schemas.microsoft.com/office/powerpoint/2010/main">
     <mc:Choice Requires="p14">
-      <p:transition>
+      <p:transition p14:dur="250">
         <p14:reveal/>
       </p:transition>
     </mc:Choice>
@@ -36752,7 +41320,7 @@
 </p:sld>
 </file>
 
-<file path=ppt/slides/slide6.xml><?xml version="1.0" encoding="utf-8"?>
+<file path=ppt/slides/slide7.xml><?xml version="1.0" encoding="utf-8"?>
 <p:sld xmlns:a="http://schemas.openxmlformats.org/drawingml/2006/main" xmlns:r="http://schemas.openxmlformats.org/officeDocument/2006/relationships" xmlns:p="http://schemas.openxmlformats.org/presentationml/2006/main">
   <p:cSld>
     <p:spTree>
@@ -37792,7 +42360,7 @@
   </p:clrMapOvr>
   <mc:AlternateContent xmlns:mc="http://schemas.openxmlformats.org/markup-compatibility/2006" xmlns:p14="http://schemas.microsoft.com/office/powerpoint/2010/main">
     <mc:Choice Requires="p14">
-      <p:transition>
+      <p:transition p14:dur="250">
         <p14:reveal/>
       </p:transition>
     </mc:Choice>
@@ -38849,1347 +43417,6 @@
       <p:bldP spid="14" grpId="0" build="allAtOnce" animBg="1"/>
       <p:bldP spid="2" grpId="0" animBg="1"/>
       <p:bldP spid="15" grpId="0" animBg="1"/>
-    </p:bldLst>
-  </p:timing>
-</p:sld>
-</file>
-
-<file path=ppt/slides/slide7.xml><?xml version="1.0" encoding="utf-8"?>
-<p:sld xmlns:a="http://schemas.openxmlformats.org/drawingml/2006/main" xmlns:r="http://schemas.openxmlformats.org/officeDocument/2006/relationships" xmlns:p="http://schemas.openxmlformats.org/presentationml/2006/main" show="0">
-  <p:cSld>
-    <p:spTree>
-      <p:nvGrpSpPr>
-        <p:cNvPr id="1" name=""/>
-        <p:cNvGrpSpPr/>
-        <p:nvPr/>
-      </p:nvGrpSpPr>
-      <p:grpSpPr>
-        <a:xfrm>
-          <a:off x="0" y="0"/>
-          <a:ext cx="0" cy="0"/>
-          <a:chOff x="0" y="0"/>
-          <a:chExt cx="0" cy="0"/>
-        </a:xfrm>
-      </p:grpSpPr>
-      <p:cxnSp>
-        <p:nvCxnSpPr>
-          <p:cNvPr id="20" name="Kutni poveznik 19"/>
-          <p:cNvCxnSpPr>
-            <a:stCxn id="14" idx="2"/>
-            <a:endCxn id="16" idx="0"/>
-          </p:cNvCxnSpPr>
-          <p:nvPr/>
-        </p:nvCxnSpPr>
-        <p:spPr bwMode="auto">
-          <a:xfrm rot="5400000">
-            <a:off x="2911067" y="303588"/>
-            <a:ext cx="642942" cy="2893239"/>
-          </a:xfrm>
-          <a:prstGeom prst="bentConnector3">
-            <a:avLst>
-              <a:gd name="adj1" fmla="val 50000"/>
-            </a:avLst>
-          </a:prstGeom>
-          <a:solidFill>
-            <a:srgbClr val="00B8FF"/>
-          </a:solidFill>
-          <a:ln w="38100" cap="flat" cmpd="sng" algn="ctr">
-            <a:solidFill>
-              <a:schemeClr val="tx1"/>
-            </a:solidFill>
-            <a:prstDash val="solid"/>
-            <a:round/>
-            <a:headEnd type="none" w="med" len="med"/>
-            <a:tailEnd type="none" w="med" len="med"/>
-          </a:ln>
-          <a:effectLst>
-            <a:outerShdw blurRad="50800" dist="38100" dir="2700000" algn="tl" rotWithShape="0">
-              <a:prstClr val="black">
-                <a:alpha val="40000"/>
-              </a:prstClr>
-            </a:outerShdw>
-          </a:effectLst>
-        </p:spPr>
-      </p:cxnSp>
-      <p:cxnSp>
-        <p:nvCxnSpPr>
-          <p:cNvPr id="22" name="Kutni poveznik 21"/>
-          <p:cNvCxnSpPr>
-            <a:stCxn id="14" idx="2"/>
-            <a:endCxn id="18" idx="0"/>
-          </p:cNvCxnSpPr>
-          <p:nvPr/>
-        </p:nvCxnSpPr>
-        <p:spPr bwMode="auto">
-          <a:xfrm rot="16200000" flipH="1">
-            <a:off x="5768586" y="339306"/>
-            <a:ext cx="642942" cy="2821801"/>
-          </a:xfrm>
-          <a:prstGeom prst="bentConnector3">
-            <a:avLst>
-              <a:gd name="adj1" fmla="val 50000"/>
-            </a:avLst>
-          </a:prstGeom>
-          <a:solidFill>
-            <a:srgbClr val="00B8FF"/>
-          </a:solidFill>
-          <a:ln w="38100" cap="flat" cmpd="sng" algn="ctr">
-            <a:solidFill>
-              <a:schemeClr val="tx1"/>
-            </a:solidFill>
-            <a:prstDash val="solid"/>
-            <a:round/>
-            <a:headEnd type="none" w="med" len="med"/>
-            <a:tailEnd type="none" w="med" len="med"/>
-          </a:ln>
-          <a:effectLst>
-            <a:outerShdw blurRad="50800" dist="38100" dir="2700000" algn="tl" rotWithShape="0">
-              <a:prstClr val="black">
-                <a:alpha val="40000"/>
-              </a:prstClr>
-            </a:outerShdw>
-          </a:effectLst>
-        </p:spPr>
-      </p:cxnSp>
-      <p:cxnSp>
-        <p:nvCxnSpPr>
-          <p:cNvPr id="24" name="Ravni poveznik 23"/>
-          <p:cNvCxnSpPr>
-            <a:stCxn id="14" idx="2"/>
-            <a:endCxn id="17" idx="0"/>
-          </p:cNvCxnSpPr>
-          <p:nvPr/>
-        </p:nvCxnSpPr>
-        <p:spPr bwMode="auto">
-          <a:xfrm rot="5400000">
-            <a:off x="4357686" y="1750207"/>
-            <a:ext cx="642942" cy="1588"/>
-          </a:xfrm>
-          <a:prstGeom prst="line">
-            <a:avLst/>
-          </a:prstGeom>
-          <a:solidFill>
-            <a:srgbClr val="00B8FF"/>
-          </a:solidFill>
-          <a:ln w="38100" cap="flat" cmpd="sng" algn="ctr">
-            <a:solidFill>
-              <a:schemeClr val="tx1"/>
-            </a:solidFill>
-            <a:prstDash val="solid"/>
-            <a:round/>
-            <a:headEnd type="none" w="med" len="med"/>
-            <a:tailEnd type="none" w="med" len="med"/>
-          </a:ln>
-          <a:effectLst>
-            <a:outerShdw blurRad="50800" dist="38100" dir="2700000" algn="tl" rotWithShape="0">
-              <a:prstClr val="black">
-                <a:alpha val="40000"/>
-              </a:prstClr>
-            </a:outerShdw>
-          </a:effectLst>
-        </p:spPr>
-      </p:cxnSp>
-      <p:sp>
-        <p:nvSpPr>
-          <p:cNvPr id="16" name="Pravokutnik 15"/>
-          <p:cNvSpPr/>
-          <p:nvPr/>
-        </p:nvSpPr>
-        <p:spPr bwMode="auto">
-          <a:xfrm>
-            <a:off x="571472" y="2071678"/>
-            <a:ext cx="2428892" cy="1571636"/>
-          </a:xfrm>
-          <a:prstGeom prst="rect">
-            <a:avLst/>
-          </a:prstGeom>
-          <a:solidFill>
-            <a:srgbClr val="C00000"/>
-          </a:solidFill>
-          <a:ln w="38100" cap="flat" cmpd="sng" algn="ctr">
-            <a:solidFill>
-              <a:schemeClr val="tx1"/>
-            </a:solidFill>
-            <a:prstDash val="solid"/>
-            <a:round/>
-            <a:headEnd type="none" w="med" len="med"/>
-            <a:tailEnd type="none" w="med" len="med"/>
-          </a:ln>
-          <a:effectLst>
-            <a:outerShdw blurRad="50800" dist="38100" dir="2700000" algn="tl" rotWithShape="0">
-              <a:prstClr val="black">
-                <a:alpha val="40000"/>
-              </a:prstClr>
-            </a:outerShdw>
-          </a:effectLst>
-        </p:spPr>
-        <p:txBody>
-          <a:bodyPr vert="horz" wrap="square" lIns="91440" tIns="45720" rIns="91440" bIns="45720" numCol="1" rtlCol="0" anchor="ctr" anchorCtr="0" compatLnSpc="1">
-            <a:prstTxWarp prst="textNoShape">
-              <a:avLst/>
-            </a:prstTxWarp>
-          </a:bodyPr>
-          <a:lstStyle/>
-          <a:p>
-            <a:pPr algn="ctr"/>
-            <a:r>
-              <a:rPr lang="vi-VN" sz="2400" dirty="0" smtClean="0">
-                <a:latin typeface="Calibri" pitchFamily="34" charset="0"/>
-                <a:cs typeface="Calibri" pitchFamily="34" charset="0"/>
-              </a:rPr>
-              <a:t>političke organizacije građana</a:t>
-            </a:r>
-          </a:p>
-        </p:txBody>
-      </p:sp>
-      <p:sp>
-        <p:nvSpPr>
-          <p:cNvPr id="17" name="Pravokutnik 16"/>
-          <p:cNvSpPr/>
-          <p:nvPr/>
-        </p:nvSpPr>
-        <p:spPr bwMode="auto">
-          <a:xfrm>
-            <a:off x="3464711" y="2071678"/>
-            <a:ext cx="2428892" cy="1571636"/>
-          </a:xfrm>
-          <a:prstGeom prst="rect">
-            <a:avLst/>
-          </a:prstGeom>
-          <a:solidFill>
-            <a:srgbClr val="C00000"/>
-          </a:solidFill>
-          <a:ln w="38100" cap="flat" cmpd="sng" algn="ctr">
-            <a:solidFill>
-              <a:schemeClr val="tx1"/>
-            </a:solidFill>
-            <a:prstDash val="solid"/>
-            <a:round/>
-            <a:headEnd type="none" w="med" len="med"/>
-            <a:tailEnd type="none" w="med" len="med"/>
-          </a:ln>
-          <a:effectLst>
-            <a:outerShdw blurRad="50800" dist="38100" dir="2700000" algn="tl" rotWithShape="0">
-              <a:prstClr val="black">
-                <a:alpha val="40000"/>
-              </a:prstClr>
-            </a:outerShdw>
-          </a:effectLst>
-        </p:spPr>
-        <p:txBody>
-          <a:bodyPr vert="horz" wrap="square" lIns="91440" tIns="45720" rIns="91440" bIns="45720" numCol="1" rtlCol="0" anchor="ctr" anchorCtr="0" compatLnSpc="1">
-            <a:prstTxWarp prst="textNoShape">
-              <a:avLst/>
-            </a:prstTxWarp>
-          </a:bodyPr>
-          <a:lstStyle/>
-          <a:p>
-            <a:pPr algn="ctr"/>
-            <a:r>
-              <a:rPr lang="hr-HR" sz="2400" dirty="0" smtClean="0">
-                <a:latin typeface="Calibri" pitchFamily="34" charset="0"/>
-                <a:cs typeface="Calibri" pitchFamily="34" charset="0"/>
-              </a:rPr>
-              <a:t>utemeljene radi oblikovanja pojedinačnih interesa</a:t>
-            </a:r>
-          </a:p>
-        </p:txBody>
-      </p:sp>
-      <p:sp>
-        <p:nvSpPr>
-          <p:cNvPr id="18" name="Pravokutnik 17"/>
-          <p:cNvSpPr/>
-          <p:nvPr/>
-        </p:nvSpPr>
-        <p:spPr bwMode="auto">
-          <a:xfrm>
-            <a:off x="6286512" y="2071678"/>
-            <a:ext cx="2428892" cy="1571636"/>
-          </a:xfrm>
-          <a:prstGeom prst="rect">
-            <a:avLst/>
-          </a:prstGeom>
-          <a:solidFill>
-            <a:srgbClr val="C00000"/>
-          </a:solidFill>
-          <a:ln w="38100" cap="flat" cmpd="sng" algn="ctr">
-            <a:solidFill>
-              <a:schemeClr val="tx1"/>
-            </a:solidFill>
-            <a:prstDash val="solid"/>
-            <a:round/>
-            <a:headEnd type="none" w="med" len="med"/>
-            <a:tailEnd type="none" w="med" len="med"/>
-          </a:ln>
-          <a:effectLst>
-            <a:outerShdw blurRad="50800" dist="38100" dir="2700000" algn="tl" rotWithShape="0">
-              <a:prstClr val="black">
-                <a:alpha val="40000"/>
-              </a:prstClr>
-            </a:outerShdw>
-          </a:effectLst>
-        </p:spPr>
-        <p:txBody>
-          <a:bodyPr vert="horz" wrap="square" lIns="91440" tIns="45720" rIns="91440" bIns="45720" numCol="1" rtlCol="0" anchor="ctr" anchorCtr="0" compatLnSpc="1">
-            <a:prstTxWarp prst="textNoShape">
-              <a:avLst/>
-            </a:prstTxWarp>
-          </a:bodyPr>
-          <a:lstStyle/>
-          <a:p>
-            <a:pPr algn="ctr"/>
-            <a:r>
-              <a:rPr lang="pl-PL" sz="2400" smtClean="0">
-                <a:latin typeface="Calibri" pitchFamily="34" charset="0"/>
-                <a:cs typeface="Calibri" pitchFamily="34" charset="0"/>
-              </a:rPr>
-              <a:t>sudjeluju u borbi za vlast ili održavanju na vlasti</a:t>
-            </a:r>
-          </a:p>
-        </p:txBody>
-      </p:sp>
-      <p:sp>
-        <p:nvSpPr>
-          <p:cNvPr id="14" name="Pravokutnik 13"/>
-          <p:cNvSpPr/>
-          <p:nvPr/>
-        </p:nvSpPr>
-        <p:spPr bwMode="auto">
-          <a:xfrm>
-            <a:off x="2571736" y="785794"/>
-            <a:ext cx="4214842" cy="642942"/>
-          </a:xfrm>
-          <a:prstGeom prst="rect">
-            <a:avLst/>
-          </a:prstGeom>
-          <a:solidFill>
-            <a:srgbClr val="002060"/>
-          </a:solidFill>
-          <a:ln w="38100" cap="flat" cmpd="sng" algn="ctr">
-            <a:solidFill>
-              <a:schemeClr val="tx1"/>
-            </a:solidFill>
-            <a:prstDash val="solid"/>
-            <a:round/>
-            <a:headEnd type="none" w="med" len="med"/>
-            <a:tailEnd type="none" w="med" len="med"/>
-          </a:ln>
-          <a:effectLst>
-            <a:outerShdw blurRad="50800" dist="38100" dir="2700000" algn="tl" rotWithShape="0">
-              <a:prstClr val="black">
-                <a:alpha val="40000"/>
-              </a:prstClr>
-            </a:outerShdw>
-          </a:effectLst>
-        </p:spPr>
-        <p:txBody>
-          <a:bodyPr vert="horz" wrap="square" lIns="91440" tIns="45720" rIns="91440" bIns="45720" numCol="1" rtlCol="0" anchor="ctr" anchorCtr="0" compatLnSpc="1">
-            <a:prstTxWarp prst="textNoShape">
-              <a:avLst/>
-            </a:prstTxWarp>
-          </a:bodyPr>
-          <a:lstStyle/>
-          <a:p>
-            <a:pPr marL="0" marR="0" indent="0" algn="ctr" defTabSz="457200" rtl="0" eaLnBrk="1" fontAlgn="base" latinLnBrk="0" hangingPunct="0">
-              <a:lnSpc>
-                <a:spcPct val="93000"/>
-              </a:lnSpc>
-              <a:spcBef>
-                <a:spcPct val="0"/>
-              </a:spcBef>
-              <a:spcAft>
-                <a:spcPct val="0"/>
-              </a:spcAft>
-              <a:buClr>
-                <a:srgbClr val="000000"/>
-              </a:buClr>
-              <a:buSzPct val="100000"/>
-              <a:buFont typeface="Times New Roman" pitchFamily="16" charset="0"/>
-              <a:buNone/>
-              <a:tabLst/>
-            </a:pPr>
-            <a:r>
-              <a:rPr kumimoji="0" lang="hr-HR" sz="2800" b="1" i="0" u="none" strike="noStrike" cap="none" normalizeH="0" baseline="0" smtClean="0">
-                <a:ln>
-                  <a:noFill/>
-                </a:ln>
-                <a:latin typeface="Calibri" pitchFamily="34" charset="0"/>
-                <a:cs typeface="Calibri" pitchFamily="34" charset="0"/>
-              </a:rPr>
-              <a:t>POLITIČKE STRANKE</a:t>
-            </a:r>
-            <a:endParaRPr kumimoji="0" lang="hr-HR" sz="2800" b="1" i="0" u="none" strike="noStrike" cap="none" normalizeH="0" baseline="0" dirty="0" smtClean="0">
-              <a:ln>
-                <a:noFill/>
-              </a:ln>
-              <a:latin typeface="Calibri" pitchFamily="34" charset="0"/>
-              <a:cs typeface="Calibri" pitchFamily="34" charset="0"/>
-            </a:endParaRPr>
-          </a:p>
-        </p:txBody>
-      </p:sp>
-      <p:sp>
-        <p:nvSpPr>
-          <p:cNvPr id="27" name="Pravokutnik 16"/>
-          <p:cNvSpPr/>
-          <p:nvPr/>
-        </p:nvSpPr>
-        <p:spPr bwMode="auto">
-          <a:xfrm>
-            <a:off x="785786" y="4929198"/>
-            <a:ext cx="7715304" cy="1214446"/>
-          </a:xfrm>
-          <a:prstGeom prst="rect">
-            <a:avLst/>
-          </a:prstGeom>
-          <a:solidFill>
-            <a:srgbClr val="008000"/>
-          </a:solidFill>
-          <a:ln w="38100" cap="flat" cmpd="sng" algn="ctr">
-            <a:solidFill>
-              <a:schemeClr val="tx1"/>
-            </a:solidFill>
-            <a:prstDash val="solid"/>
-            <a:round/>
-            <a:headEnd type="none" w="med" len="med"/>
-            <a:tailEnd type="none" w="med" len="med"/>
-          </a:ln>
-          <a:effectLst>
-            <a:outerShdw blurRad="50800" dist="38100" dir="2700000" algn="tl" rotWithShape="0">
-              <a:prstClr val="black">
-                <a:alpha val="40000"/>
-              </a:prstClr>
-            </a:outerShdw>
-          </a:effectLst>
-        </p:spPr>
-        <p:txBody>
-          <a:bodyPr vert="horz" wrap="square" lIns="324000" tIns="45720" rIns="91440" bIns="45720" numCol="1" rtlCol="0" anchor="ctr" anchorCtr="0" compatLnSpc="1">
-            <a:prstTxWarp prst="textNoShape">
-              <a:avLst/>
-            </a:prstTxWarp>
-          </a:bodyPr>
-          <a:lstStyle/>
-          <a:p>
-            <a:pPr marL="288000" indent="-288000" algn="ctr">
-              <a:lnSpc>
-                <a:spcPct val="100000"/>
-              </a:lnSpc>
-              <a:spcBef>
-                <a:spcPts val="2400"/>
-              </a:spcBef>
-              <a:buClr>
-                <a:schemeClr val="tx1"/>
-              </a:buClr>
-              <a:tabLst>
-                <a:tab pos="723900" algn="l"/>
-                <a:tab pos="1447800" algn="l"/>
-                <a:tab pos="2171700" algn="l"/>
-                <a:tab pos="2895600" algn="l"/>
-                <a:tab pos="3619500" algn="l"/>
-                <a:tab pos="4343400" algn="l"/>
-                <a:tab pos="5067300" algn="l"/>
-                <a:tab pos="5791200" algn="l"/>
-                <a:tab pos="6515100" algn="l"/>
-                <a:tab pos="7239000" algn="l"/>
-                <a:tab pos="7962900" algn="l"/>
-                <a:tab pos="8686800" algn="l"/>
-              </a:tabLst>
-            </a:pPr>
-            <a:r>
-              <a:rPr lang="hr-HR" sz="2800" b="1" dirty="0" smtClean="0">
-                <a:solidFill>
-                  <a:srgbClr val="FFC000"/>
-                </a:solidFill>
-                <a:effectLst>
-                  <a:outerShdw blurRad="38100" dist="38100" dir="2700000" algn="tl">
-                    <a:srgbClr val="000000">
-                      <a:alpha val="43137"/>
-                    </a:srgbClr>
-                  </a:outerShdw>
-                </a:effectLst>
-                <a:latin typeface="Calibri" pitchFamily="34" charset="0"/>
-                <a:cs typeface="Calibri" pitchFamily="34" charset="0"/>
-              </a:rPr>
-              <a:t>POLITIČKE STRANKE </a:t>
-            </a:r>
-            <a:r>
-              <a:rPr lang="hr-HR" sz="2800" dirty="0" smtClean="0">
-                <a:latin typeface="Calibri" pitchFamily="34" charset="0"/>
-                <a:cs typeface="Calibri" pitchFamily="34" charset="0"/>
-              </a:rPr>
-              <a:t>su subjekti koji </a:t>
-            </a:r>
-            <a:r>
-              <a:rPr lang="hr-HR" sz="2800" u="sng" dirty="0" smtClean="0">
-                <a:latin typeface="Calibri" pitchFamily="34" charset="0"/>
-                <a:cs typeface="Calibri" pitchFamily="34" charset="0"/>
-              </a:rPr>
-              <a:t>posreduju između vlasti i građana</a:t>
-            </a:r>
-          </a:p>
-        </p:txBody>
-      </p:sp>
-      <p:cxnSp>
-        <p:nvCxnSpPr>
-          <p:cNvPr id="29" name="Straight Arrow Connector 28"/>
-          <p:cNvCxnSpPr/>
-          <p:nvPr/>
-        </p:nvCxnSpPr>
-        <p:spPr bwMode="auto">
-          <a:xfrm>
-            <a:off x="1857356" y="3965182"/>
-            <a:ext cx="714380" cy="571504"/>
-          </a:xfrm>
-          <a:prstGeom prst="straightConnector1">
-            <a:avLst/>
-          </a:prstGeom>
-          <a:solidFill>
-            <a:srgbClr val="00B8FF"/>
-          </a:solidFill>
-          <a:ln w="76200" cap="flat" cmpd="sng" algn="ctr">
-            <a:solidFill>
-              <a:schemeClr val="tx1"/>
-            </a:solidFill>
-            <a:prstDash val="solid"/>
-            <a:round/>
-            <a:headEnd type="none" w="med" len="med"/>
-            <a:tailEnd type="triangle" w="med" len="med"/>
-          </a:ln>
-          <a:effectLst/>
-        </p:spPr>
-      </p:cxnSp>
-      <p:cxnSp>
-        <p:nvCxnSpPr>
-          <p:cNvPr id="30" name="Straight Arrow Connector 29"/>
-          <p:cNvCxnSpPr/>
-          <p:nvPr/>
-        </p:nvCxnSpPr>
-        <p:spPr bwMode="auto">
-          <a:xfrm flipH="1">
-            <a:off x="6715140" y="3965182"/>
-            <a:ext cx="714380" cy="571504"/>
-          </a:xfrm>
-          <a:prstGeom prst="straightConnector1">
-            <a:avLst/>
-          </a:prstGeom>
-          <a:solidFill>
-            <a:srgbClr val="00B8FF"/>
-          </a:solidFill>
-          <a:ln w="76200" cap="flat" cmpd="sng" algn="ctr">
-            <a:solidFill>
-              <a:schemeClr val="tx1"/>
-            </a:solidFill>
-            <a:prstDash val="solid"/>
-            <a:round/>
-            <a:headEnd type="none" w="med" len="med"/>
-            <a:tailEnd type="triangle" w="med" len="med"/>
-          </a:ln>
-          <a:effectLst/>
-        </p:spPr>
-      </p:cxnSp>
-      <p:cxnSp>
-        <p:nvCxnSpPr>
-          <p:cNvPr id="32" name="Straight Arrow Connector 31"/>
-          <p:cNvCxnSpPr/>
-          <p:nvPr/>
-        </p:nvCxnSpPr>
-        <p:spPr bwMode="auto">
-          <a:xfrm rot="5400000">
-            <a:off x="4357686" y="4250140"/>
-            <a:ext cx="714380" cy="1588"/>
-          </a:xfrm>
-          <a:prstGeom prst="straightConnector1">
-            <a:avLst/>
-          </a:prstGeom>
-          <a:solidFill>
-            <a:srgbClr val="00B8FF"/>
-          </a:solidFill>
-          <a:ln w="76200" cap="flat" cmpd="sng" algn="ctr">
-            <a:solidFill>
-              <a:schemeClr val="tx1"/>
-            </a:solidFill>
-            <a:prstDash val="solid"/>
-            <a:round/>
-            <a:headEnd type="none" w="med" len="med"/>
-            <a:tailEnd type="triangle" w="med" len="med"/>
-          </a:ln>
-          <a:effectLst/>
-        </p:spPr>
-      </p:cxnSp>
-    </p:spTree>
-  </p:cSld>
-  <p:clrMapOvr>
-    <a:masterClrMapping/>
-  </p:clrMapOvr>
-  <mc:AlternateContent xmlns:mc="http://schemas.openxmlformats.org/markup-compatibility/2006" xmlns:p14="http://schemas.microsoft.com/office/powerpoint/2010/main">
-    <mc:Choice Requires="p14">
-      <p:transition>
-        <p14:reveal/>
-      </p:transition>
-    </mc:Choice>
-    <mc:Fallback xmlns="">
-      <p:transition>
-        <p:fade/>
-      </p:transition>
-    </mc:Fallback>
-  </mc:AlternateContent>
-  <p:timing>
-    <p:tnLst>
-      <p:par>
-        <p:cTn id="1" dur="indefinite" restart="never" nodeType="tmRoot">
-          <p:childTnLst>
-            <p:seq concurrent="1" nextAc="seek">
-              <p:cTn id="2" dur="indefinite" nodeType="mainSeq">
-                <p:childTnLst>
-                  <p:par>
-                    <p:cTn id="3" fill="hold">
-                      <p:stCondLst>
-                        <p:cond delay="indefinite"/>
-                        <p:cond evt="onBegin" delay="0">
-                          <p:tn val="2"/>
-                        </p:cond>
-                      </p:stCondLst>
-                      <p:childTnLst>
-                        <p:par>
-                          <p:cTn id="4" fill="hold">
-                            <p:stCondLst>
-                              <p:cond delay="0"/>
-                            </p:stCondLst>
-                            <p:childTnLst>
-                              <p:par>
-                                <p:cTn id="5" presetID="10" presetClass="entr" presetSubtype="0" fill="hold" grpId="0" nodeType="afterEffect">
-                                  <p:stCondLst>
-                                    <p:cond delay="0"/>
-                                  </p:stCondLst>
-                                  <p:childTnLst>
-                                    <p:set>
-                                      <p:cBhvr>
-                                        <p:cTn id="6" dur="1" fill="hold">
-                                          <p:stCondLst>
-                                            <p:cond delay="0"/>
-                                          </p:stCondLst>
-                                        </p:cTn>
-                                        <p:tgtEl>
-                                          <p:spTgt spid="14">
-                                            <p:bg/>
-                                          </p:spTgt>
-                                        </p:tgtEl>
-                                        <p:attrNameLst>
-                                          <p:attrName>style.visibility</p:attrName>
-                                        </p:attrNameLst>
-                                      </p:cBhvr>
-                                      <p:to>
-                                        <p:strVal val="visible"/>
-                                      </p:to>
-                                    </p:set>
-                                    <p:animEffect transition="in" filter="fade">
-                                      <p:cBhvr>
-                                        <p:cTn id="7" dur="250"/>
-                                        <p:tgtEl>
-                                          <p:spTgt spid="14">
-                                            <p:bg/>
-                                          </p:spTgt>
-                                        </p:tgtEl>
-                                      </p:cBhvr>
-                                    </p:animEffect>
-                                  </p:childTnLst>
-                                </p:cTn>
-                              </p:par>
-                              <p:par>
-                                <p:cTn id="8" presetID="10" presetClass="entr" presetSubtype="0" fill="hold" grpId="0" nodeType="withEffect">
-                                  <p:stCondLst>
-                                    <p:cond delay="0"/>
-                                  </p:stCondLst>
-                                  <p:childTnLst>
-                                    <p:set>
-                                      <p:cBhvr>
-                                        <p:cTn id="9" dur="1" fill="hold">
-                                          <p:stCondLst>
-                                            <p:cond delay="0"/>
-                                          </p:stCondLst>
-                                        </p:cTn>
-                                        <p:tgtEl>
-                                          <p:spTgt spid="14">
-                                            <p:txEl>
-                                              <p:pRg st="0" end="0"/>
-                                            </p:txEl>
-                                          </p:spTgt>
-                                        </p:tgtEl>
-                                        <p:attrNameLst>
-                                          <p:attrName>style.visibility</p:attrName>
-                                        </p:attrNameLst>
-                                      </p:cBhvr>
-                                      <p:to>
-                                        <p:strVal val="visible"/>
-                                      </p:to>
-                                    </p:set>
-                                    <p:animEffect transition="in" filter="fade">
-                                      <p:cBhvr>
-                                        <p:cTn id="10" dur="250"/>
-                                        <p:tgtEl>
-                                          <p:spTgt spid="14">
-                                            <p:txEl>
-                                              <p:pRg st="0" end="0"/>
-                                            </p:txEl>
-                                          </p:spTgt>
-                                        </p:tgtEl>
-                                      </p:cBhvr>
-                                    </p:animEffect>
-                                  </p:childTnLst>
-                                </p:cTn>
-                              </p:par>
-                            </p:childTnLst>
-                          </p:cTn>
-                        </p:par>
-                        <p:par>
-                          <p:cTn id="11" fill="hold">
-                            <p:stCondLst>
-                              <p:cond delay="250"/>
-                            </p:stCondLst>
-                            <p:childTnLst>
-                              <p:par>
-                                <p:cTn id="12" presetID="22" presetClass="entr" presetSubtype="2" fill="hold" nodeType="afterEffect">
-                                  <p:stCondLst>
-                                    <p:cond delay="0"/>
-                                  </p:stCondLst>
-                                  <p:childTnLst>
-                                    <p:set>
-                                      <p:cBhvr>
-                                        <p:cTn id="13" dur="1" fill="hold">
-                                          <p:stCondLst>
-                                            <p:cond delay="0"/>
-                                          </p:stCondLst>
-                                        </p:cTn>
-                                        <p:tgtEl>
-                                          <p:spTgt spid="20"/>
-                                        </p:tgtEl>
-                                        <p:attrNameLst>
-                                          <p:attrName>style.visibility</p:attrName>
-                                        </p:attrNameLst>
-                                      </p:cBhvr>
-                                      <p:to>
-                                        <p:strVal val="visible"/>
-                                      </p:to>
-                                    </p:set>
-                                    <p:animEffect transition="in" filter="wipe(right)">
-                                      <p:cBhvr>
-                                        <p:cTn id="14" dur="250"/>
-                                        <p:tgtEl>
-                                          <p:spTgt spid="20"/>
-                                        </p:tgtEl>
-                                      </p:cBhvr>
-                                    </p:animEffect>
-                                  </p:childTnLst>
-                                </p:cTn>
-                              </p:par>
-                            </p:childTnLst>
-                          </p:cTn>
-                        </p:par>
-                        <p:par>
-                          <p:cTn id="15" fill="hold">
-                            <p:stCondLst>
-                              <p:cond delay="500"/>
-                            </p:stCondLst>
-                            <p:childTnLst>
-                              <p:par>
-                                <p:cTn id="16" presetID="22" presetClass="entr" presetSubtype="1" fill="hold" grpId="0" nodeType="afterEffect">
-                                  <p:stCondLst>
-                                    <p:cond delay="0"/>
-                                  </p:stCondLst>
-                                  <p:childTnLst>
-                                    <p:set>
-                                      <p:cBhvr>
-                                        <p:cTn id="17" dur="1" fill="hold">
-                                          <p:stCondLst>
-                                            <p:cond delay="0"/>
-                                          </p:stCondLst>
-                                        </p:cTn>
-                                        <p:tgtEl>
-                                          <p:spTgt spid="16">
-                                            <p:bg/>
-                                          </p:spTgt>
-                                        </p:tgtEl>
-                                        <p:attrNameLst>
-                                          <p:attrName>style.visibility</p:attrName>
-                                        </p:attrNameLst>
-                                      </p:cBhvr>
-                                      <p:to>
-                                        <p:strVal val="visible"/>
-                                      </p:to>
-                                    </p:set>
-                                    <p:animEffect transition="in" filter="wipe(up)">
-                                      <p:cBhvr>
-                                        <p:cTn id="18" dur="250"/>
-                                        <p:tgtEl>
-                                          <p:spTgt spid="16">
-                                            <p:bg/>
-                                          </p:spTgt>
-                                        </p:tgtEl>
-                                      </p:cBhvr>
-                                    </p:animEffect>
-                                  </p:childTnLst>
-                                </p:cTn>
-                              </p:par>
-                              <p:par>
-                                <p:cTn id="19" presetID="22" presetClass="entr" presetSubtype="1" fill="hold" grpId="0" nodeType="withEffect">
-                                  <p:stCondLst>
-                                    <p:cond delay="0"/>
-                                  </p:stCondLst>
-                                  <p:childTnLst>
-                                    <p:set>
-                                      <p:cBhvr>
-                                        <p:cTn id="20" dur="1" fill="hold">
-                                          <p:stCondLst>
-                                            <p:cond delay="0"/>
-                                          </p:stCondLst>
-                                        </p:cTn>
-                                        <p:tgtEl>
-                                          <p:spTgt spid="16">
-                                            <p:txEl>
-                                              <p:pRg st="0" end="0"/>
-                                            </p:txEl>
-                                          </p:spTgt>
-                                        </p:tgtEl>
-                                        <p:attrNameLst>
-                                          <p:attrName>style.visibility</p:attrName>
-                                        </p:attrNameLst>
-                                      </p:cBhvr>
-                                      <p:to>
-                                        <p:strVal val="visible"/>
-                                      </p:to>
-                                    </p:set>
-                                    <p:animEffect transition="in" filter="wipe(up)">
-                                      <p:cBhvr>
-                                        <p:cTn id="21" dur="250"/>
-                                        <p:tgtEl>
-                                          <p:spTgt spid="16">
-                                            <p:txEl>
-                                              <p:pRg st="0" end="0"/>
-                                            </p:txEl>
-                                          </p:spTgt>
-                                        </p:tgtEl>
-                                      </p:cBhvr>
-                                    </p:animEffect>
-                                  </p:childTnLst>
-                                </p:cTn>
-                              </p:par>
-                            </p:childTnLst>
-                          </p:cTn>
-                        </p:par>
-                        <p:par>
-                          <p:cTn id="22" fill="hold">
-                            <p:stCondLst>
-                              <p:cond delay="750"/>
-                            </p:stCondLst>
-                            <p:childTnLst>
-                              <p:par>
-                                <p:cTn id="23" presetID="22" presetClass="entr" presetSubtype="1" fill="hold" nodeType="afterEffect">
-                                  <p:stCondLst>
-                                    <p:cond delay="0"/>
-                                  </p:stCondLst>
-                                  <p:childTnLst>
-                                    <p:set>
-                                      <p:cBhvr>
-                                        <p:cTn id="24" dur="1" fill="hold">
-                                          <p:stCondLst>
-                                            <p:cond delay="0"/>
-                                          </p:stCondLst>
-                                        </p:cTn>
-                                        <p:tgtEl>
-                                          <p:spTgt spid="24"/>
-                                        </p:tgtEl>
-                                        <p:attrNameLst>
-                                          <p:attrName>style.visibility</p:attrName>
-                                        </p:attrNameLst>
-                                      </p:cBhvr>
-                                      <p:to>
-                                        <p:strVal val="visible"/>
-                                      </p:to>
-                                    </p:set>
-                                    <p:animEffect transition="in" filter="wipe(up)">
-                                      <p:cBhvr>
-                                        <p:cTn id="25" dur="250"/>
-                                        <p:tgtEl>
-                                          <p:spTgt spid="24"/>
-                                        </p:tgtEl>
-                                      </p:cBhvr>
-                                    </p:animEffect>
-                                  </p:childTnLst>
-                                </p:cTn>
-                              </p:par>
-                            </p:childTnLst>
-                          </p:cTn>
-                        </p:par>
-                        <p:par>
-                          <p:cTn id="26" fill="hold">
-                            <p:stCondLst>
-                              <p:cond delay="1000"/>
-                            </p:stCondLst>
-                            <p:childTnLst>
-                              <p:par>
-                                <p:cTn id="27" presetID="22" presetClass="entr" presetSubtype="1" fill="hold" grpId="0" nodeType="afterEffect">
-                                  <p:stCondLst>
-                                    <p:cond delay="0"/>
-                                  </p:stCondLst>
-                                  <p:childTnLst>
-                                    <p:set>
-                                      <p:cBhvr>
-                                        <p:cTn id="28" dur="1" fill="hold">
-                                          <p:stCondLst>
-                                            <p:cond delay="0"/>
-                                          </p:stCondLst>
-                                        </p:cTn>
-                                        <p:tgtEl>
-                                          <p:spTgt spid="17">
-                                            <p:bg/>
-                                          </p:spTgt>
-                                        </p:tgtEl>
-                                        <p:attrNameLst>
-                                          <p:attrName>style.visibility</p:attrName>
-                                        </p:attrNameLst>
-                                      </p:cBhvr>
-                                      <p:to>
-                                        <p:strVal val="visible"/>
-                                      </p:to>
-                                    </p:set>
-                                    <p:animEffect transition="in" filter="wipe(up)">
-                                      <p:cBhvr>
-                                        <p:cTn id="29" dur="250"/>
-                                        <p:tgtEl>
-                                          <p:spTgt spid="17">
-                                            <p:bg/>
-                                          </p:spTgt>
-                                        </p:tgtEl>
-                                      </p:cBhvr>
-                                    </p:animEffect>
-                                  </p:childTnLst>
-                                </p:cTn>
-                              </p:par>
-                              <p:par>
-                                <p:cTn id="30" presetID="22" presetClass="entr" presetSubtype="1" fill="hold" grpId="0" nodeType="withEffect">
-                                  <p:stCondLst>
-                                    <p:cond delay="0"/>
-                                  </p:stCondLst>
-                                  <p:childTnLst>
-                                    <p:set>
-                                      <p:cBhvr>
-                                        <p:cTn id="31" dur="1" fill="hold">
-                                          <p:stCondLst>
-                                            <p:cond delay="0"/>
-                                          </p:stCondLst>
-                                        </p:cTn>
-                                        <p:tgtEl>
-                                          <p:spTgt spid="17">
-                                            <p:txEl>
-                                              <p:pRg st="0" end="0"/>
-                                            </p:txEl>
-                                          </p:spTgt>
-                                        </p:tgtEl>
-                                        <p:attrNameLst>
-                                          <p:attrName>style.visibility</p:attrName>
-                                        </p:attrNameLst>
-                                      </p:cBhvr>
-                                      <p:to>
-                                        <p:strVal val="visible"/>
-                                      </p:to>
-                                    </p:set>
-                                    <p:animEffect transition="in" filter="wipe(up)">
-                                      <p:cBhvr>
-                                        <p:cTn id="32" dur="250"/>
-                                        <p:tgtEl>
-                                          <p:spTgt spid="17">
-                                            <p:txEl>
-                                              <p:pRg st="0" end="0"/>
-                                            </p:txEl>
-                                          </p:spTgt>
-                                        </p:tgtEl>
-                                      </p:cBhvr>
-                                    </p:animEffect>
-                                  </p:childTnLst>
-                                </p:cTn>
-                              </p:par>
-                            </p:childTnLst>
-                          </p:cTn>
-                        </p:par>
-                        <p:par>
-                          <p:cTn id="33" fill="hold">
-                            <p:stCondLst>
-                              <p:cond delay="1250"/>
-                            </p:stCondLst>
-                            <p:childTnLst>
-                              <p:par>
-                                <p:cTn id="34" presetID="22" presetClass="entr" presetSubtype="8" fill="hold" nodeType="afterEffect">
-                                  <p:stCondLst>
-                                    <p:cond delay="0"/>
-                                  </p:stCondLst>
-                                  <p:childTnLst>
-                                    <p:set>
-                                      <p:cBhvr>
-                                        <p:cTn id="35" dur="1" fill="hold">
-                                          <p:stCondLst>
-                                            <p:cond delay="0"/>
-                                          </p:stCondLst>
-                                        </p:cTn>
-                                        <p:tgtEl>
-                                          <p:spTgt spid="22"/>
-                                        </p:tgtEl>
-                                        <p:attrNameLst>
-                                          <p:attrName>style.visibility</p:attrName>
-                                        </p:attrNameLst>
-                                      </p:cBhvr>
-                                      <p:to>
-                                        <p:strVal val="visible"/>
-                                      </p:to>
-                                    </p:set>
-                                    <p:animEffect transition="in" filter="wipe(left)">
-                                      <p:cBhvr>
-                                        <p:cTn id="36" dur="250"/>
-                                        <p:tgtEl>
-                                          <p:spTgt spid="22"/>
-                                        </p:tgtEl>
-                                      </p:cBhvr>
-                                    </p:animEffect>
-                                  </p:childTnLst>
-                                </p:cTn>
-                              </p:par>
-                            </p:childTnLst>
-                          </p:cTn>
-                        </p:par>
-                        <p:par>
-                          <p:cTn id="37" fill="hold">
-                            <p:stCondLst>
-                              <p:cond delay="1500"/>
-                            </p:stCondLst>
-                            <p:childTnLst>
-                              <p:par>
-                                <p:cTn id="38" presetID="22" presetClass="entr" presetSubtype="1" fill="hold" grpId="0" nodeType="afterEffect">
-                                  <p:stCondLst>
-                                    <p:cond delay="0"/>
-                                  </p:stCondLst>
-                                  <p:childTnLst>
-                                    <p:set>
-                                      <p:cBhvr>
-                                        <p:cTn id="39" dur="1" fill="hold">
-                                          <p:stCondLst>
-                                            <p:cond delay="0"/>
-                                          </p:stCondLst>
-                                        </p:cTn>
-                                        <p:tgtEl>
-                                          <p:spTgt spid="18">
-                                            <p:bg/>
-                                          </p:spTgt>
-                                        </p:tgtEl>
-                                        <p:attrNameLst>
-                                          <p:attrName>style.visibility</p:attrName>
-                                        </p:attrNameLst>
-                                      </p:cBhvr>
-                                      <p:to>
-                                        <p:strVal val="visible"/>
-                                      </p:to>
-                                    </p:set>
-                                    <p:animEffect transition="in" filter="wipe(up)">
-                                      <p:cBhvr>
-                                        <p:cTn id="40" dur="250"/>
-                                        <p:tgtEl>
-                                          <p:spTgt spid="18">
-                                            <p:bg/>
-                                          </p:spTgt>
-                                        </p:tgtEl>
-                                      </p:cBhvr>
-                                    </p:animEffect>
-                                  </p:childTnLst>
-                                </p:cTn>
-                              </p:par>
-                              <p:par>
-                                <p:cTn id="41" presetID="22" presetClass="entr" presetSubtype="1" fill="hold" grpId="0" nodeType="withEffect">
-                                  <p:stCondLst>
-                                    <p:cond delay="0"/>
-                                  </p:stCondLst>
-                                  <p:childTnLst>
-                                    <p:set>
-                                      <p:cBhvr>
-                                        <p:cTn id="42" dur="1" fill="hold">
-                                          <p:stCondLst>
-                                            <p:cond delay="0"/>
-                                          </p:stCondLst>
-                                        </p:cTn>
-                                        <p:tgtEl>
-                                          <p:spTgt spid="18">
-                                            <p:txEl>
-                                              <p:pRg st="0" end="0"/>
-                                            </p:txEl>
-                                          </p:spTgt>
-                                        </p:tgtEl>
-                                        <p:attrNameLst>
-                                          <p:attrName>style.visibility</p:attrName>
-                                        </p:attrNameLst>
-                                      </p:cBhvr>
-                                      <p:to>
-                                        <p:strVal val="visible"/>
-                                      </p:to>
-                                    </p:set>
-                                    <p:animEffect transition="in" filter="wipe(up)">
-                                      <p:cBhvr>
-                                        <p:cTn id="43" dur="250"/>
-                                        <p:tgtEl>
-                                          <p:spTgt spid="18">
-                                            <p:txEl>
-                                              <p:pRg st="0" end="0"/>
-                                            </p:txEl>
-                                          </p:spTgt>
-                                        </p:tgtEl>
-                                      </p:cBhvr>
-                                    </p:animEffect>
-                                  </p:childTnLst>
-                                </p:cTn>
-                              </p:par>
-                            </p:childTnLst>
-                          </p:cTn>
-                        </p:par>
-                      </p:childTnLst>
-                    </p:cTn>
-                  </p:par>
-                  <p:par>
-                    <p:cTn id="44" fill="hold">
-                      <p:stCondLst>
-                        <p:cond delay="indefinite"/>
-                      </p:stCondLst>
-                      <p:childTnLst>
-                        <p:par>
-                          <p:cTn id="45" fill="hold">
-                            <p:stCondLst>
-                              <p:cond delay="0"/>
-                            </p:stCondLst>
-                            <p:childTnLst>
-                              <p:par>
-                                <p:cTn id="46" presetID="22" presetClass="entr" presetSubtype="1" fill="hold" nodeType="clickEffect">
-                                  <p:stCondLst>
-                                    <p:cond delay="0"/>
-                                  </p:stCondLst>
-                                  <p:childTnLst>
-                                    <p:set>
-                                      <p:cBhvr>
-                                        <p:cTn id="47" dur="1" fill="hold">
-                                          <p:stCondLst>
-                                            <p:cond delay="0"/>
-                                          </p:stCondLst>
-                                        </p:cTn>
-                                        <p:tgtEl>
-                                          <p:spTgt spid="29"/>
-                                        </p:tgtEl>
-                                        <p:attrNameLst>
-                                          <p:attrName>style.visibility</p:attrName>
-                                        </p:attrNameLst>
-                                      </p:cBhvr>
-                                      <p:to>
-                                        <p:strVal val="visible"/>
-                                      </p:to>
-                                    </p:set>
-                                    <p:animEffect transition="in" filter="wipe(up)">
-                                      <p:cBhvr>
-                                        <p:cTn id="48" dur="250"/>
-                                        <p:tgtEl>
-                                          <p:spTgt spid="29"/>
-                                        </p:tgtEl>
-                                      </p:cBhvr>
-                                    </p:animEffect>
-                                  </p:childTnLst>
-                                </p:cTn>
-                              </p:par>
-                              <p:par>
-                                <p:cTn id="49" presetID="22" presetClass="entr" presetSubtype="1" fill="hold" nodeType="withEffect">
-                                  <p:stCondLst>
-                                    <p:cond delay="0"/>
-                                  </p:stCondLst>
-                                  <p:childTnLst>
-                                    <p:set>
-                                      <p:cBhvr>
-                                        <p:cTn id="50" dur="1" fill="hold">
-                                          <p:stCondLst>
-                                            <p:cond delay="0"/>
-                                          </p:stCondLst>
-                                        </p:cTn>
-                                        <p:tgtEl>
-                                          <p:spTgt spid="32"/>
-                                        </p:tgtEl>
-                                        <p:attrNameLst>
-                                          <p:attrName>style.visibility</p:attrName>
-                                        </p:attrNameLst>
-                                      </p:cBhvr>
-                                      <p:to>
-                                        <p:strVal val="visible"/>
-                                      </p:to>
-                                    </p:set>
-                                    <p:animEffect transition="in" filter="wipe(up)">
-                                      <p:cBhvr>
-                                        <p:cTn id="51" dur="250"/>
-                                        <p:tgtEl>
-                                          <p:spTgt spid="32"/>
-                                        </p:tgtEl>
-                                      </p:cBhvr>
-                                    </p:animEffect>
-                                  </p:childTnLst>
-                                </p:cTn>
-                              </p:par>
-                              <p:par>
-                                <p:cTn id="52" presetID="22" presetClass="entr" presetSubtype="1" fill="hold" nodeType="withEffect">
-                                  <p:stCondLst>
-                                    <p:cond delay="0"/>
-                                  </p:stCondLst>
-                                  <p:childTnLst>
-                                    <p:set>
-                                      <p:cBhvr>
-                                        <p:cTn id="53" dur="1" fill="hold">
-                                          <p:stCondLst>
-                                            <p:cond delay="0"/>
-                                          </p:stCondLst>
-                                        </p:cTn>
-                                        <p:tgtEl>
-                                          <p:spTgt spid="30"/>
-                                        </p:tgtEl>
-                                        <p:attrNameLst>
-                                          <p:attrName>style.visibility</p:attrName>
-                                        </p:attrNameLst>
-                                      </p:cBhvr>
-                                      <p:to>
-                                        <p:strVal val="visible"/>
-                                      </p:to>
-                                    </p:set>
-                                    <p:animEffect transition="in" filter="wipe(up)">
-                                      <p:cBhvr>
-                                        <p:cTn id="54" dur="250"/>
-                                        <p:tgtEl>
-                                          <p:spTgt spid="30"/>
-                                        </p:tgtEl>
-                                      </p:cBhvr>
-                                    </p:animEffect>
-                                  </p:childTnLst>
-                                </p:cTn>
-                              </p:par>
-                            </p:childTnLst>
-                          </p:cTn>
-                        </p:par>
-                        <p:par>
-                          <p:cTn id="55" fill="hold">
-                            <p:stCondLst>
-                              <p:cond delay="250"/>
-                            </p:stCondLst>
-                            <p:childTnLst>
-                              <p:par>
-                                <p:cTn id="56" presetID="22" presetClass="entr" presetSubtype="1" fill="hold" grpId="0" nodeType="afterEffect">
-                                  <p:stCondLst>
-                                    <p:cond delay="0"/>
-                                  </p:stCondLst>
-                                  <p:childTnLst>
-                                    <p:set>
-                                      <p:cBhvr>
-                                        <p:cTn id="57" dur="1" fill="hold">
-                                          <p:stCondLst>
-                                            <p:cond delay="0"/>
-                                          </p:stCondLst>
-                                        </p:cTn>
-                                        <p:tgtEl>
-                                          <p:spTgt spid="27">
-                                            <p:bg/>
-                                          </p:spTgt>
-                                        </p:tgtEl>
-                                        <p:attrNameLst>
-                                          <p:attrName>style.visibility</p:attrName>
-                                        </p:attrNameLst>
-                                      </p:cBhvr>
-                                      <p:to>
-                                        <p:strVal val="visible"/>
-                                      </p:to>
-                                    </p:set>
-                                    <p:animEffect transition="in" filter="wipe(up)">
-                                      <p:cBhvr>
-                                        <p:cTn id="58" dur="250"/>
-                                        <p:tgtEl>
-                                          <p:spTgt spid="27">
-                                            <p:bg/>
-                                          </p:spTgt>
-                                        </p:tgtEl>
-                                      </p:cBhvr>
-                                    </p:animEffect>
-                                  </p:childTnLst>
-                                </p:cTn>
-                              </p:par>
-                              <p:par>
-                                <p:cTn id="59" presetID="22" presetClass="entr" presetSubtype="1" fill="hold" grpId="0" nodeType="withEffect">
-                                  <p:stCondLst>
-                                    <p:cond delay="0"/>
-                                  </p:stCondLst>
-                                  <p:childTnLst>
-                                    <p:set>
-                                      <p:cBhvr>
-                                        <p:cTn id="60" dur="1" fill="hold">
-                                          <p:stCondLst>
-                                            <p:cond delay="0"/>
-                                          </p:stCondLst>
-                                        </p:cTn>
-                                        <p:tgtEl>
-                                          <p:spTgt spid="27">
-                                            <p:txEl>
-                                              <p:pRg st="0" end="0"/>
-                                            </p:txEl>
-                                          </p:spTgt>
-                                        </p:tgtEl>
-                                        <p:attrNameLst>
-                                          <p:attrName>style.visibility</p:attrName>
-                                        </p:attrNameLst>
-                                      </p:cBhvr>
-                                      <p:to>
-                                        <p:strVal val="visible"/>
-                                      </p:to>
-                                    </p:set>
-                                    <p:animEffect transition="in" filter="wipe(up)">
-                                      <p:cBhvr>
-                                        <p:cTn id="61" dur="250"/>
-                                        <p:tgtEl>
-                                          <p:spTgt spid="27">
-                                            <p:txEl>
-                                              <p:pRg st="0" end="0"/>
-                                            </p:txEl>
-                                          </p:spTgt>
-                                        </p:tgtEl>
-                                      </p:cBhvr>
-                                    </p:animEffect>
-                                  </p:childTnLst>
-                                </p:cTn>
-                              </p:par>
-                            </p:childTnLst>
-                          </p:cTn>
-                        </p:par>
-                      </p:childTnLst>
-                    </p:cTn>
-                  </p:par>
-                </p:childTnLst>
-              </p:cTn>
-              <p:prevCondLst>
-                <p:cond evt="onPrev" delay="0">
-                  <p:tgtEl>
-                    <p:sldTgt/>
-                  </p:tgtEl>
-                </p:cond>
-              </p:prevCondLst>
-              <p:nextCondLst>
-                <p:cond evt="onNext" delay="0">
-                  <p:tgtEl>
-                    <p:sldTgt/>
-                  </p:tgtEl>
-                </p:cond>
-              </p:nextCondLst>
-            </p:seq>
-          </p:childTnLst>
-        </p:cTn>
-      </p:par>
-    </p:tnLst>
-    <p:bldLst>
-      <p:bldP spid="16" grpId="0" build="allAtOnce" animBg="1"/>
-      <p:bldP spid="17" grpId="0" build="allAtOnce" animBg="1"/>
-      <p:bldP spid="18" grpId="0" build="allAtOnce" animBg="1"/>
-      <p:bldP spid="14" grpId="0" build="allAtOnce" animBg="1"/>
-      <p:bldP spid="27" grpId="0" build="allAtOnce" animBg="1"/>
     </p:bldLst>
   </p:timing>
 </p:sld>
@@ -42381,7 +45608,7 @@
 </file>
 
 <file path=ppt/slides/slide9.xml><?xml version="1.0" encoding="utf-8"?>
-<p:sld xmlns:a="http://schemas.openxmlformats.org/drawingml/2006/main" xmlns:r="http://schemas.openxmlformats.org/officeDocument/2006/relationships" xmlns:p="http://schemas.openxmlformats.org/presentationml/2006/main" show="0">
+<p:sld xmlns:a="http://schemas.openxmlformats.org/drawingml/2006/main" xmlns:r="http://schemas.openxmlformats.org/officeDocument/2006/relationships" xmlns:p="http://schemas.openxmlformats.org/presentationml/2006/main">
   <p:cSld>
     <p:spTree>
       <p:nvGrpSpPr>
@@ -42405,14 +45632,14 @@
         </p:nvSpPr>
         <p:spPr bwMode="auto">
           <a:xfrm>
-            <a:off x="142845" y="785794"/>
-            <a:ext cx="2857519" cy="4786346"/>
+            <a:off x="142845" y="600448"/>
+            <a:ext cx="2857519" cy="4063146"/>
           </a:xfrm>
           <a:prstGeom prst="rect">
             <a:avLst/>
           </a:prstGeom>
           <a:noFill/>
-          <a:ln w="38100" cap="flat" cmpd="sng" algn="ctr">
+          <a:ln w="28575" cap="flat" cmpd="sng" algn="ctr">
             <a:solidFill>
               <a:schemeClr val="tx1"/>
             </a:solidFill>
@@ -42474,14 +45701,14 @@
         </p:nvSpPr>
         <p:spPr bwMode="auto">
           <a:xfrm>
-            <a:off x="3143240" y="785794"/>
-            <a:ext cx="2857519" cy="4786346"/>
+            <a:off x="3143240" y="600448"/>
+            <a:ext cx="2857519" cy="4063146"/>
           </a:xfrm>
           <a:prstGeom prst="rect">
             <a:avLst/>
           </a:prstGeom>
           <a:noFill/>
-          <a:ln w="38100" cap="flat" cmpd="sng" algn="ctr">
+          <a:ln w="28575" cap="flat" cmpd="sng" algn="ctr">
             <a:solidFill>
               <a:schemeClr val="tx1"/>
             </a:solidFill>
@@ -42543,14 +45770,14 @@
         </p:nvSpPr>
         <p:spPr bwMode="auto">
           <a:xfrm>
-            <a:off x="6143636" y="785794"/>
-            <a:ext cx="2857519" cy="4786346"/>
+            <a:off x="6143636" y="600448"/>
+            <a:ext cx="2857519" cy="4063146"/>
           </a:xfrm>
           <a:prstGeom prst="rect">
             <a:avLst/>
           </a:prstGeom>
           <a:noFill/>
-          <a:ln w="38100" cap="flat" cmpd="sng" algn="ctr">
+          <a:ln w="28575" cap="flat" cmpd="sng" algn="ctr">
             <a:solidFill>
               <a:schemeClr val="tx1"/>
             </a:solidFill>
@@ -42612,8 +45839,8 @@
         </p:nvSpPr>
         <p:spPr bwMode="auto">
           <a:xfrm>
-            <a:off x="285720" y="357166"/>
-            <a:ext cx="2571769" cy="714380"/>
+            <a:off x="285720" y="260648"/>
+            <a:ext cx="2571769" cy="536724"/>
           </a:xfrm>
           <a:prstGeom prst="rect">
             <a:avLst/>
@@ -42623,7 +45850,7 @@
               <a:lumMod val="50000"/>
             </a:schemeClr>
           </a:solidFill>
-          <a:ln w="38100" cap="flat" cmpd="sng" algn="ctr">
+          <a:ln w="19050" cap="flat" cmpd="sng" algn="ctr">
             <a:solidFill>
               <a:schemeClr val="tx1"/>
             </a:solidFill>
@@ -42674,8 +45901,8 @@
         </p:nvSpPr>
         <p:spPr bwMode="auto">
           <a:xfrm>
-            <a:off x="3286115" y="357166"/>
-            <a:ext cx="2571769" cy="714380"/>
+            <a:off x="3286115" y="260648"/>
+            <a:ext cx="2571769" cy="536724"/>
           </a:xfrm>
           <a:prstGeom prst="rect">
             <a:avLst/>
@@ -42683,7 +45910,7 @@
           <a:solidFill>
             <a:srgbClr val="FF0000"/>
           </a:solidFill>
-          <a:ln w="38100" cap="flat" cmpd="sng" algn="ctr">
+          <a:ln w="19050" cap="flat" cmpd="sng" algn="ctr">
             <a:solidFill>
               <a:schemeClr val="tx1"/>
             </a:solidFill>
@@ -42734,8 +45961,8 @@
         </p:nvSpPr>
         <p:spPr bwMode="auto">
           <a:xfrm>
-            <a:off x="6286511" y="357166"/>
-            <a:ext cx="2571769" cy="714380"/>
+            <a:off x="6286511" y="260648"/>
+            <a:ext cx="2571769" cy="536724"/>
           </a:xfrm>
           <a:prstGeom prst="rect">
             <a:avLst/>
@@ -42743,7 +45970,7 @@
           <a:solidFill>
             <a:srgbClr val="008000"/>
           </a:solidFill>
-          <a:ln w="38100" cap="flat" cmpd="sng" algn="ctr">
+          <a:ln w="19050" cap="flat" cmpd="sng" algn="ctr">
             <a:solidFill>
               <a:schemeClr val="tx1"/>
             </a:solidFill>
@@ -42794,7 +46021,7 @@
         </p:nvSpPr>
         <p:spPr>
           <a:xfrm>
-            <a:off x="214282" y="1214422"/>
+            <a:off x="214282" y="908720"/>
             <a:ext cx="2786082" cy="3447098"/>
           </a:xfrm>
           <a:prstGeom prst="rect">
@@ -42953,7 +46180,7 @@
         </p:nvSpPr>
         <p:spPr>
           <a:xfrm>
-            <a:off x="3143240" y="1214422"/>
+            <a:off x="3143240" y="908720"/>
             <a:ext cx="2928958" cy="3754874"/>
           </a:xfrm>
           <a:prstGeom prst="rect">
@@ -43083,7 +46310,7 @@
                 <a:spcPct val="100000"/>
               </a:lnSpc>
               <a:spcBef>
-                <a:spcPts val="1200"/>
+                <a:spcPts val="600"/>
               </a:spcBef>
               <a:buClr>
                 <a:schemeClr val="tx1"/>
@@ -43119,7 +46346,7 @@
         </p:nvSpPr>
         <p:spPr>
           <a:xfrm>
-            <a:off x="6143636" y="1214422"/>
+            <a:off x="6143636" y="908720"/>
             <a:ext cx="2857520" cy="3477875"/>
           </a:xfrm>
           <a:prstGeom prst="rect">
@@ -43230,6 +46457,354 @@
                 <a:cs typeface="Calibri" pitchFamily="34" charset="0"/>
               </a:rPr>
               <a:t>sloboda je ograničena zaštitom javnog morala utemeljenog na kršćanskom nauku</a:t>
+            </a:r>
+          </a:p>
+        </p:txBody>
+      </p:sp>
+      <p:sp>
+        <p:nvSpPr>
+          <p:cNvPr id="11" name="Rectangle 10"/>
+          <p:cNvSpPr/>
+          <p:nvPr/>
+        </p:nvSpPr>
+        <p:spPr bwMode="auto">
+          <a:xfrm>
+            <a:off x="142845" y="5008581"/>
+            <a:ext cx="8786873" cy="1594071"/>
+          </a:xfrm>
+          <a:prstGeom prst="rect">
+            <a:avLst/>
+          </a:prstGeom>
+          <a:noFill/>
+          <a:ln w="28575" cap="flat" cmpd="sng" algn="ctr">
+            <a:solidFill>
+              <a:schemeClr val="tx1"/>
+            </a:solidFill>
+            <a:prstDash val="solid"/>
+            <a:round/>
+            <a:headEnd type="none" w="med" len="med"/>
+            <a:tailEnd type="none" w="med" len="med"/>
+          </a:ln>
+          <a:effectLst>
+            <a:outerShdw blurRad="63500" sx="102000" sy="102000" algn="ctr" rotWithShape="0">
+              <a:prstClr val="black">
+                <a:alpha val="40000"/>
+              </a:prstClr>
+            </a:outerShdw>
+          </a:effectLst>
+        </p:spPr>
+        <p:txBody>
+          <a:bodyPr vert="horz" wrap="square" lIns="91440" tIns="45720" rIns="91440" bIns="45720" numCol="1" rtlCol="0" anchor="t" anchorCtr="0" compatLnSpc="1">
+            <a:prstTxWarp prst="textNoShape">
+              <a:avLst/>
+            </a:prstTxWarp>
+          </a:bodyPr>
+          <a:lstStyle/>
+          <a:p>
+            <a:pPr marL="0" marR="0" indent="0" algn="l" defTabSz="457200" rtl="0" eaLnBrk="1" fontAlgn="base" latinLnBrk="0" hangingPunct="0">
+              <a:lnSpc>
+                <a:spcPct val="93000"/>
+              </a:lnSpc>
+              <a:spcBef>
+                <a:spcPct val="0"/>
+              </a:spcBef>
+              <a:spcAft>
+                <a:spcPct val="0"/>
+              </a:spcAft>
+              <a:buClr>
+                <a:srgbClr val="000000"/>
+              </a:buClr>
+              <a:buSzPct val="100000"/>
+              <a:buFont typeface="Times New Roman" pitchFamily="16" charset="0"/>
+              <a:buNone/>
+              <a:tabLst/>
+            </a:pPr>
+            <a:endParaRPr kumimoji="0" lang="hr-HR" sz="1800" b="0" i="0" u="none" strike="noStrike" cap="none" normalizeH="0" baseline="0" smtClean="0">
+              <a:ln>
+                <a:noFill/>
+              </a:ln>
+              <a:effectLst/>
+              <a:latin typeface="Calibri" pitchFamily="34" charset="0"/>
+              <a:cs typeface="Calibri" pitchFamily="34" charset="0"/>
+            </a:endParaRPr>
+          </a:p>
+        </p:txBody>
+      </p:sp>
+      <p:sp>
+        <p:nvSpPr>
+          <p:cNvPr id="12" name="Rectangle 7"/>
+          <p:cNvSpPr/>
+          <p:nvPr/>
+        </p:nvSpPr>
+        <p:spPr bwMode="auto">
+          <a:xfrm>
+            <a:off x="285720" y="4749420"/>
+            <a:ext cx="3500462" cy="454605"/>
+          </a:xfrm>
+          <a:prstGeom prst="rect">
+            <a:avLst/>
+          </a:prstGeom>
+          <a:solidFill>
+            <a:srgbClr val="C00000"/>
+          </a:solidFill>
+          <a:ln w="19050" cap="flat" cmpd="sng" algn="ctr">
+            <a:solidFill>
+              <a:schemeClr val="tx1"/>
+            </a:solidFill>
+            <a:prstDash val="solid"/>
+            <a:round/>
+            <a:headEnd type="none" w="med" len="med"/>
+            <a:tailEnd type="none" w="med" len="med"/>
+          </a:ln>
+          <a:effectLst>
+            <a:outerShdw blurRad="63500" sx="102000" sy="102000" algn="ctr" rotWithShape="0">
+              <a:prstClr val="black">
+                <a:alpha val="40000"/>
+              </a:prstClr>
+            </a:outerShdw>
+          </a:effectLst>
+        </p:spPr>
+        <p:txBody>
+          <a:bodyPr vert="horz" wrap="square" lIns="91440" tIns="45720" rIns="91440" bIns="45720" numCol="1" rtlCol="0" anchor="ctr" anchorCtr="0" compatLnSpc="1">
+            <a:prstTxWarp prst="textNoShape">
+              <a:avLst/>
+            </a:prstTxWarp>
+          </a:bodyPr>
+          <a:lstStyle/>
+          <a:p>
+            <a:pPr algn="ctr"/>
+            <a:r>
+              <a:rPr lang="hr-HR" sz="2400" b="1" dirty="0" smtClean="0">
+                <a:effectLst>
+                  <a:outerShdw blurRad="38100" dist="38100" dir="2700000" algn="tl">
+                    <a:srgbClr val="000000">
+                      <a:alpha val="43137"/>
+                    </a:srgbClr>
+                  </a:outerShdw>
+                </a:effectLst>
+                <a:latin typeface="Calibri" pitchFamily="34" charset="0"/>
+                <a:cs typeface="Calibri" pitchFamily="34" charset="0"/>
+              </a:rPr>
+              <a:t>SOCIJALDEMOKRATSKE</a:t>
+            </a:r>
+          </a:p>
+        </p:txBody>
+      </p:sp>
+      <p:sp>
+        <p:nvSpPr>
+          <p:cNvPr id="15" name="TextBox 11"/>
+          <p:cNvSpPr txBox="1"/>
+          <p:nvPr/>
+        </p:nvSpPr>
+        <p:spPr>
+          <a:xfrm>
+            <a:off x="285720" y="5249812"/>
+            <a:ext cx="8501122" cy="1261884"/>
+          </a:xfrm>
+          <a:prstGeom prst="rect">
+            <a:avLst/>
+          </a:prstGeom>
+          <a:noFill/>
+        </p:spPr>
+        <p:txBody>
+          <a:bodyPr wrap="square" rtlCol="0">
+            <a:spAutoFit/>
+          </a:bodyPr>
+          <a:lstStyle/>
+          <a:p>
+            <a:pPr marL="288000" indent="-288000">
+              <a:lnSpc>
+                <a:spcPct val="100000"/>
+              </a:lnSpc>
+              <a:spcBef>
+                <a:spcPts val="600"/>
+              </a:spcBef>
+              <a:buClr>
+                <a:schemeClr val="tx1"/>
+              </a:buClr>
+              <a:buFont typeface="Arial" pitchFamily="34" charset="0"/>
+              <a:buChar char="–"/>
+            </a:pPr>
+            <a:r>
+              <a:rPr lang="hr-HR" sz="2200" dirty="0" smtClean="0">
+                <a:latin typeface="Calibri" pitchFamily="34" charset="0"/>
+                <a:cs typeface="Calibri" pitchFamily="34" charset="0"/>
+              </a:rPr>
+              <a:t>zalažu se za </a:t>
+            </a:r>
+            <a:r>
+              <a:rPr lang="hr-HR" sz="2200" b="1" dirty="0" smtClean="0">
+                <a:solidFill>
+                  <a:srgbClr val="FFC000"/>
+                </a:solidFill>
+                <a:effectLst>
+                  <a:outerShdw blurRad="38100" dist="38100" dir="2700000" algn="tl">
+                    <a:srgbClr val="000000">
+                      <a:alpha val="43137"/>
+                    </a:srgbClr>
+                  </a:outerShdw>
+                </a:effectLst>
+                <a:latin typeface="Calibri" pitchFamily="34" charset="0"/>
+                <a:cs typeface="Calibri" pitchFamily="34" charset="0"/>
+              </a:rPr>
+              <a:t>socijalni</a:t>
+            </a:r>
+            <a:r>
+              <a:rPr lang="hr-HR" sz="2200" dirty="0" smtClean="0">
+                <a:latin typeface="Calibri" pitchFamily="34" charset="0"/>
+                <a:cs typeface="Calibri" pitchFamily="34" charset="0"/>
+              </a:rPr>
+              <a:t> </a:t>
+            </a:r>
+            <a:r>
+              <a:rPr lang="hr-HR" sz="2200" b="1" dirty="0" smtClean="0">
+                <a:solidFill>
+                  <a:srgbClr val="FFC000"/>
+                </a:solidFill>
+                <a:effectLst>
+                  <a:outerShdw blurRad="38100" dist="38100" dir="2700000" algn="tl">
+                    <a:srgbClr val="000000">
+                      <a:alpha val="43137"/>
+                    </a:srgbClr>
+                  </a:outerShdw>
+                </a:effectLst>
+                <a:latin typeface="Calibri" pitchFamily="34" charset="0"/>
+                <a:cs typeface="Calibri" pitchFamily="34" charset="0"/>
+              </a:rPr>
+              <a:t>program</a:t>
+            </a:r>
+            <a:r>
+              <a:rPr lang="hr-HR" sz="2200" dirty="0" smtClean="0">
+                <a:latin typeface="Calibri" pitchFamily="34" charset="0"/>
+                <a:cs typeface="Calibri" pitchFamily="34" charset="0"/>
+              </a:rPr>
+              <a:t> i </a:t>
+            </a:r>
+            <a:r>
+              <a:rPr lang="hr-HR" sz="2200" b="1" dirty="0" smtClean="0">
+                <a:solidFill>
+                  <a:srgbClr val="FFC000"/>
+                </a:solidFill>
+                <a:effectLst>
+                  <a:outerShdw blurRad="38100" dist="38100" dir="2700000" algn="tl">
+                    <a:srgbClr val="000000">
+                      <a:alpha val="43137"/>
+                    </a:srgbClr>
+                  </a:outerShdw>
+                </a:effectLst>
+                <a:latin typeface="Calibri" pitchFamily="34" charset="0"/>
+                <a:cs typeface="Calibri" pitchFamily="34" charset="0"/>
+              </a:rPr>
+              <a:t>rješenje socijalnih pitanja</a:t>
+            </a:r>
+          </a:p>
+          <a:p>
+            <a:pPr marL="288000" indent="-288000">
+              <a:lnSpc>
+                <a:spcPct val="100000"/>
+              </a:lnSpc>
+              <a:spcBef>
+                <a:spcPts val="600"/>
+              </a:spcBef>
+              <a:buClr>
+                <a:schemeClr val="tx1"/>
+              </a:buClr>
+              <a:buFont typeface="Arial" pitchFamily="34" charset="0"/>
+              <a:buChar char="–"/>
+            </a:pPr>
+            <a:r>
+              <a:rPr lang="hr-HR" sz="2200" dirty="0" smtClean="0">
+                <a:latin typeface="Calibri" pitchFamily="34" charset="0"/>
+                <a:cs typeface="Calibri" pitchFamily="34" charset="0"/>
+              </a:rPr>
+              <a:t>temeljne vrijednosti su </a:t>
+            </a:r>
+            <a:r>
+              <a:rPr lang="hr-HR" sz="2200" b="1" dirty="0" smtClean="0">
+                <a:solidFill>
+                  <a:srgbClr val="FFC000"/>
+                </a:solidFill>
+                <a:effectLst>
+                  <a:outerShdw blurRad="38100" dist="38100" dir="2700000" algn="tl">
+                    <a:srgbClr val="000000">
+                      <a:alpha val="43137"/>
+                    </a:srgbClr>
+                  </a:outerShdw>
+                </a:effectLst>
+                <a:latin typeface="Calibri" pitchFamily="34" charset="0"/>
+                <a:cs typeface="Calibri" pitchFamily="34" charset="0"/>
+              </a:rPr>
+              <a:t>sloboda</a:t>
+            </a:r>
+            <a:r>
+              <a:rPr lang="hr-HR" sz="2200" dirty="0" smtClean="0">
+                <a:latin typeface="Calibri" pitchFamily="34" charset="0"/>
+                <a:cs typeface="Calibri" pitchFamily="34" charset="0"/>
+              </a:rPr>
+              <a:t>, </a:t>
+            </a:r>
+            <a:r>
+              <a:rPr lang="hr-HR" sz="2200" b="1" dirty="0" smtClean="0">
+                <a:solidFill>
+                  <a:srgbClr val="FFC000"/>
+                </a:solidFill>
+                <a:effectLst>
+                  <a:outerShdw blurRad="38100" dist="38100" dir="2700000" algn="tl">
+                    <a:srgbClr val="000000">
+                      <a:alpha val="43137"/>
+                    </a:srgbClr>
+                  </a:outerShdw>
+                </a:effectLst>
+                <a:latin typeface="Calibri" pitchFamily="34" charset="0"/>
+                <a:cs typeface="Calibri" pitchFamily="34" charset="0"/>
+              </a:rPr>
+              <a:t>ravnopravnost</a:t>
+            </a:r>
+            <a:r>
+              <a:rPr lang="hr-HR" sz="2200" dirty="0" smtClean="0">
+                <a:latin typeface="Calibri" pitchFamily="34" charset="0"/>
+                <a:cs typeface="Calibri" pitchFamily="34" charset="0"/>
+              </a:rPr>
+              <a:t> i </a:t>
+            </a:r>
+            <a:r>
+              <a:rPr lang="hr-HR" sz="2200" b="1" dirty="0" smtClean="0">
+                <a:solidFill>
+                  <a:srgbClr val="FFC000"/>
+                </a:solidFill>
+                <a:effectLst>
+                  <a:outerShdw blurRad="38100" dist="38100" dir="2700000" algn="tl">
+                    <a:srgbClr val="000000">
+                      <a:alpha val="43137"/>
+                    </a:srgbClr>
+                  </a:outerShdw>
+                </a:effectLst>
+                <a:latin typeface="Calibri" pitchFamily="34" charset="0"/>
+                <a:cs typeface="Calibri" pitchFamily="34" charset="0"/>
+              </a:rPr>
+              <a:t>solidarnost</a:t>
+            </a:r>
+          </a:p>
+          <a:p>
+            <a:pPr marL="288000" indent="-288000">
+              <a:lnSpc>
+                <a:spcPct val="100000"/>
+              </a:lnSpc>
+              <a:spcBef>
+                <a:spcPts val="600"/>
+              </a:spcBef>
+              <a:buClr>
+                <a:schemeClr val="tx1"/>
+              </a:buClr>
+              <a:buFont typeface="Arial" pitchFamily="34" charset="0"/>
+              <a:buChar char="–"/>
+            </a:pPr>
+            <a:r>
+              <a:rPr lang="hr-HR" sz="2200" dirty="0" smtClean="0">
+                <a:latin typeface="Calibri" pitchFamily="34" charset="0"/>
+                <a:cs typeface="Calibri" pitchFamily="34" charset="0"/>
+              </a:rPr>
+              <a:t>ciljeve postižu reformističkim metodama</a:t>
             </a:r>
           </a:p>
         </p:txBody>
@@ -43541,36 +47116,29 @@
                             </p:childTnLst>
                           </p:cTn>
                         </p:par>
-                      </p:childTnLst>
-                    </p:cTn>
-                  </p:par>
-                  <p:par>
-                    <p:cTn id="25" fill="hold">
-                      <p:stCondLst>
-                        <p:cond delay="indefinite"/>
-                      </p:stCondLst>
-                      <p:childTnLst>
                         <p:par>
-                          <p:cTn id="26" fill="hold">
+                          <p:cTn id="25" fill="hold">
                             <p:stCondLst>
-                              <p:cond delay="0"/>
+                              <p:cond delay="750"/>
                             </p:stCondLst>
                             <p:childTnLst>
                               <p:par>
-                                <p:cTn id="27" presetID="22" presetClass="entr" presetSubtype="1" fill="hold" grpId="0" nodeType="clickEffect">
+                                <p:cTn id="26" presetID="22" presetClass="entr" presetSubtype="1" fill="hold" grpId="0" nodeType="afterEffect">
                                   <p:stCondLst>
                                     <p:cond delay="0"/>
                                   </p:stCondLst>
                                   <p:childTnLst>
                                     <p:set>
                                       <p:cBhvr>
-                                        <p:cTn id="28" dur="1" fill="hold">
+                                        <p:cTn id="27" dur="1" fill="hold">
                                           <p:stCondLst>
                                             <p:cond delay="0"/>
                                           </p:stCondLst>
                                         </p:cTn>
                                         <p:tgtEl>
-                                          <p:spTgt spid="4"/>
+                                          <p:spTgt spid="12">
+                                            <p:bg/>
+                                          </p:spTgt>
                                         </p:tgtEl>
                                         <p:attrNameLst>
                                           <p:attrName>style.visibility</p:attrName>
@@ -43582,39 +47150,32 @@
                                     </p:set>
                                     <p:animEffect transition="in" filter="wipe(up)">
                                       <p:cBhvr>
-                                        <p:cTn id="29" dur="250"/>
-                                        <p:tgtEl>
-                                          <p:spTgt spid="4"/>
+                                        <p:cTn id="28" dur="250"/>
+                                        <p:tgtEl>
+                                          <p:spTgt spid="12">
+                                            <p:bg/>
+                                          </p:spTgt>
                                         </p:tgtEl>
                                       </p:cBhvr>
                                     </p:animEffect>
                                   </p:childTnLst>
                                 </p:cTn>
                               </p:par>
-                            </p:childTnLst>
-                          </p:cTn>
-                        </p:par>
-                        <p:par>
-                          <p:cTn id="30" fill="hold">
-                            <p:stCondLst>
-                              <p:cond delay="250"/>
-                            </p:stCondLst>
-                            <p:childTnLst>
                               <p:par>
-                                <p:cTn id="31" presetID="10" presetClass="entr" presetSubtype="0" fill="hold" grpId="0" nodeType="afterEffect">
+                                <p:cTn id="29" presetID="22" presetClass="entr" presetSubtype="1" fill="hold" grpId="0" nodeType="withEffect">
                                   <p:stCondLst>
                                     <p:cond delay="0"/>
                                   </p:stCondLst>
                                   <p:childTnLst>
                                     <p:set>
                                       <p:cBhvr>
-                                        <p:cTn id="32" dur="1" fill="hold">
+                                        <p:cTn id="30" dur="1" fill="hold">
                                           <p:stCondLst>
                                             <p:cond delay="0"/>
                                           </p:stCondLst>
                                         </p:cTn>
                                         <p:tgtEl>
-                                          <p:spTgt spid="10">
+                                          <p:spTgt spid="12">
                                             <p:txEl>
                                               <p:pRg st="0" end="0"/>
                                             </p:txEl>
@@ -43628,169 +47189,13 @@
                                         <p:strVal val="visible"/>
                                       </p:to>
                                     </p:set>
-                                    <p:animEffect transition="in" filter="fade">
-                                      <p:cBhvr>
-                                        <p:cTn id="33" dur="250"/>
-                                        <p:tgtEl>
-                                          <p:spTgt spid="10">
+                                    <p:animEffect transition="in" filter="wipe(up)">
+                                      <p:cBhvr>
+                                        <p:cTn id="31" dur="250"/>
+                                        <p:tgtEl>
+                                          <p:spTgt spid="12">
                                             <p:txEl>
                                               <p:pRg st="0" end="0"/>
-                                            </p:txEl>
-                                          </p:spTgt>
-                                        </p:tgtEl>
-                                      </p:cBhvr>
-                                    </p:animEffect>
-                                  </p:childTnLst>
-                                </p:cTn>
-                              </p:par>
-                            </p:childTnLst>
-                          </p:cTn>
-                        </p:par>
-                        <p:par>
-                          <p:cTn id="34" fill="hold">
-                            <p:stCondLst>
-                              <p:cond delay="500"/>
-                            </p:stCondLst>
-                            <p:childTnLst>
-                              <p:par>
-                                <p:cTn id="35" presetID="10" presetClass="entr" presetSubtype="0" fill="hold" grpId="0" nodeType="afterEffect">
-                                  <p:stCondLst>
-                                    <p:cond delay="0"/>
-                                  </p:stCondLst>
-                                  <p:childTnLst>
-                                    <p:set>
-                                      <p:cBhvr>
-                                        <p:cTn id="36" dur="1" fill="hold">
-                                          <p:stCondLst>
-                                            <p:cond delay="0"/>
-                                          </p:stCondLst>
-                                        </p:cTn>
-                                        <p:tgtEl>
-                                          <p:spTgt spid="10">
-                                            <p:txEl>
-                                              <p:pRg st="1" end="1"/>
-                                            </p:txEl>
-                                          </p:spTgt>
-                                        </p:tgtEl>
-                                        <p:attrNameLst>
-                                          <p:attrName>style.visibility</p:attrName>
-                                        </p:attrNameLst>
-                                      </p:cBhvr>
-                                      <p:to>
-                                        <p:strVal val="visible"/>
-                                      </p:to>
-                                    </p:set>
-                                    <p:animEffect transition="in" filter="fade">
-                                      <p:cBhvr>
-                                        <p:cTn id="37" dur="250"/>
-                                        <p:tgtEl>
-                                          <p:spTgt spid="10">
-                                            <p:txEl>
-                                              <p:pRg st="1" end="1"/>
-                                            </p:txEl>
-                                          </p:spTgt>
-                                        </p:tgtEl>
-                                      </p:cBhvr>
-                                    </p:animEffect>
-                                  </p:childTnLst>
-                                </p:cTn>
-                              </p:par>
-                            </p:childTnLst>
-                          </p:cTn>
-                        </p:par>
-                        <p:par>
-                          <p:cTn id="38" fill="hold">
-                            <p:stCondLst>
-                              <p:cond delay="750"/>
-                            </p:stCondLst>
-                            <p:childTnLst>
-                              <p:par>
-                                <p:cTn id="39" presetID="10" presetClass="entr" presetSubtype="0" fill="hold" grpId="0" nodeType="afterEffect">
-                                  <p:stCondLst>
-                                    <p:cond delay="0"/>
-                                  </p:stCondLst>
-                                  <p:childTnLst>
-                                    <p:set>
-                                      <p:cBhvr>
-                                        <p:cTn id="40" dur="1" fill="hold">
-                                          <p:stCondLst>
-                                            <p:cond delay="0"/>
-                                          </p:stCondLst>
-                                        </p:cTn>
-                                        <p:tgtEl>
-                                          <p:spTgt spid="10">
-                                            <p:txEl>
-                                              <p:pRg st="2" end="2"/>
-                                            </p:txEl>
-                                          </p:spTgt>
-                                        </p:tgtEl>
-                                        <p:attrNameLst>
-                                          <p:attrName>style.visibility</p:attrName>
-                                        </p:attrNameLst>
-                                      </p:cBhvr>
-                                      <p:to>
-                                        <p:strVal val="visible"/>
-                                      </p:to>
-                                    </p:set>
-                                    <p:animEffect transition="in" filter="fade">
-                                      <p:cBhvr>
-                                        <p:cTn id="41" dur="250"/>
-                                        <p:tgtEl>
-                                          <p:spTgt spid="10">
-                                            <p:txEl>
-                                              <p:pRg st="2" end="2"/>
-                                            </p:txEl>
-                                          </p:spTgt>
-                                        </p:tgtEl>
-                                      </p:cBhvr>
-                                    </p:animEffect>
-                                  </p:childTnLst>
-                                </p:cTn>
-                              </p:par>
-                            </p:childTnLst>
-                          </p:cTn>
-                        </p:par>
-                        <p:par>
-                          <p:cTn id="42" fill="hold">
-                            <p:stCondLst>
-                              <p:cond delay="1000"/>
-                            </p:stCondLst>
-                            <p:childTnLst>
-                              <p:par>
-                                <p:cTn id="43" presetID="10" presetClass="entr" presetSubtype="0" fill="hold" grpId="0" nodeType="afterEffect">
-                                  <p:stCondLst>
-                                    <p:cond delay="0"/>
-                                  </p:stCondLst>
-                                  <p:childTnLst>
-                                    <p:set>
-                                      <p:cBhvr>
-                                        <p:cTn id="44" dur="1" fill="hold">
-                                          <p:stCondLst>
-                                            <p:cond delay="0"/>
-                                          </p:stCondLst>
-                                        </p:cTn>
-                                        <p:tgtEl>
-                                          <p:spTgt spid="10">
-                                            <p:txEl>
-                                              <p:pRg st="3" end="3"/>
-                                            </p:txEl>
-                                          </p:spTgt>
-                                        </p:tgtEl>
-                                        <p:attrNameLst>
-                                          <p:attrName>style.visibility</p:attrName>
-                                        </p:attrNameLst>
-                                      </p:cBhvr>
-                                      <p:to>
-                                        <p:strVal val="visible"/>
-                                      </p:to>
-                                    </p:set>
-                                    <p:animEffect transition="in" filter="fade">
-                                      <p:cBhvr>
-                                        <p:cTn id="45" dur="250"/>
-                                        <p:tgtEl>
-                                          <p:spTgt spid="10">
-                                            <p:txEl>
-                                              <p:pRg st="3" end="3"/>
                                             </p:txEl>
                                           </p:spTgt>
                                         </p:tgtEl>
@@ -43806,32 +47211,32 @@
                     </p:cTn>
                   </p:par>
                   <p:par>
-                    <p:cTn id="46" fill="hold">
+                    <p:cTn id="32" fill="hold">
                       <p:stCondLst>
                         <p:cond delay="indefinite"/>
                       </p:stCondLst>
                       <p:childTnLst>
                         <p:par>
-                          <p:cTn id="47" fill="hold">
+                          <p:cTn id="33" fill="hold">
                             <p:stCondLst>
                               <p:cond delay="0"/>
                             </p:stCondLst>
                             <p:childTnLst>
                               <p:par>
-                                <p:cTn id="48" presetID="22" presetClass="entr" presetSubtype="1" fill="hold" grpId="0" nodeType="clickEffect">
+                                <p:cTn id="34" presetID="22" presetClass="entr" presetSubtype="1" fill="hold" grpId="0" nodeType="clickEffect">
                                   <p:stCondLst>
                                     <p:cond delay="0"/>
                                   </p:stCondLst>
                                   <p:childTnLst>
                                     <p:set>
                                       <p:cBhvr>
-                                        <p:cTn id="49" dur="1" fill="hold">
+                                        <p:cTn id="35" dur="1" fill="hold">
                                           <p:stCondLst>
                                             <p:cond delay="0"/>
                                           </p:stCondLst>
                                         </p:cTn>
                                         <p:tgtEl>
-                                          <p:spTgt spid="5"/>
+                                          <p:spTgt spid="4"/>
                                         </p:tgtEl>
                                         <p:attrNameLst>
                                           <p:attrName>style.visibility</p:attrName>
@@ -43843,9 +47248,9 @@
                                     </p:set>
                                     <p:animEffect transition="in" filter="wipe(up)">
                                       <p:cBhvr>
-                                        <p:cTn id="50" dur="250"/>
-                                        <p:tgtEl>
-                                          <p:spTgt spid="5"/>
+                                        <p:cTn id="36" dur="250"/>
+                                        <p:tgtEl>
+                                          <p:spTgt spid="4"/>
                                         </p:tgtEl>
                                       </p:cBhvr>
                                     </p:animEffect>
@@ -43856,26 +47261,26 @@
                           </p:cTn>
                         </p:par>
                         <p:par>
-                          <p:cTn id="51" fill="hold">
+                          <p:cTn id="37" fill="hold">
                             <p:stCondLst>
                               <p:cond delay="250"/>
                             </p:stCondLst>
                             <p:childTnLst>
                               <p:par>
-                                <p:cTn id="52" presetID="10" presetClass="entr" presetSubtype="0" fill="hold" grpId="0" nodeType="afterEffect">
+                                <p:cTn id="38" presetID="10" presetClass="entr" presetSubtype="0" fill="hold" grpId="0" nodeType="afterEffect">
                                   <p:stCondLst>
                                     <p:cond delay="0"/>
                                   </p:stCondLst>
                                   <p:childTnLst>
                                     <p:set>
                                       <p:cBhvr>
-                                        <p:cTn id="53" dur="1" fill="hold">
+                                        <p:cTn id="39" dur="1" fill="hold">
                                           <p:stCondLst>
                                             <p:cond delay="0"/>
                                           </p:stCondLst>
                                         </p:cTn>
                                         <p:tgtEl>
-                                          <p:spTgt spid="13">
+                                          <p:spTgt spid="10">
                                             <p:txEl>
                                               <p:pRg st="0" end="0"/>
                                             </p:txEl>
@@ -43891,9 +47296,9 @@
                                     </p:set>
                                     <p:animEffect transition="in" filter="fade">
                                       <p:cBhvr>
-                                        <p:cTn id="54" dur="250"/>
-                                        <p:tgtEl>
-                                          <p:spTgt spid="13">
+                                        <p:cTn id="40" dur="250"/>
+                                        <p:tgtEl>
+                                          <p:spTgt spid="10">
                                             <p:txEl>
                                               <p:pRg st="0" end="0"/>
                                             </p:txEl>
@@ -43908,26 +47313,26 @@
                           </p:cTn>
                         </p:par>
                         <p:par>
-                          <p:cTn id="55" fill="hold">
+                          <p:cTn id="41" fill="hold">
                             <p:stCondLst>
                               <p:cond delay="500"/>
                             </p:stCondLst>
                             <p:childTnLst>
                               <p:par>
-                                <p:cTn id="56" presetID="10" presetClass="entr" presetSubtype="0" fill="hold" grpId="0" nodeType="afterEffect">
+                                <p:cTn id="42" presetID="10" presetClass="entr" presetSubtype="0" fill="hold" grpId="0" nodeType="afterEffect">
                                   <p:stCondLst>
                                     <p:cond delay="0"/>
                                   </p:stCondLst>
                                   <p:childTnLst>
                                     <p:set>
                                       <p:cBhvr>
-                                        <p:cTn id="57" dur="1" fill="hold">
+                                        <p:cTn id="43" dur="1" fill="hold">
                                           <p:stCondLst>
                                             <p:cond delay="0"/>
                                           </p:stCondLst>
                                         </p:cTn>
                                         <p:tgtEl>
-                                          <p:spTgt spid="13">
+                                          <p:spTgt spid="10">
                                             <p:txEl>
                                               <p:pRg st="1" end="1"/>
                                             </p:txEl>
@@ -43943,9 +47348,9 @@
                                     </p:set>
                                     <p:animEffect transition="in" filter="fade">
                                       <p:cBhvr>
-                                        <p:cTn id="58" dur="250"/>
-                                        <p:tgtEl>
-                                          <p:spTgt spid="13">
+                                        <p:cTn id="44" dur="250"/>
+                                        <p:tgtEl>
+                                          <p:spTgt spid="10">
                                             <p:txEl>
                                               <p:pRg st="1" end="1"/>
                                             </p:txEl>
@@ -43960,26 +47365,26 @@
                           </p:cTn>
                         </p:par>
                         <p:par>
-                          <p:cTn id="59" fill="hold">
+                          <p:cTn id="45" fill="hold">
                             <p:stCondLst>
                               <p:cond delay="750"/>
                             </p:stCondLst>
                             <p:childTnLst>
                               <p:par>
-                                <p:cTn id="60" presetID="10" presetClass="entr" presetSubtype="0" fill="hold" grpId="0" nodeType="afterEffect">
+                                <p:cTn id="46" presetID="10" presetClass="entr" presetSubtype="0" fill="hold" grpId="0" nodeType="afterEffect">
                                   <p:stCondLst>
                                     <p:cond delay="0"/>
                                   </p:stCondLst>
                                   <p:childTnLst>
                                     <p:set>
                                       <p:cBhvr>
-                                        <p:cTn id="61" dur="1" fill="hold">
+                                        <p:cTn id="47" dur="1" fill="hold">
                                           <p:stCondLst>
                                             <p:cond delay="0"/>
                                           </p:stCondLst>
                                         </p:cTn>
                                         <p:tgtEl>
-                                          <p:spTgt spid="13">
+                                          <p:spTgt spid="10">
                                             <p:txEl>
                                               <p:pRg st="2" end="2"/>
                                             </p:txEl>
@@ -43995,9 +47400,9 @@
                                     </p:set>
                                     <p:animEffect transition="in" filter="fade">
                                       <p:cBhvr>
-                                        <p:cTn id="62" dur="250"/>
-                                        <p:tgtEl>
-                                          <p:spTgt spid="13">
+                                        <p:cTn id="48" dur="250"/>
+                                        <p:tgtEl>
+                                          <p:spTgt spid="10">
                                             <p:txEl>
                                               <p:pRg st="2" end="2"/>
                                             </p:txEl>
@@ -44012,26 +47417,26 @@
                           </p:cTn>
                         </p:par>
                         <p:par>
-                          <p:cTn id="63" fill="hold">
+                          <p:cTn id="49" fill="hold">
                             <p:stCondLst>
                               <p:cond delay="1000"/>
                             </p:stCondLst>
                             <p:childTnLst>
                               <p:par>
-                                <p:cTn id="64" presetID="10" presetClass="entr" presetSubtype="0" fill="hold" grpId="0" nodeType="afterEffect">
+                                <p:cTn id="50" presetID="10" presetClass="entr" presetSubtype="0" fill="hold" grpId="0" nodeType="afterEffect">
                                   <p:stCondLst>
                                     <p:cond delay="0"/>
                                   </p:stCondLst>
                                   <p:childTnLst>
                                     <p:set>
                                       <p:cBhvr>
-                                        <p:cTn id="65" dur="1" fill="hold">
+                                        <p:cTn id="51" dur="1" fill="hold">
                                           <p:stCondLst>
                                             <p:cond delay="0"/>
                                           </p:stCondLst>
                                         </p:cTn>
                                         <p:tgtEl>
-                                          <p:spTgt spid="13">
+                                          <p:spTgt spid="10">
                                             <p:txEl>
                                               <p:pRg st="3" end="3"/>
                                             </p:txEl>
@@ -44047,9 +47452,9 @@
                                     </p:set>
                                     <p:animEffect transition="in" filter="fade">
                                       <p:cBhvr>
-                                        <p:cTn id="66" dur="250"/>
-                                        <p:tgtEl>
-                                          <p:spTgt spid="13">
+                                        <p:cTn id="52" dur="250"/>
+                                        <p:tgtEl>
+                                          <p:spTgt spid="10">
                                             <p:txEl>
                                               <p:pRg st="3" end="3"/>
                                             </p:txEl>
@@ -44067,32 +47472,32 @@
                     </p:cTn>
                   </p:par>
                   <p:par>
-                    <p:cTn id="67" fill="hold">
+                    <p:cTn id="53" fill="hold">
                       <p:stCondLst>
                         <p:cond delay="indefinite"/>
                       </p:stCondLst>
                       <p:childTnLst>
                         <p:par>
-                          <p:cTn id="68" fill="hold">
+                          <p:cTn id="54" fill="hold">
                             <p:stCondLst>
                               <p:cond delay="0"/>
                             </p:stCondLst>
                             <p:childTnLst>
                               <p:par>
-                                <p:cTn id="69" presetID="22" presetClass="entr" presetSubtype="1" fill="hold" grpId="0" nodeType="clickEffect">
+                                <p:cTn id="55" presetID="22" presetClass="entr" presetSubtype="1" fill="hold" grpId="0" nodeType="clickEffect">
                                   <p:stCondLst>
                                     <p:cond delay="0"/>
                                   </p:stCondLst>
                                   <p:childTnLst>
                                     <p:set>
                                       <p:cBhvr>
-                                        <p:cTn id="70" dur="1" fill="hold">
+                                        <p:cTn id="56" dur="1" fill="hold">
                                           <p:stCondLst>
                                             <p:cond delay="0"/>
                                           </p:stCondLst>
                                         </p:cTn>
                                         <p:tgtEl>
-                                          <p:spTgt spid="6"/>
+                                          <p:spTgt spid="5"/>
                                         </p:tgtEl>
                                         <p:attrNameLst>
                                           <p:attrName>style.visibility</p:attrName>
@@ -44104,9 +47509,9 @@
                                     </p:set>
                                     <p:animEffect transition="in" filter="wipe(up)">
                                       <p:cBhvr>
-                                        <p:cTn id="71" dur="250"/>
-                                        <p:tgtEl>
-                                          <p:spTgt spid="6"/>
+                                        <p:cTn id="57" dur="250"/>
+                                        <p:tgtEl>
+                                          <p:spTgt spid="5"/>
                                         </p:tgtEl>
                                       </p:cBhvr>
                                     </p:animEffect>
@@ -44117,26 +47522,26 @@
                           </p:cTn>
                         </p:par>
                         <p:par>
-                          <p:cTn id="72" fill="hold">
+                          <p:cTn id="58" fill="hold">
                             <p:stCondLst>
                               <p:cond delay="250"/>
                             </p:stCondLst>
                             <p:childTnLst>
                               <p:par>
-                                <p:cTn id="73" presetID="10" presetClass="entr" presetSubtype="0" fill="hold" grpId="0" nodeType="afterEffect">
+                                <p:cTn id="59" presetID="10" presetClass="entr" presetSubtype="0" fill="hold" grpId="0" nodeType="afterEffect">
                                   <p:stCondLst>
                                     <p:cond delay="0"/>
                                   </p:stCondLst>
                                   <p:childTnLst>
                                     <p:set>
                                       <p:cBhvr>
-                                        <p:cTn id="74" dur="1" fill="hold">
+                                        <p:cTn id="60" dur="1" fill="hold">
                                           <p:stCondLst>
                                             <p:cond delay="0"/>
                                           </p:stCondLst>
                                         </p:cTn>
                                         <p:tgtEl>
-                                          <p:spTgt spid="14">
+                                          <p:spTgt spid="13">
                                             <p:txEl>
                                               <p:pRg st="0" end="0"/>
                                             </p:txEl>
@@ -44152,9 +47557,9 @@
                                     </p:set>
                                     <p:animEffect transition="in" filter="fade">
                                       <p:cBhvr>
-                                        <p:cTn id="75" dur="250"/>
-                                        <p:tgtEl>
-                                          <p:spTgt spid="14">
+                                        <p:cTn id="61" dur="250"/>
+                                        <p:tgtEl>
+                                          <p:spTgt spid="13">
                                             <p:txEl>
                                               <p:pRg st="0" end="0"/>
                                             </p:txEl>
@@ -44169,26 +47574,26 @@
                           </p:cTn>
                         </p:par>
                         <p:par>
-                          <p:cTn id="76" fill="hold">
+                          <p:cTn id="62" fill="hold">
                             <p:stCondLst>
                               <p:cond delay="500"/>
                             </p:stCondLst>
                             <p:childTnLst>
                               <p:par>
-                                <p:cTn id="77" presetID="10" presetClass="entr" presetSubtype="0" fill="hold" grpId="0" nodeType="afterEffect">
+                                <p:cTn id="63" presetID="10" presetClass="entr" presetSubtype="0" fill="hold" grpId="0" nodeType="afterEffect">
                                   <p:stCondLst>
                                     <p:cond delay="0"/>
                                   </p:stCondLst>
                                   <p:childTnLst>
                                     <p:set>
                                       <p:cBhvr>
-                                        <p:cTn id="78" dur="1" fill="hold">
+                                        <p:cTn id="64" dur="1" fill="hold">
                                           <p:stCondLst>
                                             <p:cond delay="0"/>
                                           </p:stCondLst>
                                         </p:cTn>
                                         <p:tgtEl>
-                                          <p:spTgt spid="14">
+                                          <p:spTgt spid="13">
                                             <p:txEl>
                                               <p:pRg st="1" end="1"/>
                                             </p:txEl>
@@ -44204,9 +47609,9 @@
                                     </p:set>
                                     <p:animEffect transition="in" filter="fade">
                                       <p:cBhvr>
-                                        <p:cTn id="79" dur="250"/>
-                                        <p:tgtEl>
-                                          <p:spTgt spid="14">
+                                        <p:cTn id="65" dur="250"/>
+                                        <p:tgtEl>
+                                          <p:spTgt spid="13">
                                             <p:txEl>
                                               <p:pRg st="1" end="1"/>
                                             </p:txEl>
@@ -44221,26 +47626,26 @@
                           </p:cTn>
                         </p:par>
                         <p:par>
-                          <p:cTn id="80" fill="hold">
+                          <p:cTn id="66" fill="hold">
                             <p:stCondLst>
                               <p:cond delay="750"/>
                             </p:stCondLst>
                             <p:childTnLst>
                               <p:par>
-                                <p:cTn id="81" presetID="10" presetClass="entr" presetSubtype="0" fill="hold" grpId="0" nodeType="afterEffect">
+                                <p:cTn id="67" presetID="10" presetClass="entr" presetSubtype="0" fill="hold" grpId="0" nodeType="afterEffect">
                                   <p:stCondLst>
                                     <p:cond delay="0"/>
                                   </p:stCondLst>
                                   <p:childTnLst>
                                     <p:set>
                                       <p:cBhvr>
-                                        <p:cTn id="82" dur="1" fill="hold">
+                                        <p:cTn id="68" dur="1" fill="hold">
                                           <p:stCondLst>
                                             <p:cond delay="0"/>
                                           </p:stCondLst>
                                         </p:cTn>
                                         <p:tgtEl>
-                                          <p:spTgt spid="14">
+                                          <p:spTgt spid="13">
                                             <p:txEl>
                                               <p:pRg st="2" end="2"/>
                                             </p:txEl>
@@ -44256,9 +47661,479 @@
                                     </p:set>
                                     <p:animEffect transition="in" filter="fade">
                                       <p:cBhvr>
-                                        <p:cTn id="83" dur="250"/>
+                                        <p:cTn id="69" dur="250"/>
+                                        <p:tgtEl>
+                                          <p:spTgt spid="13">
+                                            <p:txEl>
+                                              <p:pRg st="2" end="2"/>
+                                            </p:txEl>
+                                          </p:spTgt>
+                                        </p:tgtEl>
+                                      </p:cBhvr>
+                                    </p:animEffect>
+                                  </p:childTnLst>
+                                </p:cTn>
+                              </p:par>
+                            </p:childTnLst>
+                          </p:cTn>
+                        </p:par>
+                        <p:par>
+                          <p:cTn id="70" fill="hold">
+                            <p:stCondLst>
+                              <p:cond delay="1000"/>
+                            </p:stCondLst>
+                            <p:childTnLst>
+                              <p:par>
+                                <p:cTn id="71" presetID="10" presetClass="entr" presetSubtype="0" fill="hold" grpId="0" nodeType="afterEffect">
+                                  <p:stCondLst>
+                                    <p:cond delay="0"/>
+                                  </p:stCondLst>
+                                  <p:childTnLst>
+                                    <p:set>
+                                      <p:cBhvr>
+                                        <p:cTn id="72" dur="1" fill="hold">
+                                          <p:stCondLst>
+                                            <p:cond delay="0"/>
+                                          </p:stCondLst>
+                                        </p:cTn>
+                                        <p:tgtEl>
+                                          <p:spTgt spid="13">
+                                            <p:txEl>
+                                              <p:pRg st="3" end="3"/>
+                                            </p:txEl>
+                                          </p:spTgt>
+                                        </p:tgtEl>
+                                        <p:attrNameLst>
+                                          <p:attrName>style.visibility</p:attrName>
+                                        </p:attrNameLst>
+                                      </p:cBhvr>
+                                      <p:to>
+                                        <p:strVal val="visible"/>
+                                      </p:to>
+                                    </p:set>
+                                    <p:animEffect transition="in" filter="fade">
+                                      <p:cBhvr>
+                                        <p:cTn id="73" dur="250"/>
+                                        <p:tgtEl>
+                                          <p:spTgt spid="13">
+                                            <p:txEl>
+                                              <p:pRg st="3" end="3"/>
+                                            </p:txEl>
+                                          </p:spTgt>
+                                        </p:tgtEl>
+                                      </p:cBhvr>
+                                    </p:animEffect>
+                                  </p:childTnLst>
+                                </p:cTn>
+                              </p:par>
+                            </p:childTnLst>
+                          </p:cTn>
+                        </p:par>
+                      </p:childTnLst>
+                    </p:cTn>
+                  </p:par>
+                  <p:par>
+                    <p:cTn id="74" fill="hold">
+                      <p:stCondLst>
+                        <p:cond delay="indefinite"/>
+                      </p:stCondLst>
+                      <p:childTnLst>
+                        <p:par>
+                          <p:cTn id="75" fill="hold">
+                            <p:stCondLst>
+                              <p:cond delay="0"/>
+                            </p:stCondLst>
+                            <p:childTnLst>
+                              <p:par>
+                                <p:cTn id="76" presetID="22" presetClass="entr" presetSubtype="1" fill="hold" grpId="0" nodeType="clickEffect">
+                                  <p:stCondLst>
+                                    <p:cond delay="0"/>
+                                  </p:stCondLst>
+                                  <p:childTnLst>
+                                    <p:set>
+                                      <p:cBhvr>
+                                        <p:cTn id="77" dur="1" fill="hold">
+                                          <p:stCondLst>
+                                            <p:cond delay="0"/>
+                                          </p:stCondLst>
+                                        </p:cTn>
+                                        <p:tgtEl>
+                                          <p:spTgt spid="6"/>
+                                        </p:tgtEl>
+                                        <p:attrNameLst>
+                                          <p:attrName>style.visibility</p:attrName>
+                                        </p:attrNameLst>
+                                      </p:cBhvr>
+                                      <p:to>
+                                        <p:strVal val="visible"/>
+                                      </p:to>
+                                    </p:set>
+                                    <p:animEffect transition="in" filter="wipe(up)">
+                                      <p:cBhvr>
+                                        <p:cTn id="78" dur="250"/>
+                                        <p:tgtEl>
+                                          <p:spTgt spid="6"/>
+                                        </p:tgtEl>
+                                      </p:cBhvr>
+                                    </p:animEffect>
+                                  </p:childTnLst>
+                                </p:cTn>
+                              </p:par>
+                            </p:childTnLst>
+                          </p:cTn>
+                        </p:par>
+                        <p:par>
+                          <p:cTn id="79" fill="hold">
+                            <p:stCondLst>
+                              <p:cond delay="250"/>
+                            </p:stCondLst>
+                            <p:childTnLst>
+                              <p:par>
+                                <p:cTn id="80" presetID="10" presetClass="entr" presetSubtype="0" fill="hold" grpId="0" nodeType="afterEffect">
+                                  <p:stCondLst>
+                                    <p:cond delay="0"/>
+                                  </p:stCondLst>
+                                  <p:childTnLst>
+                                    <p:set>
+                                      <p:cBhvr>
+                                        <p:cTn id="81" dur="1" fill="hold">
+                                          <p:stCondLst>
+                                            <p:cond delay="0"/>
+                                          </p:stCondLst>
+                                        </p:cTn>
                                         <p:tgtEl>
                                           <p:spTgt spid="14">
+                                            <p:txEl>
+                                              <p:pRg st="0" end="0"/>
+                                            </p:txEl>
+                                          </p:spTgt>
+                                        </p:tgtEl>
+                                        <p:attrNameLst>
+                                          <p:attrName>style.visibility</p:attrName>
+                                        </p:attrNameLst>
+                                      </p:cBhvr>
+                                      <p:to>
+                                        <p:strVal val="visible"/>
+                                      </p:to>
+                                    </p:set>
+                                    <p:animEffect transition="in" filter="fade">
+                                      <p:cBhvr>
+                                        <p:cTn id="82" dur="250"/>
+                                        <p:tgtEl>
+                                          <p:spTgt spid="14">
+                                            <p:txEl>
+                                              <p:pRg st="0" end="0"/>
+                                            </p:txEl>
+                                          </p:spTgt>
+                                        </p:tgtEl>
+                                      </p:cBhvr>
+                                    </p:animEffect>
+                                  </p:childTnLst>
+                                </p:cTn>
+                              </p:par>
+                            </p:childTnLst>
+                          </p:cTn>
+                        </p:par>
+                        <p:par>
+                          <p:cTn id="83" fill="hold">
+                            <p:stCondLst>
+                              <p:cond delay="500"/>
+                            </p:stCondLst>
+                            <p:childTnLst>
+                              <p:par>
+                                <p:cTn id="84" presetID="10" presetClass="entr" presetSubtype="0" fill="hold" grpId="0" nodeType="afterEffect">
+                                  <p:stCondLst>
+                                    <p:cond delay="0"/>
+                                  </p:stCondLst>
+                                  <p:childTnLst>
+                                    <p:set>
+                                      <p:cBhvr>
+                                        <p:cTn id="85" dur="1" fill="hold">
+                                          <p:stCondLst>
+                                            <p:cond delay="0"/>
+                                          </p:stCondLst>
+                                        </p:cTn>
+                                        <p:tgtEl>
+                                          <p:spTgt spid="14">
+                                            <p:txEl>
+                                              <p:pRg st="1" end="1"/>
+                                            </p:txEl>
+                                          </p:spTgt>
+                                        </p:tgtEl>
+                                        <p:attrNameLst>
+                                          <p:attrName>style.visibility</p:attrName>
+                                        </p:attrNameLst>
+                                      </p:cBhvr>
+                                      <p:to>
+                                        <p:strVal val="visible"/>
+                                      </p:to>
+                                    </p:set>
+                                    <p:animEffect transition="in" filter="fade">
+                                      <p:cBhvr>
+                                        <p:cTn id="86" dur="250"/>
+                                        <p:tgtEl>
+                                          <p:spTgt spid="14">
+                                            <p:txEl>
+                                              <p:pRg st="1" end="1"/>
+                                            </p:txEl>
+                                          </p:spTgt>
+                                        </p:tgtEl>
+                                      </p:cBhvr>
+                                    </p:animEffect>
+                                  </p:childTnLst>
+                                </p:cTn>
+                              </p:par>
+                            </p:childTnLst>
+                          </p:cTn>
+                        </p:par>
+                        <p:par>
+                          <p:cTn id="87" fill="hold">
+                            <p:stCondLst>
+                              <p:cond delay="750"/>
+                            </p:stCondLst>
+                            <p:childTnLst>
+                              <p:par>
+                                <p:cTn id="88" presetID="10" presetClass="entr" presetSubtype="0" fill="hold" grpId="0" nodeType="afterEffect">
+                                  <p:stCondLst>
+                                    <p:cond delay="0"/>
+                                  </p:stCondLst>
+                                  <p:childTnLst>
+                                    <p:set>
+                                      <p:cBhvr>
+                                        <p:cTn id="89" dur="1" fill="hold">
+                                          <p:stCondLst>
+                                            <p:cond delay="0"/>
+                                          </p:stCondLst>
+                                        </p:cTn>
+                                        <p:tgtEl>
+                                          <p:spTgt spid="14">
+                                            <p:txEl>
+                                              <p:pRg st="2" end="2"/>
+                                            </p:txEl>
+                                          </p:spTgt>
+                                        </p:tgtEl>
+                                        <p:attrNameLst>
+                                          <p:attrName>style.visibility</p:attrName>
+                                        </p:attrNameLst>
+                                      </p:cBhvr>
+                                      <p:to>
+                                        <p:strVal val="visible"/>
+                                      </p:to>
+                                    </p:set>
+                                    <p:animEffect transition="in" filter="fade">
+                                      <p:cBhvr>
+                                        <p:cTn id="90" dur="250"/>
+                                        <p:tgtEl>
+                                          <p:spTgt spid="14">
+                                            <p:txEl>
+                                              <p:pRg st="2" end="2"/>
+                                            </p:txEl>
+                                          </p:spTgt>
+                                        </p:tgtEl>
+                                      </p:cBhvr>
+                                    </p:animEffect>
+                                  </p:childTnLst>
+                                </p:cTn>
+                              </p:par>
+                            </p:childTnLst>
+                          </p:cTn>
+                        </p:par>
+                      </p:childTnLst>
+                    </p:cTn>
+                  </p:par>
+                  <p:par>
+                    <p:cTn id="91" fill="hold">
+                      <p:stCondLst>
+                        <p:cond delay="indefinite"/>
+                      </p:stCondLst>
+                      <p:childTnLst>
+                        <p:par>
+                          <p:cTn id="92" fill="hold">
+                            <p:stCondLst>
+                              <p:cond delay="0"/>
+                            </p:stCondLst>
+                            <p:childTnLst>
+                              <p:par>
+                                <p:cTn id="93" presetID="22" presetClass="entr" presetSubtype="1" fill="hold" grpId="0" nodeType="clickEffect">
+                                  <p:stCondLst>
+                                    <p:cond delay="0"/>
+                                  </p:stCondLst>
+                                  <p:childTnLst>
+                                    <p:set>
+                                      <p:cBhvr>
+                                        <p:cTn id="94" dur="1" fill="hold">
+                                          <p:stCondLst>
+                                            <p:cond delay="0"/>
+                                          </p:stCondLst>
+                                        </p:cTn>
+                                        <p:tgtEl>
+                                          <p:spTgt spid="11"/>
+                                        </p:tgtEl>
+                                        <p:attrNameLst>
+                                          <p:attrName>style.visibility</p:attrName>
+                                        </p:attrNameLst>
+                                      </p:cBhvr>
+                                      <p:to>
+                                        <p:strVal val="visible"/>
+                                      </p:to>
+                                    </p:set>
+                                    <p:animEffect transition="in" filter="wipe(up)">
+                                      <p:cBhvr>
+                                        <p:cTn id="95" dur="250"/>
+                                        <p:tgtEl>
+                                          <p:spTgt spid="11"/>
+                                        </p:tgtEl>
+                                      </p:cBhvr>
+                                    </p:animEffect>
+                                  </p:childTnLst>
+                                </p:cTn>
+                              </p:par>
+                            </p:childTnLst>
+                          </p:cTn>
+                        </p:par>
+                        <p:par>
+                          <p:cTn id="96" fill="hold">
+                            <p:stCondLst>
+                              <p:cond delay="250"/>
+                            </p:stCondLst>
+                            <p:childTnLst>
+                              <p:par>
+                                <p:cTn id="97" presetID="10" presetClass="entr" presetSubtype="0" fill="hold" grpId="0" nodeType="afterEffect">
+                                  <p:stCondLst>
+                                    <p:cond delay="0"/>
+                                  </p:stCondLst>
+                                  <p:childTnLst>
+                                    <p:set>
+                                      <p:cBhvr>
+                                        <p:cTn id="98" dur="1" fill="hold">
+                                          <p:stCondLst>
+                                            <p:cond delay="0"/>
+                                          </p:stCondLst>
+                                        </p:cTn>
+                                        <p:tgtEl>
+                                          <p:spTgt spid="15">
+                                            <p:txEl>
+                                              <p:pRg st="0" end="0"/>
+                                            </p:txEl>
+                                          </p:spTgt>
+                                        </p:tgtEl>
+                                        <p:attrNameLst>
+                                          <p:attrName>style.visibility</p:attrName>
+                                        </p:attrNameLst>
+                                      </p:cBhvr>
+                                      <p:to>
+                                        <p:strVal val="visible"/>
+                                      </p:to>
+                                    </p:set>
+                                    <p:animEffect transition="in" filter="fade">
+                                      <p:cBhvr>
+                                        <p:cTn id="99" dur="250"/>
+                                        <p:tgtEl>
+                                          <p:spTgt spid="15">
+                                            <p:txEl>
+                                              <p:pRg st="0" end="0"/>
+                                            </p:txEl>
+                                          </p:spTgt>
+                                        </p:tgtEl>
+                                      </p:cBhvr>
+                                    </p:animEffect>
+                                  </p:childTnLst>
+                                </p:cTn>
+                              </p:par>
+                            </p:childTnLst>
+                          </p:cTn>
+                        </p:par>
+                        <p:par>
+                          <p:cTn id="100" fill="hold">
+                            <p:stCondLst>
+                              <p:cond delay="500"/>
+                            </p:stCondLst>
+                            <p:childTnLst>
+                              <p:par>
+                                <p:cTn id="101" presetID="10" presetClass="entr" presetSubtype="0" fill="hold" grpId="0" nodeType="afterEffect">
+                                  <p:stCondLst>
+                                    <p:cond delay="0"/>
+                                  </p:stCondLst>
+                                  <p:childTnLst>
+                                    <p:set>
+                                      <p:cBhvr>
+                                        <p:cTn id="102" dur="1" fill="hold">
+                                          <p:stCondLst>
+                                            <p:cond delay="0"/>
+                                          </p:stCondLst>
+                                        </p:cTn>
+                                        <p:tgtEl>
+                                          <p:spTgt spid="15">
+                                            <p:txEl>
+                                              <p:pRg st="1" end="1"/>
+                                            </p:txEl>
+                                          </p:spTgt>
+                                        </p:tgtEl>
+                                        <p:attrNameLst>
+                                          <p:attrName>style.visibility</p:attrName>
+                                        </p:attrNameLst>
+                                      </p:cBhvr>
+                                      <p:to>
+                                        <p:strVal val="visible"/>
+                                      </p:to>
+                                    </p:set>
+                                    <p:animEffect transition="in" filter="fade">
+                                      <p:cBhvr>
+                                        <p:cTn id="103" dur="250"/>
+                                        <p:tgtEl>
+                                          <p:spTgt spid="15">
+                                            <p:txEl>
+                                              <p:pRg st="1" end="1"/>
+                                            </p:txEl>
+                                          </p:spTgt>
+                                        </p:tgtEl>
+                                      </p:cBhvr>
+                                    </p:animEffect>
+                                  </p:childTnLst>
+                                </p:cTn>
+                              </p:par>
+                            </p:childTnLst>
+                          </p:cTn>
+                        </p:par>
+                        <p:par>
+                          <p:cTn id="104" fill="hold">
+                            <p:stCondLst>
+                              <p:cond delay="750"/>
+                            </p:stCondLst>
+                            <p:childTnLst>
+                              <p:par>
+                                <p:cTn id="105" presetID="10" presetClass="entr" presetSubtype="0" fill="hold" grpId="0" nodeType="afterEffect">
+                                  <p:stCondLst>
+                                    <p:cond delay="0"/>
+                                  </p:stCondLst>
+                                  <p:childTnLst>
+                                    <p:set>
+                                      <p:cBhvr>
+                                        <p:cTn id="106" dur="1" fill="hold">
+                                          <p:stCondLst>
+                                            <p:cond delay="0"/>
+                                          </p:stCondLst>
+                                        </p:cTn>
+                                        <p:tgtEl>
+                                          <p:spTgt spid="15">
+                                            <p:txEl>
+                                              <p:pRg st="2" end="2"/>
+                                            </p:txEl>
+                                          </p:spTgt>
+                                        </p:tgtEl>
+                                        <p:attrNameLst>
+                                          <p:attrName>style.visibility</p:attrName>
+                                        </p:attrNameLst>
+                                      </p:cBhvr>
+                                      <p:to>
+                                        <p:strVal val="visible"/>
+                                      </p:to>
+                                    </p:set>
+                                    <p:animEffect transition="in" filter="fade">
+                                      <p:cBhvr>
+                                        <p:cTn id="107" dur="250"/>
+                                        <p:tgtEl>
+                                          <p:spTgt spid="15">
                                             <p:txEl>
                                               <p:pRg st="2" end="2"/>
                                             </p:txEl>
@@ -44306,6 +48181,9 @@
       <p:bldP spid="10" grpId="0" uiExpand="1" build="p"/>
       <p:bldP spid="13" grpId="0" uiExpand="1" build="p"/>
       <p:bldP spid="14" grpId="0" uiExpand="1" build="p"/>
+      <p:bldP spid="11" grpId="0" animBg="1"/>
+      <p:bldP spid="12" grpId="0" build="allAtOnce" animBg="1"/>
+      <p:bldP spid="15" grpId="0" build="p"/>
     </p:bldLst>
   </p:timing>
 </p:sld>
